--- a/slides/ipsec.pptx
+++ b/slides/ipsec.pptx
@@ -5,7 +5,7 @@
     <p:sldMasterId id="2147483672" r:id="rId1"/>
   </p:sldMasterIdLst>
   <p:notesMasterIdLst>
-    <p:notesMasterId r:id="rId75"/>
+    <p:notesMasterId r:id="rId76"/>
   </p:notesMasterIdLst>
   <p:sldIdLst>
     <p:sldId id="256" r:id="rId2"/>
@@ -27,60 +27,61 @@
     <p:sldId id="275" r:id="rId18"/>
     <p:sldId id="276" r:id="rId19"/>
     <p:sldId id="277" r:id="rId20"/>
-    <p:sldId id="278" r:id="rId21"/>
-    <p:sldId id="279" r:id="rId22"/>
-    <p:sldId id="281" r:id="rId23"/>
-    <p:sldId id="282" r:id="rId24"/>
-    <p:sldId id="283" r:id="rId25"/>
-    <p:sldId id="286" r:id="rId26"/>
-    <p:sldId id="284" r:id="rId27"/>
-    <p:sldId id="287" r:id="rId28"/>
-    <p:sldId id="288" r:id="rId29"/>
-    <p:sldId id="293" r:id="rId30"/>
-    <p:sldId id="289" r:id="rId31"/>
-    <p:sldId id="290" r:id="rId32"/>
-    <p:sldId id="294" r:id="rId33"/>
-    <p:sldId id="295" r:id="rId34"/>
-    <p:sldId id="291" r:id="rId35"/>
-    <p:sldId id="292" r:id="rId36"/>
-    <p:sldId id="296" r:id="rId37"/>
-    <p:sldId id="299" r:id="rId38"/>
-    <p:sldId id="300" r:id="rId39"/>
-    <p:sldId id="301" r:id="rId40"/>
-    <p:sldId id="302" r:id="rId41"/>
-    <p:sldId id="303" r:id="rId42"/>
-    <p:sldId id="304" r:id="rId43"/>
-    <p:sldId id="305" r:id="rId44"/>
-    <p:sldId id="306" r:id="rId45"/>
-    <p:sldId id="307" r:id="rId46"/>
-    <p:sldId id="308" r:id="rId47"/>
-    <p:sldId id="309" r:id="rId48"/>
-    <p:sldId id="310" r:id="rId49"/>
-    <p:sldId id="311" r:id="rId50"/>
-    <p:sldId id="312" r:id="rId51"/>
-    <p:sldId id="313" r:id="rId52"/>
-    <p:sldId id="314" r:id="rId53"/>
-    <p:sldId id="315" r:id="rId54"/>
-    <p:sldId id="316" r:id="rId55"/>
-    <p:sldId id="317" r:id="rId56"/>
-    <p:sldId id="335" r:id="rId57"/>
-    <p:sldId id="318" r:id="rId58"/>
-    <p:sldId id="319" r:id="rId59"/>
-    <p:sldId id="320" r:id="rId60"/>
-    <p:sldId id="321" r:id="rId61"/>
-    <p:sldId id="322" r:id="rId62"/>
-    <p:sldId id="323" r:id="rId63"/>
-    <p:sldId id="324" r:id="rId64"/>
-    <p:sldId id="325" r:id="rId65"/>
-    <p:sldId id="326" r:id="rId66"/>
-    <p:sldId id="327" r:id="rId67"/>
-    <p:sldId id="328" r:id="rId68"/>
-    <p:sldId id="329" r:id="rId69"/>
-    <p:sldId id="330" r:id="rId70"/>
-    <p:sldId id="331" r:id="rId71"/>
-    <p:sldId id="332" r:id="rId72"/>
-    <p:sldId id="333" r:id="rId73"/>
-    <p:sldId id="334" r:id="rId74"/>
+    <p:sldId id="336" r:id="rId21"/>
+    <p:sldId id="278" r:id="rId22"/>
+    <p:sldId id="279" r:id="rId23"/>
+    <p:sldId id="281" r:id="rId24"/>
+    <p:sldId id="282" r:id="rId25"/>
+    <p:sldId id="283" r:id="rId26"/>
+    <p:sldId id="286" r:id="rId27"/>
+    <p:sldId id="284" r:id="rId28"/>
+    <p:sldId id="287" r:id="rId29"/>
+    <p:sldId id="288" r:id="rId30"/>
+    <p:sldId id="293" r:id="rId31"/>
+    <p:sldId id="289" r:id="rId32"/>
+    <p:sldId id="290" r:id="rId33"/>
+    <p:sldId id="294" r:id="rId34"/>
+    <p:sldId id="295" r:id="rId35"/>
+    <p:sldId id="291" r:id="rId36"/>
+    <p:sldId id="292" r:id="rId37"/>
+    <p:sldId id="296" r:id="rId38"/>
+    <p:sldId id="299" r:id="rId39"/>
+    <p:sldId id="300" r:id="rId40"/>
+    <p:sldId id="301" r:id="rId41"/>
+    <p:sldId id="302" r:id="rId42"/>
+    <p:sldId id="303" r:id="rId43"/>
+    <p:sldId id="304" r:id="rId44"/>
+    <p:sldId id="305" r:id="rId45"/>
+    <p:sldId id="306" r:id="rId46"/>
+    <p:sldId id="307" r:id="rId47"/>
+    <p:sldId id="308" r:id="rId48"/>
+    <p:sldId id="309" r:id="rId49"/>
+    <p:sldId id="310" r:id="rId50"/>
+    <p:sldId id="311" r:id="rId51"/>
+    <p:sldId id="312" r:id="rId52"/>
+    <p:sldId id="313" r:id="rId53"/>
+    <p:sldId id="314" r:id="rId54"/>
+    <p:sldId id="315" r:id="rId55"/>
+    <p:sldId id="316" r:id="rId56"/>
+    <p:sldId id="317" r:id="rId57"/>
+    <p:sldId id="335" r:id="rId58"/>
+    <p:sldId id="318" r:id="rId59"/>
+    <p:sldId id="319" r:id="rId60"/>
+    <p:sldId id="320" r:id="rId61"/>
+    <p:sldId id="321" r:id="rId62"/>
+    <p:sldId id="322" r:id="rId63"/>
+    <p:sldId id="323" r:id="rId64"/>
+    <p:sldId id="324" r:id="rId65"/>
+    <p:sldId id="325" r:id="rId66"/>
+    <p:sldId id="326" r:id="rId67"/>
+    <p:sldId id="327" r:id="rId68"/>
+    <p:sldId id="328" r:id="rId69"/>
+    <p:sldId id="329" r:id="rId70"/>
+    <p:sldId id="330" r:id="rId71"/>
+    <p:sldId id="331" r:id="rId72"/>
+    <p:sldId id="332" r:id="rId73"/>
+    <p:sldId id="333" r:id="rId74"/>
+    <p:sldId id="334" r:id="rId75"/>
   </p:sldIdLst>
   <p:sldSz cx="9144000" cy="6858000" type="screen4x3"/>
   <p:notesSz cx="6858000" cy="9144000"/>
@@ -281,7 +282,7 @@
             <a:fld id="{2C6814D5-692D-47B1-BE8F-34B1BBC4DA78}" type="datetimeFigureOut">
               <a:rPr lang="it-IT" smtClean="0"/>
               <a:pPr/>
-              <a:t>14/12/2020</a:t>
+              <a:t>07/12/2022</a:t>
             </a:fld>
             <a:endParaRPr lang="it-IT"/>
           </a:p>
@@ -1663,7 +1664,7 @@
             <a:fld id="{8820C865-8D6D-4EA1-BAA5-A63E2187913C}" type="slidenum">
               <a:rPr lang="it-IT" smtClean="0"/>
               <a:pPr/>
-              <a:t>20</a:t>
+              <a:t>21</a:t>
             </a:fld>
             <a:endParaRPr lang="it-IT"/>
           </a:p>
@@ -1750,7 +1751,7 @@
             <a:fld id="{8820C865-8D6D-4EA1-BAA5-A63E2187913C}" type="slidenum">
               <a:rPr lang="it-IT" smtClean="0"/>
               <a:pPr/>
-              <a:t>21</a:t>
+              <a:t>22</a:t>
             </a:fld>
             <a:endParaRPr lang="it-IT"/>
           </a:p>
@@ -1837,7 +1838,7 @@
             <a:fld id="{8820C865-8D6D-4EA1-BAA5-A63E2187913C}" type="slidenum">
               <a:rPr lang="it-IT" smtClean="0"/>
               <a:pPr/>
-              <a:t>22</a:t>
+              <a:t>23</a:t>
             </a:fld>
             <a:endParaRPr lang="it-IT"/>
           </a:p>
@@ -1924,7 +1925,7 @@
             <a:fld id="{8820C865-8D6D-4EA1-BAA5-A63E2187913C}" type="slidenum">
               <a:rPr lang="it-IT" smtClean="0"/>
               <a:pPr/>
-              <a:t>23</a:t>
+              <a:t>24</a:t>
             </a:fld>
             <a:endParaRPr lang="it-IT"/>
           </a:p>
@@ -2011,7 +2012,7 @@
             <a:fld id="{8820C865-8D6D-4EA1-BAA5-A63E2187913C}" type="slidenum">
               <a:rPr lang="it-IT" smtClean="0"/>
               <a:pPr/>
-              <a:t>24</a:t>
+              <a:t>25</a:t>
             </a:fld>
             <a:endParaRPr lang="it-IT"/>
           </a:p>
@@ -2098,7 +2099,7 @@
             <a:fld id="{8820C865-8D6D-4EA1-BAA5-A63E2187913C}" type="slidenum">
               <a:rPr lang="it-IT" smtClean="0"/>
               <a:pPr/>
-              <a:t>25</a:t>
+              <a:t>26</a:t>
             </a:fld>
             <a:endParaRPr lang="it-IT"/>
           </a:p>
@@ -2185,7 +2186,7 @@
             <a:fld id="{8820C865-8D6D-4EA1-BAA5-A63E2187913C}" type="slidenum">
               <a:rPr lang="it-IT" smtClean="0"/>
               <a:pPr/>
-              <a:t>26</a:t>
+              <a:t>27</a:t>
             </a:fld>
             <a:endParaRPr lang="it-IT"/>
           </a:p>
@@ -2272,7 +2273,7 @@
             <a:fld id="{8820C865-8D6D-4EA1-BAA5-A63E2187913C}" type="slidenum">
               <a:rPr lang="it-IT" smtClean="0"/>
               <a:pPr/>
-              <a:t>27</a:t>
+              <a:t>28</a:t>
             </a:fld>
             <a:endParaRPr lang="it-IT"/>
           </a:p>
@@ -2359,7 +2360,7 @@
             <a:fld id="{8820C865-8D6D-4EA1-BAA5-A63E2187913C}" type="slidenum">
               <a:rPr lang="it-IT" smtClean="0"/>
               <a:pPr/>
-              <a:t>28</a:t>
+              <a:t>29</a:t>
             </a:fld>
             <a:endParaRPr lang="it-IT"/>
           </a:p>
@@ -2446,7 +2447,7 @@
             <a:fld id="{8820C865-8D6D-4EA1-BAA5-A63E2187913C}" type="slidenum">
               <a:rPr lang="it-IT" smtClean="0"/>
               <a:pPr/>
-              <a:t>29</a:t>
+              <a:t>30</a:t>
             </a:fld>
             <a:endParaRPr lang="it-IT"/>
           </a:p>
@@ -2620,7 +2621,7 @@
             <a:fld id="{8820C865-8D6D-4EA1-BAA5-A63E2187913C}" type="slidenum">
               <a:rPr lang="it-IT" smtClean="0"/>
               <a:pPr/>
-              <a:t>30</a:t>
+              <a:t>31</a:t>
             </a:fld>
             <a:endParaRPr lang="it-IT"/>
           </a:p>
@@ -2707,7 +2708,7 @@
             <a:fld id="{8820C865-8D6D-4EA1-BAA5-A63E2187913C}" type="slidenum">
               <a:rPr lang="it-IT" smtClean="0"/>
               <a:pPr/>
-              <a:t>31</a:t>
+              <a:t>32</a:t>
             </a:fld>
             <a:endParaRPr lang="it-IT"/>
           </a:p>
@@ -2794,7 +2795,7 @@
             <a:fld id="{8820C865-8D6D-4EA1-BAA5-A63E2187913C}" type="slidenum">
               <a:rPr lang="it-IT" smtClean="0"/>
               <a:pPr/>
-              <a:t>32</a:t>
+              <a:t>33</a:t>
             </a:fld>
             <a:endParaRPr lang="it-IT"/>
           </a:p>
@@ -2881,7 +2882,7 @@
             <a:fld id="{8820C865-8D6D-4EA1-BAA5-A63E2187913C}" type="slidenum">
               <a:rPr lang="it-IT" smtClean="0"/>
               <a:pPr/>
-              <a:t>33</a:t>
+              <a:t>34</a:t>
             </a:fld>
             <a:endParaRPr lang="it-IT"/>
           </a:p>
@@ -2968,7 +2969,7 @@
             <a:fld id="{8820C865-8D6D-4EA1-BAA5-A63E2187913C}" type="slidenum">
               <a:rPr lang="it-IT" smtClean="0"/>
               <a:pPr/>
-              <a:t>34</a:t>
+              <a:t>35</a:t>
             </a:fld>
             <a:endParaRPr lang="it-IT"/>
           </a:p>
@@ -3055,7 +3056,7 @@
             <a:fld id="{8820C865-8D6D-4EA1-BAA5-A63E2187913C}" type="slidenum">
               <a:rPr lang="it-IT" smtClean="0"/>
               <a:pPr/>
-              <a:t>35</a:t>
+              <a:t>36</a:t>
             </a:fld>
             <a:endParaRPr lang="it-IT"/>
           </a:p>
@@ -3142,7 +3143,7 @@
             <a:fld id="{8820C865-8D6D-4EA1-BAA5-A63E2187913C}" type="slidenum">
               <a:rPr lang="it-IT" smtClean="0"/>
               <a:pPr/>
-              <a:t>36</a:t>
+              <a:t>37</a:t>
             </a:fld>
             <a:endParaRPr lang="it-IT"/>
           </a:p>
@@ -3229,7 +3230,7 @@
             <a:fld id="{8B4DE568-271D-4DB9-BD49-26E93401CB60}" type="slidenum">
               <a:rPr lang="it-IT" smtClean="0"/>
               <a:pPr/>
-              <a:t>37</a:t>
+              <a:t>38</a:t>
             </a:fld>
             <a:endParaRPr lang="it-IT"/>
           </a:p>
@@ -3316,7 +3317,7 @@
             <a:fld id="{8B4DE568-271D-4DB9-BD49-26E93401CB60}" type="slidenum">
               <a:rPr lang="it-IT" smtClean="0"/>
               <a:pPr/>
-              <a:t>38</a:t>
+              <a:t>39</a:t>
             </a:fld>
             <a:endParaRPr lang="it-IT"/>
           </a:p>
@@ -3403,7 +3404,7 @@
             <a:fld id="{8B4DE568-271D-4DB9-BD49-26E93401CB60}" type="slidenum">
               <a:rPr lang="it-IT" smtClean="0"/>
               <a:pPr/>
-              <a:t>39</a:t>
+              <a:t>40</a:t>
             </a:fld>
             <a:endParaRPr lang="it-IT"/>
           </a:p>
@@ -3577,7 +3578,7 @@
             <a:fld id="{8B4DE568-271D-4DB9-BD49-26E93401CB60}" type="slidenum">
               <a:rPr lang="it-IT" smtClean="0"/>
               <a:pPr/>
-              <a:t>40</a:t>
+              <a:t>41</a:t>
             </a:fld>
             <a:endParaRPr lang="it-IT"/>
           </a:p>
@@ -3664,7 +3665,7 @@
             <a:fld id="{8B4DE568-271D-4DB9-BD49-26E93401CB60}" type="slidenum">
               <a:rPr lang="it-IT" smtClean="0"/>
               <a:pPr/>
-              <a:t>41</a:t>
+              <a:t>42</a:t>
             </a:fld>
             <a:endParaRPr lang="it-IT"/>
           </a:p>
@@ -3751,7 +3752,7 @@
             <a:fld id="{8B4DE568-271D-4DB9-BD49-26E93401CB60}" type="slidenum">
               <a:rPr lang="it-IT" smtClean="0"/>
               <a:pPr/>
-              <a:t>42</a:t>
+              <a:t>43</a:t>
             </a:fld>
             <a:endParaRPr lang="it-IT"/>
           </a:p>
@@ -3838,7 +3839,7 @@
             <a:fld id="{8B4DE568-271D-4DB9-BD49-26E93401CB60}" type="slidenum">
               <a:rPr lang="it-IT" smtClean="0"/>
               <a:pPr/>
-              <a:t>43</a:t>
+              <a:t>44</a:t>
             </a:fld>
             <a:endParaRPr lang="it-IT"/>
           </a:p>
@@ -3925,7 +3926,7 @@
             <a:fld id="{8B4DE568-271D-4DB9-BD49-26E93401CB60}" type="slidenum">
               <a:rPr lang="it-IT" smtClean="0"/>
               <a:pPr/>
-              <a:t>44</a:t>
+              <a:t>45</a:t>
             </a:fld>
             <a:endParaRPr lang="it-IT"/>
           </a:p>
@@ -4012,7 +4013,7 @@
             <a:fld id="{8B4DE568-271D-4DB9-BD49-26E93401CB60}" type="slidenum">
               <a:rPr lang="it-IT" smtClean="0"/>
               <a:pPr/>
-              <a:t>45</a:t>
+              <a:t>46</a:t>
             </a:fld>
             <a:endParaRPr lang="it-IT"/>
           </a:p>
@@ -4099,7 +4100,7 @@
             <a:fld id="{8B4DE568-271D-4DB9-BD49-26E93401CB60}" type="slidenum">
               <a:rPr lang="it-IT" smtClean="0"/>
               <a:pPr/>
-              <a:t>46</a:t>
+              <a:t>47</a:t>
             </a:fld>
             <a:endParaRPr lang="it-IT"/>
           </a:p>
@@ -4186,7 +4187,7 @@
             <a:fld id="{8B4DE568-271D-4DB9-BD49-26E93401CB60}" type="slidenum">
               <a:rPr lang="it-IT" smtClean="0"/>
               <a:pPr/>
-              <a:t>47</a:t>
+              <a:t>48</a:t>
             </a:fld>
             <a:endParaRPr lang="it-IT"/>
           </a:p>
@@ -4273,7 +4274,7 @@
             <a:fld id="{8B4DE568-271D-4DB9-BD49-26E93401CB60}" type="slidenum">
               <a:rPr lang="it-IT" smtClean="0"/>
               <a:pPr/>
-              <a:t>48</a:t>
+              <a:t>49</a:t>
             </a:fld>
             <a:endParaRPr lang="it-IT"/>
           </a:p>
@@ -4360,7 +4361,7 @@
             <a:fld id="{8B4DE568-271D-4DB9-BD49-26E93401CB60}" type="slidenum">
               <a:rPr lang="it-IT" smtClean="0"/>
               <a:pPr/>
-              <a:t>49</a:t>
+              <a:t>50</a:t>
             </a:fld>
             <a:endParaRPr lang="it-IT"/>
           </a:p>
@@ -4534,7 +4535,7 @@
             <a:fld id="{8B4DE568-271D-4DB9-BD49-26E93401CB60}" type="slidenum">
               <a:rPr lang="it-IT" smtClean="0"/>
               <a:pPr/>
-              <a:t>50</a:t>
+              <a:t>51</a:t>
             </a:fld>
             <a:endParaRPr lang="it-IT"/>
           </a:p>
@@ -4621,7 +4622,7 @@
             <a:fld id="{8B4DE568-271D-4DB9-BD49-26E93401CB60}" type="slidenum">
               <a:rPr lang="it-IT" smtClean="0"/>
               <a:pPr/>
-              <a:t>51</a:t>
+              <a:t>52</a:t>
             </a:fld>
             <a:endParaRPr lang="it-IT"/>
           </a:p>
@@ -4708,7 +4709,7 @@
             <a:fld id="{8B4DE568-271D-4DB9-BD49-26E93401CB60}" type="slidenum">
               <a:rPr lang="it-IT" smtClean="0"/>
               <a:pPr/>
-              <a:t>52</a:t>
+              <a:t>53</a:t>
             </a:fld>
             <a:endParaRPr lang="it-IT"/>
           </a:p>
@@ -4795,7 +4796,7 @@
             <a:fld id="{8B4DE568-271D-4DB9-BD49-26E93401CB60}" type="slidenum">
               <a:rPr lang="it-IT" smtClean="0"/>
               <a:pPr/>
-              <a:t>53</a:t>
+              <a:t>54</a:t>
             </a:fld>
             <a:endParaRPr lang="it-IT"/>
           </a:p>
@@ -4882,7 +4883,7 @@
             <a:fld id="{8B4DE568-271D-4DB9-BD49-26E93401CB60}" type="slidenum">
               <a:rPr lang="it-IT" smtClean="0"/>
               <a:pPr/>
-              <a:t>54</a:t>
+              <a:t>55</a:t>
             </a:fld>
             <a:endParaRPr lang="it-IT"/>
           </a:p>
@@ -4969,7 +4970,7 @@
             <a:fld id="{8B4DE568-271D-4DB9-BD49-26E93401CB60}" type="slidenum">
               <a:rPr lang="it-IT" smtClean="0"/>
               <a:pPr/>
-              <a:t>55</a:t>
+              <a:t>56</a:t>
             </a:fld>
             <a:endParaRPr lang="it-IT"/>
           </a:p>
@@ -5056,7 +5057,7 @@
             <a:fld id="{8B4DE568-271D-4DB9-BD49-26E93401CB60}" type="slidenum">
               <a:rPr lang="it-IT" smtClean="0"/>
               <a:pPr/>
-              <a:t>56</a:t>
+              <a:t>57</a:t>
             </a:fld>
             <a:endParaRPr lang="it-IT"/>
           </a:p>
@@ -5143,7 +5144,7 @@
             <a:fld id="{8B4DE568-271D-4DB9-BD49-26E93401CB60}" type="slidenum">
               <a:rPr lang="it-IT" smtClean="0"/>
               <a:pPr/>
-              <a:t>57</a:t>
+              <a:t>58</a:t>
             </a:fld>
             <a:endParaRPr lang="it-IT"/>
           </a:p>
@@ -5230,7 +5231,7 @@
             <a:fld id="{8B4DE568-271D-4DB9-BD49-26E93401CB60}" type="slidenum">
               <a:rPr lang="it-IT" smtClean="0"/>
               <a:pPr/>
-              <a:t>58</a:t>
+              <a:t>59</a:t>
             </a:fld>
             <a:endParaRPr lang="it-IT"/>
           </a:p>
@@ -5317,7 +5318,7 @@
             <a:fld id="{8B4DE568-271D-4DB9-BD49-26E93401CB60}" type="slidenum">
               <a:rPr lang="it-IT" smtClean="0"/>
               <a:pPr/>
-              <a:t>59</a:t>
+              <a:t>60</a:t>
             </a:fld>
             <a:endParaRPr lang="it-IT"/>
           </a:p>
@@ -5491,7 +5492,7 @@
             <a:fld id="{8B4DE568-271D-4DB9-BD49-26E93401CB60}" type="slidenum">
               <a:rPr lang="it-IT" smtClean="0"/>
               <a:pPr/>
-              <a:t>60</a:t>
+              <a:t>61</a:t>
             </a:fld>
             <a:endParaRPr lang="it-IT"/>
           </a:p>
@@ -5578,7 +5579,7 @@
             <a:fld id="{8B4DE568-271D-4DB9-BD49-26E93401CB60}" type="slidenum">
               <a:rPr lang="it-IT" smtClean="0"/>
               <a:pPr/>
-              <a:t>61</a:t>
+              <a:t>62</a:t>
             </a:fld>
             <a:endParaRPr lang="it-IT"/>
           </a:p>
@@ -5665,7 +5666,7 @@
             <a:fld id="{8B4DE568-271D-4DB9-BD49-26E93401CB60}" type="slidenum">
               <a:rPr lang="it-IT" smtClean="0"/>
               <a:pPr/>
-              <a:t>62</a:t>
+              <a:t>63</a:t>
             </a:fld>
             <a:endParaRPr lang="it-IT"/>
           </a:p>
@@ -5752,7 +5753,7 @@
             <a:fld id="{8B4DE568-271D-4DB9-BD49-26E93401CB60}" type="slidenum">
               <a:rPr lang="it-IT" smtClean="0"/>
               <a:pPr/>
-              <a:t>63</a:t>
+              <a:t>64</a:t>
             </a:fld>
             <a:endParaRPr lang="it-IT"/>
           </a:p>
@@ -5839,7 +5840,7 @@
             <a:fld id="{8B4DE568-271D-4DB9-BD49-26E93401CB60}" type="slidenum">
               <a:rPr lang="it-IT" smtClean="0"/>
               <a:pPr/>
-              <a:t>64</a:t>
+              <a:t>65</a:t>
             </a:fld>
             <a:endParaRPr lang="it-IT"/>
           </a:p>
@@ -5926,7 +5927,7 @@
             <a:fld id="{8B4DE568-271D-4DB9-BD49-26E93401CB60}" type="slidenum">
               <a:rPr lang="it-IT" smtClean="0"/>
               <a:pPr/>
-              <a:t>65</a:t>
+              <a:t>66</a:t>
             </a:fld>
             <a:endParaRPr lang="it-IT"/>
           </a:p>
@@ -6013,7 +6014,7 @@
             <a:fld id="{8B4DE568-271D-4DB9-BD49-26E93401CB60}" type="slidenum">
               <a:rPr lang="it-IT" smtClean="0"/>
               <a:pPr/>
-              <a:t>66</a:t>
+              <a:t>67</a:t>
             </a:fld>
             <a:endParaRPr lang="it-IT"/>
           </a:p>
@@ -6100,7 +6101,7 @@
             <a:fld id="{8B4DE568-271D-4DB9-BD49-26E93401CB60}" type="slidenum">
               <a:rPr lang="it-IT" smtClean="0"/>
               <a:pPr/>
-              <a:t>67</a:t>
+              <a:t>68</a:t>
             </a:fld>
             <a:endParaRPr lang="it-IT"/>
           </a:p>
@@ -6187,7 +6188,7 @@
             <a:fld id="{8B4DE568-271D-4DB9-BD49-26E93401CB60}" type="slidenum">
               <a:rPr lang="it-IT" smtClean="0"/>
               <a:pPr/>
-              <a:t>68</a:t>
+              <a:t>69</a:t>
             </a:fld>
             <a:endParaRPr lang="it-IT"/>
           </a:p>
@@ -6274,7 +6275,7 @@
             <a:fld id="{8B4DE568-271D-4DB9-BD49-26E93401CB60}" type="slidenum">
               <a:rPr lang="it-IT" smtClean="0"/>
               <a:pPr/>
-              <a:t>69</a:t>
+              <a:t>70</a:t>
             </a:fld>
             <a:endParaRPr lang="it-IT"/>
           </a:p>
@@ -6448,7 +6449,7 @@
             <a:fld id="{8B4DE568-271D-4DB9-BD49-26E93401CB60}" type="slidenum">
               <a:rPr lang="it-IT" smtClean="0"/>
               <a:pPr/>
-              <a:t>70</a:t>
+              <a:t>71</a:t>
             </a:fld>
             <a:endParaRPr lang="it-IT"/>
           </a:p>
@@ -6535,7 +6536,7 @@
             <a:fld id="{8B4DE568-271D-4DB9-BD49-26E93401CB60}" type="slidenum">
               <a:rPr lang="it-IT" smtClean="0"/>
               <a:pPr/>
-              <a:t>71</a:t>
+              <a:t>72</a:t>
             </a:fld>
             <a:endParaRPr lang="it-IT"/>
           </a:p>
@@ -6622,7 +6623,7 @@
             <a:fld id="{8B4DE568-271D-4DB9-BD49-26E93401CB60}" type="slidenum">
               <a:rPr lang="it-IT" smtClean="0"/>
               <a:pPr/>
-              <a:t>72</a:t>
+              <a:t>73</a:t>
             </a:fld>
             <a:endParaRPr lang="it-IT"/>
           </a:p>
@@ -6709,7 +6710,7 @@
             <a:fld id="{8B4DE568-271D-4DB9-BD49-26E93401CB60}" type="slidenum">
               <a:rPr lang="it-IT" smtClean="0"/>
               <a:pPr/>
-              <a:t>73</a:t>
+              <a:t>74</a:t>
             </a:fld>
             <a:endParaRPr lang="it-IT"/>
           </a:p>
@@ -7082,7 +7083,7 @@
             <a:fld id="{F6BB1129-F457-4BAC-BBA8-927DF2B9941F}" type="datetimeFigureOut">
               <a:rPr lang="it-IT" smtClean="0"/>
               <a:pPr/>
-              <a:t>14/12/2020</a:t>
+              <a:t>07/12/2022</a:t>
             </a:fld>
             <a:endParaRPr lang="it-IT"/>
           </a:p>
@@ -7252,7 +7253,7 @@
             <a:fld id="{F6BB1129-F457-4BAC-BBA8-927DF2B9941F}" type="datetimeFigureOut">
               <a:rPr lang="it-IT" smtClean="0"/>
               <a:pPr/>
-              <a:t>14/12/2020</a:t>
+              <a:t>07/12/2022</a:t>
             </a:fld>
             <a:endParaRPr lang="it-IT"/>
           </a:p>
@@ -7432,7 +7433,7 @@
             <a:fld id="{F6BB1129-F457-4BAC-BBA8-927DF2B9941F}" type="datetimeFigureOut">
               <a:rPr lang="it-IT" smtClean="0"/>
               <a:pPr/>
-              <a:t>14/12/2020</a:t>
+              <a:t>07/12/2022</a:t>
             </a:fld>
             <a:endParaRPr lang="it-IT"/>
           </a:p>
@@ -7602,7 +7603,7 @@
             <a:fld id="{F6BB1129-F457-4BAC-BBA8-927DF2B9941F}" type="datetimeFigureOut">
               <a:rPr lang="it-IT" smtClean="0"/>
               <a:pPr/>
-              <a:t>14/12/2020</a:t>
+              <a:t>07/12/2022</a:t>
             </a:fld>
             <a:endParaRPr lang="it-IT"/>
           </a:p>
@@ -7849,7 +7850,7 @@
             <a:fld id="{F6BB1129-F457-4BAC-BBA8-927DF2B9941F}" type="datetimeFigureOut">
               <a:rPr lang="it-IT" smtClean="0"/>
               <a:pPr/>
-              <a:t>14/12/2020</a:t>
+              <a:t>07/12/2022</a:t>
             </a:fld>
             <a:endParaRPr lang="it-IT"/>
           </a:p>
@@ -8136,7 +8137,7 @@
             <a:fld id="{F6BB1129-F457-4BAC-BBA8-927DF2B9941F}" type="datetimeFigureOut">
               <a:rPr lang="it-IT" smtClean="0"/>
               <a:pPr/>
-              <a:t>14/12/2020</a:t>
+              <a:t>07/12/2022</a:t>
             </a:fld>
             <a:endParaRPr lang="it-IT"/>
           </a:p>
@@ -8557,7 +8558,7 @@
             <a:fld id="{F6BB1129-F457-4BAC-BBA8-927DF2B9941F}" type="datetimeFigureOut">
               <a:rPr lang="it-IT" smtClean="0"/>
               <a:pPr/>
-              <a:t>14/12/2020</a:t>
+              <a:t>07/12/2022</a:t>
             </a:fld>
             <a:endParaRPr lang="it-IT"/>
           </a:p>
@@ -8676,7 +8677,7 @@
             <a:fld id="{F6BB1129-F457-4BAC-BBA8-927DF2B9941F}" type="datetimeFigureOut">
               <a:rPr lang="it-IT" smtClean="0"/>
               <a:pPr/>
-              <a:t>14/12/2020</a:t>
+              <a:t>07/12/2022</a:t>
             </a:fld>
             <a:endParaRPr lang="it-IT"/>
           </a:p>
@@ -8773,7 +8774,7 @@
             <a:fld id="{F6BB1129-F457-4BAC-BBA8-927DF2B9941F}" type="datetimeFigureOut">
               <a:rPr lang="it-IT" smtClean="0"/>
               <a:pPr/>
-              <a:t>14/12/2020</a:t>
+              <a:t>07/12/2022</a:t>
             </a:fld>
             <a:endParaRPr lang="it-IT"/>
           </a:p>
@@ -9050,7 +9051,7 @@
             <a:fld id="{F6BB1129-F457-4BAC-BBA8-927DF2B9941F}" type="datetimeFigureOut">
               <a:rPr lang="it-IT" smtClean="0"/>
               <a:pPr/>
-              <a:t>14/12/2020</a:t>
+              <a:t>07/12/2022</a:t>
             </a:fld>
             <a:endParaRPr lang="it-IT"/>
           </a:p>
@@ -9304,7 +9305,7 @@
             <a:fld id="{F6BB1129-F457-4BAC-BBA8-927DF2B9941F}" type="datetimeFigureOut">
               <a:rPr lang="it-IT" smtClean="0"/>
               <a:pPr/>
-              <a:t>14/12/2020</a:t>
+              <a:t>07/12/2022</a:t>
             </a:fld>
             <a:endParaRPr lang="it-IT"/>
           </a:p>
@@ -9517,7 +9518,7 @@
             <a:fld id="{F6BB1129-F457-4BAC-BBA8-927DF2B9941F}" type="datetimeFigureOut">
               <a:rPr lang="it-IT" smtClean="0"/>
               <a:pPr/>
-              <a:t>14/12/2020</a:t>
+              <a:t>07/12/2022</a:t>
             </a:fld>
             <a:endParaRPr lang="it-IT"/>
           </a:p>
@@ -11853,6 +11854,136 @@
       </p:grpSpPr>
       <p:sp>
         <p:nvSpPr>
+          <p:cNvPr id="2" name="Title 1">
+            <a:extLst>
+              <a:ext uri="{FF2B5EF4-FFF2-40B4-BE49-F238E27FC236}">
+                <a16:creationId xmlns:a16="http://schemas.microsoft.com/office/drawing/2014/main" id="{A716B131-43BA-822B-94DD-B670E281B7D1}"/>
+              </a:ext>
+            </a:extLst>
+          </p:cNvPr>
+          <p:cNvSpPr>
+            <a:spLocks noGrp="1"/>
+          </p:cNvSpPr>
+          <p:nvPr>
+            <p:ph type="title"/>
+          </p:nvPr>
+        </p:nvSpPr>
+        <p:spPr/>
+        <p:txBody>
+          <a:bodyPr/>
+          <a:lstStyle/>
+          <a:p>
+            <a:r>
+              <a:rPr lang="en-US" dirty="0" err="1"/>
+              <a:t>IPSec</a:t>
+            </a:r>
+            <a:r>
+              <a:rPr lang="en-US" dirty="0"/>
+              <a:t> over UDP</a:t>
+            </a:r>
+            <a:endParaRPr lang="it-IT" dirty="0"/>
+          </a:p>
+        </p:txBody>
+      </p:sp>
+      <p:sp>
+        <p:nvSpPr>
+          <p:cNvPr id="3" name="Content Placeholder 2">
+            <a:extLst>
+              <a:ext uri="{FF2B5EF4-FFF2-40B4-BE49-F238E27FC236}">
+                <a16:creationId xmlns:a16="http://schemas.microsoft.com/office/drawing/2014/main" id="{41BEC27E-39DB-FE93-304F-CBCBF8BA6E3B}"/>
+              </a:ext>
+            </a:extLst>
+          </p:cNvPr>
+          <p:cNvSpPr>
+            <a:spLocks noGrp="1"/>
+          </p:cNvSpPr>
+          <p:nvPr>
+            <p:ph idx="1"/>
+          </p:nvPr>
+        </p:nvSpPr>
+        <p:spPr/>
+        <p:txBody>
+          <a:bodyPr/>
+          <a:lstStyle/>
+          <a:p>
+            <a:r>
+              <a:rPr lang="en-US" dirty="0"/>
+              <a:t>NAT friendly </a:t>
+            </a:r>
+            <a:r>
+              <a:rPr lang="en-US" dirty="0" err="1"/>
+              <a:t>IPSec</a:t>
+            </a:r>
+            <a:r>
+              <a:rPr lang="en-US" dirty="0"/>
+              <a:t>:</a:t>
+            </a:r>
+            <a:endParaRPr lang="it-IT" dirty="0"/>
+          </a:p>
+        </p:txBody>
+      </p:sp>
+      <p:pic>
+        <p:nvPicPr>
+          <p:cNvPr id="5" name="Picture 4">
+            <a:extLst>
+              <a:ext uri="{FF2B5EF4-FFF2-40B4-BE49-F238E27FC236}">
+                <a16:creationId xmlns:a16="http://schemas.microsoft.com/office/drawing/2014/main" id="{F1FE5080-FA08-E1E0-2832-C9F125589094}"/>
+              </a:ext>
+            </a:extLst>
+          </p:cNvPr>
+          <p:cNvPicPr>
+            <a:picLocks noChangeAspect="1"/>
+          </p:cNvPicPr>
+          <p:nvPr/>
+        </p:nvPicPr>
+        <p:blipFill>
+          <a:blip r:embed="rId2"/>
+          <a:stretch>
+            <a:fillRect/>
+          </a:stretch>
+        </p:blipFill>
+        <p:spPr>
+          <a:xfrm>
+            <a:off x="444043" y="2564904"/>
+            <a:ext cx="7992888" cy="1926145"/>
+          </a:xfrm>
+          <a:prstGeom prst="rect">
+            <a:avLst/>
+          </a:prstGeom>
+        </p:spPr>
+      </p:pic>
+    </p:spTree>
+    <p:extLst>
+      <p:ext uri="{BB962C8B-B14F-4D97-AF65-F5344CB8AC3E}">
+        <p14:creationId xmlns:p14="http://schemas.microsoft.com/office/powerpoint/2010/main" val="1594755271"/>
+      </p:ext>
+    </p:extLst>
+  </p:cSld>
+  <p:clrMapOvr>
+    <a:masterClrMapping/>
+  </p:clrMapOvr>
+</p:sld>
+</file>
+
+<file path=ppt/slides/slide21.xml><?xml version="1.0" encoding="utf-8"?>
+<p:sld xmlns:a="http://schemas.openxmlformats.org/drawingml/2006/main" xmlns:r="http://schemas.openxmlformats.org/officeDocument/2006/relationships" xmlns:p="http://schemas.openxmlformats.org/presentationml/2006/main">
+  <p:cSld>
+    <p:spTree>
+      <p:nvGrpSpPr>
+        <p:cNvPr id="1" name=""/>
+        <p:cNvGrpSpPr/>
+        <p:nvPr/>
+      </p:nvGrpSpPr>
+      <p:grpSpPr>
+        <a:xfrm>
+          <a:off x="0" y="0"/>
+          <a:ext cx="0" cy="0"/>
+          <a:chOff x="0" y="0"/>
+          <a:chExt cx="0" cy="0"/>
+        </a:xfrm>
+      </p:grpSpPr>
+      <p:sp>
+        <p:nvSpPr>
           <p:cNvPr id="2" name="Titolo 1"/>
           <p:cNvSpPr>
             <a:spLocks noGrp="1"/>
@@ -11928,130 +12059,6 @@
 </p:sld>
 </file>
 
-<file path=ppt/slides/slide21.xml><?xml version="1.0" encoding="utf-8"?>
-<p:sld xmlns:a="http://schemas.openxmlformats.org/drawingml/2006/main" xmlns:r="http://schemas.openxmlformats.org/officeDocument/2006/relationships" xmlns:p="http://schemas.openxmlformats.org/presentationml/2006/main">
-  <p:cSld>
-    <p:spTree>
-      <p:nvGrpSpPr>
-        <p:cNvPr id="1" name=""/>
-        <p:cNvGrpSpPr/>
-        <p:nvPr/>
-      </p:nvGrpSpPr>
-      <p:grpSpPr>
-        <a:xfrm>
-          <a:off x="0" y="0"/>
-          <a:ext cx="0" cy="0"/>
-          <a:chOff x="0" y="0"/>
-          <a:chExt cx="0" cy="0"/>
-        </a:xfrm>
-      </p:grpSpPr>
-      <p:sp>
-        <p:nvSpPr>
-          <p:cNvPr id="2" name="Titolo 1"/>
-          <p:cNvSpPr>
-            <a:spLocks noGrp="1"/>
-          </p:cNvSpPr>
-          <p:nvPr>
-            <p:ph type="title"/>
-          </p:nvPr>
-        </p:nvSpPr>
-        <p:spPr/>
-        <p:txBody>
-          <a:bodyPr>
-            <a:normAutofit fontScale="90000"/>
-          </a:bodyPr>
-          <a:lstStyle/>
-          <a:p>
-            <a:br>
-              <a:rPr lang="it-IT" b="1" dirty="0"/>
-            </a:br>
-            <a:r>
-              <a:rPr lang="it-IT" b="1" dirty="0" err="1"/>
-              <a:t>Authentication</a:t>
-            </a:r>
-            <a:r>
-              <a:rPr lang="it-IT" b="1" dirty="0"/>
-              <a:t> </a:t>
-            </a:r>
-            <a:r>
-              <a:rPr lang="it-IT" b="1" dirty="0" err="1"/>
-              <a:t>Algorithms</a:t>
-            </a:r>
-            <a:r>
-              <a:rPr lang="it-IT" b="1" dirty="0"/>
-              <a:t> (2)</a:t>
-            </a:r>
-            <a:br>
-              <a:rPr lang="it-IT" b="1" dirty="0"/>
-            </a:br>
-            <a:endParaRPr lang="it-IT" dirty="0"/>
-          </a:p>
-        </p:txBody>
-      </p:sp>
-      <p:sp>
-        <p:nvSpPr>
-          <p:cNvPr id="4" name="Segnaposto contenuto 3"/>
-          <p:cNvSpPr>
-            <a:spLocks noGrp="1"/>
-          </p:cNvSpPr>
-          <p:nvPr>
-            <p:ph idx="1"/>
-          </p:nvPr>
-        </p:nvSpPr>
-        <p:spPr/>
-        <p:txBody>
-          <a:bodyPr>
-            <a:normAutofit fontScale="92500"/>
-          </a:bodyPr>
-          <a:lstStyle/>
-          <a:p>
-            <a:pPr algn="just"/>
-            <a:r>
-              <a:rPr lang="en-US" dirty="0"/>
-              <a:t>AH carries an Integrity Check Value in the Authentication Data portion of the header, built on top of standard cryptographic hash algorithms such as MD5 or SHA-1</a:t>
-            </a:r>
-          </a:p>
-          <a:p>
-            <a:pPr lvl="1" algn="just"/>
-            <a:r>
-              <a:rPr lang="en-US" dirty="0"/>
-              <a:t>Rather than use a straight checksum, it uses a </a:t>
-            </a:r>
-            <a:r>
-              <a:rPr lang="en-US" i="1" dirty="0"/>
-              <a:t>Hashed Message Authentication Code </a:t>
-            </a:r>
-            <a:r>
-              <a:rPr lang="en-US" dirty="0"/>
-              <a:t>(HMAC) which incorporates a secret value while creating the ICV</a:t>
-            </a:r>
-          </a:p>
-          <a:p>
-            <a:pPr lvl="1" algn="just"/>
-            <a:r>
-              <a:rPr lang="en-US" dirty="0"/>
-              <a:t>Though an attacker can easily </a:t>
-            </a:r>
-            <a:r>
-              <a:rPr lang="en-US" dirty="0" err="1"/>
-              <a:t>recompute</a:t>
-            </a:r>
-            <a:r>
-              <a:rPr lang="en-US" dirty="0"/>
-              <a:t> a hash, without the secret value he won't be able to recreate the proper ICV</a:t>
-            </a:r>
-            <a:endParaRPr lang="it-IT" u="sng" dirty="0"/>
-          </a:p>
-        </p:txBody>
-      </p:sp>
-    </p:spTree>
-  </p:cSld>
-  <p:clrMapOvr>
-    <a:masterClrMapping/>
-  </p:clrMapOvr>
-</p:sld>
-</file>
-
 <file path=ppt/slides/slide22.xml><?xml version="1.0" encoding="utf-8"?>
 <p:sld xmlns:a="http://schemas.openxmlformats.org/drawingml/2006/main" xmlns:r="http://schemas.openxmlformats.org/officeDocument/2006/relationships" xmlns:p="http://schemas.openxmlformats.org/presentationml/2006/main">
   <p:cSld>
@@ -12082,20 +12089,39 @@
         <p:spPr/>
         <p:txBody>
           <a:bodyPr>
-            <a:normAutofit/>
+            <a:normAutofit fontScale="90000"/>
           </a:bodyPr>
           <a:lstStyle/>
           <a:p>
-            <a:r>
-              <a:rPr lang="en-US" b="1" dirty="0"/>
-              <a:t>AH and NAT</a:t>
-            </a:r>
-          </a:p>
-        </p:txBody>
-      </p:sp>
-      <p:sp>
-        <p:nvSpPr>
-          <p:cNvPr id="3" name="Segnaposto contenuto 2"/>
+            <a:br>
+              <a:rPr lang="it-IT" b="1" dirty="0"/>
+            </a:br>
+            <a:r>
+              <a:rPr lang="it-IT" b="1" dirty="0" err="1"/>
+              <a:t>Authentication</a:t>
+            </a:r>
+            <a:r>
+              <a:rPr lang="it-IT" b="1" dirty="0"/>
+              <a:t> </a:t>
+            </a:r>
+            <a:r>
+              <a:rPr lang="it-IT" b="1" dirty="0" err="1"/>
+              <a:t>Algorithms</a:t>
+            </a:r>
+            <a:r>
+              <a:rPr lang="it-IT" b="1" dirty="0"/>
+              <a:t> (2)</a:t>
+            </a:r>
+            <a:br>
+              <a:rPr lang="it-IT" b="1" dirty="0"/>
+            </a:br>
+            <a:endParaRPr lang="it-IT" dirty="0"/>
+          </a:p>
+        </p:txBody>
+      </p:sp>
+      <p:sp>
+        <p:nvSpPr>
+          <p:cNvPr id="4" name="Segnaposto contenuto 3"/>
           <p:cNvSpPr>
             <a:spLocks noGrp="1"/>
           </p:cNvSpPr>
@@ -12106,39 +12132,44 @@
         <p:spPr/>
         <p:txBody>
           <a:bodyPr>
-            <a:normAutofit/>
+            <a:normAutofit fontScale="92500"/>
           </a:bodyPr>
           <a:lstStyle/>
           <a:p>
+            <a:pPr algn="just"/>
             <a:r>
               <a:rPr lang="en-US" dirty="0"/>
-              <a:t>AH covers the integrity of the entire IP packet</a:t>
-            </a:r>
-            <a:endParaRPr lang="it-IT" dirty="0"/>
-          </a:p>
-          <a:p>
-            <a:pPr lvl="1"/>
-            <a:endParaRPr lang="it-IT" dirty="0"/>
-          </a:p>
-          <a:p>
+              <a:t>AH carries an Integrity Check Value in the Authentication Data portion of the header, built on top of standard cryptographic hash algorithms such as MD5 or SHA-1</a:t>
+            </a:r>
+          </a:p>
+          <a:p>
+            <a:pPr lvl="1" algn="just"/>
             <a:r>
               <a:rPr lang="en-US" dirty="0"/>
-              <a:t>ESP does not cover the IP header with controls of any kind neither in Tunnel mode nor in Transport mode</a:t>
-            </a:r>
-          </a:p>
-          <a:p>
-            <a:pPr lvl="1"/>
-            <a:r>
-              <a:rPr lang="it-IT" dirty="0"/>
-              <a:t>Works </a:t>
-            </a:r>
-            <a:r>
-              <a:rPr lang="it-IT" dirty="0" err="1"/>
-              <a:t>better</a:t>
-            </a:r>
-            <a:r>
-              <a:rPr lang="it-IT" dirty="0"/>
-              <a:t> with NAT</a:t>
+              <a:t>Rather than use a straight checksum, it uses a </a:t>
+            </a:r>
+            <a:r>
+              <a:rPr lang="en-US" i="1" dirty="0"/>
+              <a:t>Hashed Message Authentication Code </a:t>
+            </a:r>
+            <a:r>
+              <a:rPr lang="en-US" dirty="0"/>
+              <a:t>(HMAC) which incorporates a secret value while creating the ICV</a:t>
+            </a:r>
+          </a:p>
+          <a:p>
+            <a:pPr lvl="1" algn="just"/>
+            <a:r>
+              <a:rPr lang="en-US" dirty="0"/>
+              <a:t>Though an attacker can easily </a:t>
+            </a:r>
+            <a:r>
+              <a:rPr lang="en-US" dirty="0" err="1"/>
+              <a:t>recompute</a:t>
+            </a:r>
+            <a:r>
+              <a:rPr lang="en-US" dirty="0"/>
+              <a:t> a hash, without the secret value he won't be able to recreate the proper ICV</a:t>
             </a:r>
             <a:endParaRPr lang="it-IT" u="sng" dirty="0"/>
           </a:p>
@@ -12153,6 +12184,106 @@
 </file>
 
 <file path=ppt/slides/slide23.xml><?xml version="1.0" encoding="utf-8"?>
+<p:sld xmlns:a="http://schemas.openxmlformats.org/drawingml/2006/main" xmlns:r="http://schemas.openxmlformats.org/officeDocument/2006/relationships" xmlns:p="http://schemas.openxmlformats.org/presentationml/2006/main">
+  <p:cSld>
+    <p:spTree>
+      <p:nvGrpSpPr>
+        <p:cNvPr id="1" name=""/>
+        <p:cNvGrpSpPr/>
+        <p:nvPr/>
+      </p:nvGrpSpPr>
+      <p:grpSpPr>
+        <a:xfrm>
+          <a:off x="0" y="0"/>
+          <a:ext cx="0" cy="0"/>
+          <a:chOff x="0" y="0"/>
+          <a:chExt cx="0" cy="0"/>
+        </a:xfrm>
+      </p:grpSpPr>
+      <p:sp>
+        <p:nvSpPr>
+          <p:cNvPr id="2" name="Titolo 1"/>
+          <p:cNvSpPr>
+            <a:spLocks noGrp="1"/>
+          </p:cNvSpPr>
+          <p:nvPr>
+            <p:ph type="title"/>
+          </p:nvPr>
+        </p:nvSpPr>
+        <p:spPr/>
+        <p:txBody>
+          <a:bodyPr>
+            <a:normAutofit/>
+          </a:bodyPr>
+          <a:lstStyle/>
+          <a:p>
+            <a:r>
+              <a:rPr lang="en-US" b="1" dirty="0"/>
+              <a:t>AH and NAT</a:t>
+            </a:r>
+          </a:p>
+        </p:txBody>
+      </p:sp>
+      <p:sp>
+        <p:nvSpPr>
+          <p:cNvPr id="3" name="Segnaposto contenuto 2"/>
+          <p:cNvSpPr>
+            <a:spLocks noGrp="1"/>
+          </p:cNvSpPr>
+          <p:nvPr>
+            <p:ph idx="1"/>
+          </p:nvPr>
+        </p:nvSpPr>
+        <p:spPr/>
+        <p:txBody>
+          <a:bodyPr>
+            <a:normAutofit/>
+          </a:bodyPr>
+          <a:lstStyle/>
+          <a:p>
+            <a:r>
+              <a:rPr lang="en-US" dirty="0"/>
+              <a:t>AH covers the integrity of the entire IP packet</a:t>
+            </a:r>
+            <a:endParaRPr lang="it-IT" dirty="0"/>
+          </a:p>
+          <a:p>
+            <a:pPr lvl="1"/>
+            <a:endParaRPr lang="it-IT" dirty="0"/>
+          </a:p>
+          <a:p>
+            <a:r>
+              <a:rPr lang="en-US" dirty="0"/>
+              <a:t>ESP does not cover the IP header with controls of any kind neither in Tunnel mode nor in Transport mode</a:t>
+            </a:r>
+          </a:p>
+          <a:p>
+            <a:pPr lvl="1"/>
+            <a:r>
+              <a:rPr lang="it-IT" dirty="0"/>
+              <a:t>Works </a:t>
+            </a:r>
+            <a:r>
+              <a:rPr lang="it-IT" dirty="0" err="1"/>
+              <a:t>better</a:t>
+            </a:r>
+            <a:r>
+              <a:rPr lang="it-IT" dirty="0"/>
+              <a:t> with NAT</a:t>
+            </a:r>
+            <a:endParaRPr lang="it-IT" u="sng" dirty="0"/>
+          </a:p>
+        </p:txBody>
+      </p:sp>
+    </p:spTree>
+  </p:cSld>
+  <p:clrMapOvr>
+    <a:masterClrMapping/>
+  </p:clrMapOvr>
+</p:sld>
+</file>
+
+<file path=ppt/slides/slide24.xml><?xml version="1.0" encoding="utf-8"?>
 <p:sld xmlns:a="http://schemas.openxmlformats.org/drawingml/2006/main" xmlns:r="http://schemas.openxmlformats.org/officeDocument/2006/relationships" xmlns:p="http://schemas.openxmlformats.org/presentationml/2006/main">
   <p:cSld>
     <p:spTree>
@@ -12301,190 +12432,6 @@
 </p:sld>
 </file>
 
-<file path=ppt/slides/slide24.xml><?xml version="1.0" encoding="utf-8"?>
-<p:sld xmlns:a="http://schemas.openxmlformats.org/drawingml/2006/main" xmlns:r="http://schemas.openxmlformats.org/officeDocument/2006/relationships" xmlns:p="http://schemas.openxmlformats.org/presentationml/2006/main">
-  <p:cSld>
-    <p:spTree>
-      <p:nvGrpSpPr>
-        <p:cNvPr id="1" name=""/>
-        <p:cNvGrpSpPr/>
-        <p:nvPr/>
-      </p:nvGrpSpPr>
-      <p:grpSpPr>
-        <a:xfrm>
-          <a:off x="0" y="0"/>
-          <a:ext cx="0" cy="0"/>
-          <a:chOff x="0" y="0"/>
-          <a:chExt cx="0" cy="0"/>
-        </a:xfrm>
-      </p:grpSpPr>
-      <p:sp>
-        <p:nvSpPr>
-          <p:cNvPr id="2" name="Titolo 1"/>
-          <p:cNvSpPr>
-            <a:spLocks noGrp="1"/>
-          </p:cNvSpPr>
-          <p:nvPr>
-            <p:ph type="title"/>
-          </p:nvPr>
-        </p:nvSpPr>
-        <p:spPr/>
-        <p:txBody>
-          <a:bodyPr>
-            <a:normAutofit fontScale="90000"/>
-          </a:bodyPr>
-          <a:lstStyle/>
-          <a:p>
-            <a:br>
-              <a:rPr lang="it-IT" b="1" dirty="0"/>
-            </a:br>
-            <a:r>
-              <a:rPr lang="it-IT" b="1" dirty="0"/>
-              <a:t>ESP — </a:t>
-            </a:r>
-            <a:r>
-              <a:rPr lang="it-IT" b="1" dirty="0" err="1"/>
-              <a:t>Encapsulating</a:t>
-            </a:r>
-            <a:r>
-              <a:rPr lang="it-IT" b="1" dirty="0"/>
-              <a:t> Security </a:t>
-            </a:r>
-            <a:r>
-              <a:rPr lang="it-IT" b="1" dirty="0" err="1"/>
-              <a:t>Payload</a:t>
-            </a:r>
-            <a:r>
-              <a:rPr lang="it-IT" b="1" dirty="0"/>
-              <a:t> </a:t>
-            </a:r>
-            <a:br>
-              <a:rPr lang="it-IT" b="1" dirty="0"/>
-            </a:br>
-            <a:endParaRPr lang="it-IT" dirty="0"/>
-          </a:p>
-        </p:txBody>
-      </p:sp>
-      <p:sp>
-        <p:nvSpPr>
-          <p:cNvPr id="3" name="Segnaposto contenuto 2"/>
-          <p:cNvSpPr>
-            <a:spLocks noGrp="1"/>
-          </p:cNvSpPr>
-          <p:nvPr>
-            <p:ph idx="1"/>
-          </p:nvPr>
-        </p:nvSpPr>
-        <p:spPr>
-          <a:xfrm>
-            <a:off x="457200" y="1600200"/>
-            <a:ext cx="8401080" cy="4525963"/>
-          </a:xfrm>
-        </p:spPr>
-        <p:txBody>
-          <a:bodyPr>
-            <a:normAutofit fontScale="92500"/>
-          </a:bodyPr>
-          <a:lstStyle/>
-          <a:p>
-            <a:pPr algn="just"/>
-            <a:r>
-              <a:rPr lang="en-US" dirty="0"/>
-              <a:t>Its goal is to provide confidentiality and integrity checking and authenticity to communication</a:t>
-            </a:r>
-            <a:r>
-              <a:rPr lang="it-IT" dirty="0"/>
-              <a:t>. </a:t>
-            </a:r>
-          </a:p>
-          <a:p>
-            <a:pPr lvl="1" algn="just"/>
-            <a:r>
-              <a:rPr lang="it-IT" dirty="0" err="1"/>
-              <a:t>Unlike</a:t>
-            </a:r>
-            <a:r>
-              <a:rPr lang="it-IT" dirty="0"/>
-              <a:t> AH, the </a:t>
-            </a:r>
-            <a:r>
-              <a:rPr lang="en-US" dirty="0"/>
-              <a:t>IP header is not covered by integrity checks</a:t>
-            </a:r>
-            <a:r>
-              <a:rPr lang="it-IT" dirty="0"/>
-              <a:t>. </a:t>
-            </a:r>
-          </a:p>
-          <a:p>
-            <a:pPr lvl="1" algn="just"/>
-            <a:r>
-              <a:rPr lang="it-IT" dirty="0"/>
-              <a:t>As </a:t>
-            </a:r>
-            <a:r>
-              <a:rPr lang="it-IT" dirty="0" err="1"/>
-              <a:t>with</a:t>
-            </a:r>
-            <a:r>
-              <a:rPr lang="it-IT" dirty="0"/>
-              <a:t> AH, </a:t>
-            </a:r>
-            <a:r>
-              <a:rPr lang="en-US" dirty="0"/>
-              <a:t>it also provides Tunnel and Transport modes </a:t>
-            </a:r>
-            <a:r>
-              <a:rPr lang="it-IT" dirty="0"/>
-              <a:t>.</a:t>
-            </a:r>
-          </a:p>
-          <a:p>
-            <a:pPr algn="just"/>
-            <a:r>
-              <a:rPr lang="it-IT" dirty="0" err="1"/>
-              <a:t>It</a:t>
-            </a:r>
-            <a:r>
-              <a:rPr lang="it-IT" dirty="0"/>
-              <a:t>'s </a:t>
-            </a:r>
-            <a:r>
-              <a:rPr lang="it-IT" dirty="0" err="1"/>
-              <a:t>possible</a:t>
-            </a:r>
-            <a:r>
-              <a:rPr lang="it-IT" dirty="0"/>
-              <a:t> </a:t>
-            </a:r>
-            <a:r>
-              <a:rPr lang="it-IT" dirty="0" err="1"/>
-              <a:t>to</a:t>
-            </a:r>
-            <a:r>
-              <a:rPr lang="it-IT" dirty="0"/>
-              <a:t> </a:t>
-            </a:r>
-            <a:r>
-              <a:rPr lang="en-US" dirty="0"/>
-              <a:t>use the service of confidentiality, or only authentication services and integrity (and possibly anti-replay), or both services together.</a:t>
-            </a:r>
-            <a:r>
-              <a:rPr lang="it-IT" dirty="0"/>
-              <a:t> </a:t>
-            </a:r>
-            <a:endParaRPr lang="it-IT" u="sng" dirty="0"/>
-          </a:p>
-        </p:txBody>
-      </p:sp>
-    </p:spTree>
-  </p:cSld>
-  <p:clrMapOvr>
-    <a:masterClrMapping/>
-  </p:clrMapOvr>
-</p:sld>
-</file>
-
 <file path=ppt/slides/slide25.xml><?xml version="1.0" encoding="utf-8"?>
 <p:sld xmlns:a="http://schemas.openxmlformats.org/drawingml/2006/main" xmlns:r="http://schemas.openxmlformats.org/officeDocument/2006/relationships" xmlns:p="http://schemas.openxmlformats.org/presentationml/2006/main">
   <p:cSld>
@@ -12515,27 +12462,37 @@
         <p:spPr/>
         <p:txBody>
           <a:bodyPr>
-            <a:normAutofit/>
+            <a:normAutofit fontScale="90000"/>
           </a:bodyPr>
           <a:lstStyle/>
           <a:p>
-            <a:r>
+            <a:br>
               <a:rPr lang="it-IT" b="1" dirty="0"/>
-              <a:t>ESP </a:t>
+            </a:br>
+            <a:r>
+              <a:rPr lang="it-IT" b="1" dirty="0"/>
+              <a:t>ESP — </a:t>
             </a:r>
             <a:r>
               <a:rPr lang="it-IT" b="1" dirty="0" err="1"/>
-              <a:t>–without</a:t>
+              <a:t>Encapsulating</a:t>
+            </a:r>
+            <a:r>
+              <a:rPr lang="it-IT" b="1" dirty="0"/>
+              <a:t> Security </a:t>
+            </a:r>
+            <a:r>
+              <a:rPr lang="it-IT" b="1" dirty="0" err="1"/>
+              <a:t>Payload</a:t>
             </a:r>
             <a:r>
               <a:rPr lang="it-IT" b="1" dirty="0"/>
               <a:t> </a:t>
             </a:r>
-            <a:r>
-              <a:rPr lang="it-IT" b="1" dirty="0" err="1"/>
-              <a:t>encryption-</a:t>
-            </a:r>
-            <a:endParaRPr lang="it-IT" b="1" dirty="0"/>
+            <a:br>
+              <a:rPr lang="it-IT" b="1" dirty="0"/>
+            </a:br>
+            <a:endParaRPr lang="it-IT" dirty="0"/>
           </a:p>
         </p:txBody>
       </p:sp>
@@ -12549,35 +12506,105 @@
             <p:ph idx="1"/>
           </p:nvPr>
         </p:nvSpPr>
-        <p:spPr/>
-        <p:txBody>
-          <a:bodyPr/>
-          <a:lstStyle/>
-          <a:p>
+        <p:spPr>
+          <a:xfrm>
+            <a:off x="457200" y="1600200"/>
+            <a:ext cx="8401080" cy="4525963"/>
+          </a:xfrm>
+        </p:spPr>
+        <p:txBody>
+          <a:bodyPr>
+            <a:normAutofit fontScale="92500"/>
+          </a:bodyPr>
+          <a:lstStyle/>
+          <a:p>
+            <a:pPr algn="just"/>
             <a:r>
               <a:rPr lang="en-US" dirty="0"/>
-              <a:t>use a NULL algorithm</a:t>
-            </a:r>
-          </a:p>
-          <a:p>
-            <a:pPr lvl="1"/>
+              <a:t>Its goal is to provide confidentiality and integrity checking and authenticity to communication</a:t>
+            </a:r>
             <a:r>
               <a:rPr lang="it-IT" dirty="0"/>
-              <a:t>No </a:t>
-            </a:r>
+              <a:t>. </a:t>
+            </a:r>
+          </a:p>
+          <a:p>
+            <a:pPr lvl="1" algn="just"/>
             <a:r>
               <a:rPr lang="it-IT" dirty="0" err="1"/>
-              <a:t>confidentiality</a:t>
-            </a:r>
-            <a:endParaRPr lang="it-IT" dirty="0"/>
-          </a:p>
-          <a:p>
-            <a:pPr lvl="1"/>
+              <a:t>Unlike</a:t>
+            </a:r>
+            <a:r>
+              <a:rPr lang="it-IT" dirty="0"/>
+              <a:t> AH, the </a:t>
+            </a:r>
             <a:r>
               <a:rPr lang="en-US" dirty="0"/>
-              <a:t>It only makes sense if combined with ESP authentication</a:t>
-            </a:r>
-            <a:endParaRPr lang="it-IT" dirty="0"/>
+              <a:t>IP header is not covered by integrity checks</a:t>
+            </a:r>
+            <a:r>
+              <a:rPr lang="it-IT" dirty="0"/>
+              <a:t>. </a:t>
+            </a:r>
+          </a:p>
+          <a:p>
+            <a:pPr lvl="1" algn="just"/>
+            <a:r>
+              <a:rPr lang="it-IT" dirty="0"/>
+              <a:t>As </a:t>
+            </a:r>
+            <a:r>
+              <a:rPr lang="it-IT" dirty="0" err="1"/>
+              <a:t>with</a:t>
+            </a:r>
+            <a:r>
+              <a:rPr lang="it-IT" dirty="0"/>
+              <a:t> AH, </a:t>
+            </a:r>
+            <a:r>
+              <a:rPr lang="en-US" dirty="0"/>
+              <a:t>it also provides Tunnel and Transport modes </a:t>
+            </a:r>
+            <a:r>
+              <a:rPr lang="it-IT" dirty="0"/>
+              <a:t>.</a:t>
+            </a:r>
+          </a:p>
+          <a:p>
+            <a:pPr algn="just"/>
+            <a:r>
+              <a:rPr lang="it-IT" dirty="0" err="1"/>
+              <a:t>It</a:t>
+            </a:r>
+            <a:r>
+              <a:rPr lang="it-IT" dirty="0"/>
+              <a:t>'s </a:t>
+            </a:r>
+            <a:r>
+              <a:rPr lang="it-IT" dirty="0" err="1"/>
+              <a:t>possible</a:t>
+            </a:r>
+            <a:r>
+              <a:rPr lang="it-IT" dirty="0"/>
+              <a:t> </a:t>
+            </a:r>
+            <a:r>
+              <a:rPr lang="it-IT" dirty="0" err="1"/>
+              <a:t>to</a:t>
+            </a:r>
+            <a:r>
+              <a:rPr lang="it-IT" dirty="0"/>
+              <a:t> </a:t>
+            </a:r>
+            <a:r>
+              <a:rPr lang="en-US" dirty="0"/>
+              <a:t>use the service of confidentiality, or only authentication services and integrity (and possibly anti-replay), or both services together.</a:t>
+            </a:r>
+            <a:r>
+              <a:rPr lang="it-IT" dirty="0"/>
+              <a:t> </a:t>
+            </a:r>
+            <a:endParaRPr lang="it-IT" u="sng" dirty="0"/>
           </a:p>
         </p:txBody>
       </p:sp>
@@ -12625,11 +12652,11 @@
           <a:p>
             <a:r>
               <a:rPr lang="it-IT" b="1" dirty="0"/>
-              <a:t>ESP – </a:t>
+              <a:t>ESP </a:t>
             </a:r>
             <a:r>
               <a:rPr lang="it-IT" b="1" dirty="0" err="1"/>
-              <a:t>with</a:t>
+              <a:t>–without</a:t>
             </a:r>
             <a:r>
               <a:rPr lang="it-IT" b="1" dirty="0"/>
@@ -12637,12 +12664,9 @@
             </a:r>
             <a:r>
               <a:rPr lang="it-IT" b="1" dirty="0" err="1"/>
-              <a:t>encryption</a:t>
-            </a:r>
-            <a:r>
-              <a:rPr lang="it-IT" b="1" dirty="0"/>
-              <a:t> – </a:t>
-            </a:r>
+              <a:t>encryption-</a:t>
+            </a:r>
+            <a:endParaRPr lang="it-IT" b="1" dirty="0"/>
           </a:p>
         </p:txBody>
       </p:sp>
@@ -12658,50 +12682,33 @@
         </p:nvSpPr>
         <p:spPr/>
         <p:txBody>
-          <a:bodyPr>
-            <a:normAutofit/>
-          </a:bodyPr>
-          <a:lstStyle/>
-          <a:p>
-            <a:pPr algn="just"/>
-            <a:r>
-              <a:rPr lang="en-US" sz="2800" dirty="0"/>
-              <a:t>Adding encryption makes ESP a bit more complicated because the encapsulation </a:t>
-            </a:r>
-            <a:r>
-              <a:rPr lang="en-US" sz="2800" i="1" dirty="0"/>
-              <a:t>surrounds the payload </a:t>
-            </a:r>
-            <a:r>
-              <a:rPr lang="en-US" sz="2800" dirty="0"/>
-              <a:t>rather than </a:t>
-            </a:r>
-            <a:r>
-              <a:rPr lang="en-US" sz="2800" i="1" dirty="0"/>
-              <a:t>preceding</a:t>
-            </a:r>
-            <a:r>
-              <a:rPr lang="en-US" sz="2800" dirty="0"/>
-              <a:t> it as with AH</a:t>
-            </a:r>
-          </a:p>
-          <a:p>
-            <a:pPr algn="just"/>
-            <a:endParaRPr lang="en-US" sz="2800" dirty="0"/>
-          </a:p>
-          <a:p>
-            <a:pPr algn="just"/>
-            <a:r>
-              <a:rPr lang="en-US" sz="2800" dirty="0"/>
-              <a:t>ESP includes header and trailer fields to support the encryption and optional authentication</a:t>
-            </a:r>
-          </a:p>
-          <a:p>
-            <a:pPr lvl="1" algn="just"/>
-            <a:r>
-              <a:rPr lang="en-US" sz="2400" dirty="0"/>
-              <a:t>DES, triple-DES, AES, and Blowfish are possible algorithms. Their use for a particular connection is specified by Security Associations (SA)</a:t>
-            </a:r>
+          <a:bodyPr/>
+          <a:lstStyle/>
+          <a:p>
+            <a:r>
+              <a:rPr lang="en-US" dirty="0"/>
+              <a:t>use a NULL algorithm</a:t>
+            </a:r>
+          </a:p>
+          <a:p>
+            <a:pPr lvl="1"/>
+            <a:r>
+              <a:rPr lang="it-IT" dirty="0"/>
+              <a:t>No </a:t>
+            </a:r>
+            <a:r>
+              <a:rPr lang="it-IT" dirty="0" err="1"/>
+              <a:t>confidentiality</a:t>
+            </a:r>
+            <a:endParaRPr lang="it-IT" dirty="0"/>
+          </a:p>
+          <a:p>
+            <a:pPr lvl="1"/>
+            <a:r>
+              <a:rPr lang="en-US" dirty="0"/>
+              <a:t>It only makes sense if combined with ESP authentication</a:t>
+            </a:r>
+            <a:endParaRPr lang="it-IT" dirty="0"/>
           </a:p>
         </p:txBody>
       </p:sp>
@@ -12714,6 +12721,130 @@
 </file>
 
 <file path=ppt/slides/slide27.xml><?xml version="1.0" encoding="utf-8"?>
+<p:sld xmlns:a="http://schemas.openxmlformats.org/drawingml/2006/main" xmlns:r="http://schemas.openxmlformats.org/officeDocument/2006/relationships" xmlns:p="http://schemas.openxmlformats.org/presentationml/2006/main">
+  <p:cSld>
+    <p:spTree>
+      <p:nvGrpSpPr>
+        <p:cNvPr id="1" name=""/>
+        <p:cNvGrpSpPr/>
+        <p:nvPr/>
+      </p:nvGrpSpPr>
+      <p:grpSpPr>
+        <a:xfrm>
+          <a:off x="0" y="0"/>
+          <a:ext cx="0" cy="0"/>
+          <a:chOff x="0" y="0"/>
+          <a:chExt cx="0" cy="0"/>
+        </a:xfrm>
+      </p:grpSpPr>
+      <p:sp>
+        <p:nvSpPr>
+          <p:cNvPr id="2" name="Titolo 1"/>
+          <p:cNvSpPr>
+            <a:spLocks noGrp="1"/>
+          </p:cNvSpPr>
+          <p:nvPr>
+            <p:ph type="title"/>
+          </p:nvPr>
+        </p:nvSpPr>
+        <p:spPr/>
+        <p:txBody>
+          <a:bodyPr>
+            <a:normAutofit/>
+          </a:bodyPr>
+          <a:lstStyle/>
+          <a:p>
+            <a:r>
+              <a:rPr lang="it-IT" b="1" dirty="0"/>
+              <a:t>ESP – </a:t>
+            </a:r>
+            <a:r>
+              <a:rPr lang="it-IT" b="1" dirty="0" err="1"/>
+              <a:t>with</a:t>
+            </a:r>
+            <a:r>
+              <a:rPr lang="it-IT" b="1" dirty="0"/>
+              <a:t> </a:t>
+            </a:r>
+            <a:r>
+              <a:rPr lang="it-IT" b="1" dirty="0" err="1"/>
+              <a:t>encryption</a:t>
+            </a:r>
+            <a:r>
+              <a:rPr lang="it-IT" b="1" dirty="0"/>
+              <a:t> – </a:t>
+            </a:r>
+          </a:p>
+        </p:txBody>
+      </p:sp>
+      <p:sp>
+        <p:nvSpPr>
+          <p:cNvPr id="3" name="Segnaposto contenuto 2"/>
+          <p:cNvSpPr>
+            <a:spLocks noGrp="1"/>
+          </p:cNvSpPr>
+          <p:nvPr>
+            <p:ph idx="1"/>
+          </p:nvPr>
+        </p:nvSpPr>
+        <p:spPr/>
+        <p:txBody>
+          <a:bodyPr>
+            <a:normAutofit/>
+          </a:bodyPr>
+          <a:lstStyle/>
+          <a:p>
+            <a:pPr algn="just"/>
+            <a:r>
+              <a:rPr lang="en-US" sz="2800" dirty="0"/>
+              <a:t>Adding encryption makes ESP a bit more complicated because the encapsulation </a:t>
+            </a:r>
+            <a:r>
+              <a:rPr lang="en-US" sz="2800" i="1" dirty="0"/>
+              <a:t>surrounds the payload </a:t>
+            </a:r>
+            <a:r>
+              <a:rPr lang="en-US" sz="2800" dirty="0"/>
+              <a:t>rather than </a:t>
+            </a:r>
+            <a:r>
+              <a:rPr lang="en-US" sz="2800" i="1" dirty="0"/>
+              <a:t>preceding</a:t>
+            </a:r>
+            <a:r>
+              <a:rPr lang="en-US" sz="2800" dirty="0"/>
+              <a:t> it as with AH</a:t>
+            </a:r>
+          </a:p>
+          <a:p>
+            <a:pPr algn="just"/>
+            <a:endParaRPr lang="en-US" sz="2800" dirty="0"/>
+          </a:p>
+          <a:p>
+            <a:pPr algn="just"/>
+            <a:r>
+              <a:rPr lang="en-US" sz="2800" dirty="0"/>
+              <a:t>ESP includes header and trailer fields to support the encryption and optional authentication</a:t>
+            </a:r>
+          </a:p>
+          <a:p>
+            <a:pPr lvl="1" algn="just"/>
+            <a:r>
+              <a:rPr lang="en-US" sz="2400" dirty="0"/>
+              <a:t>DES, triple-DES, AES, and Blowfish are possible algorithms. Their use for a particular connection is specified by Security Associations (SA)</a:t>
+            </a:r>
+          </a:p>
+        </p:txBody>
+      </p:sp>
+    </p:spTree>
+  </p:cSld>
+  <p:clrMapOvr>
+    <a:masterClrMapping/>
+  </p:clrMapOvr>
+</p:sld>
+</file>
+
+<file path=ppt/slides/slide28.xml><?xml version="1.0" encoding="utf-8"?>
 <p:sld xmlns:a="http://schemas.openxmlformats.org/drawingml/2006/main" xmlns:r="http://schemas.openxmlformats.org/officeDocument/2006/relationships" xmlns:p="http://schemas.openxmlformats.org/presentationml/2006/main">
   <p:cSld>
     <p:spTree>
@@ -12802,7 +12933,7 @@
 </p:sld>
 </file>
 
-<file path=ppt/slides/slide28.xml><?xml version="1.0" encoding="utf-8"?>
+<file path=ppt/slides/slide29.xml><?xml version="1.0" encoding="utf-8"?>
 <p:sld xmlns:a="http://schemas.openxmlformats.org/drawingml/2006/main" xmlns:r="http://schemas.openxmlformats.org/officeDocument/2006/relationships" xmlns:p="http://schemas.openxmlformats.org/presentationml/2006/main">
   <p:cSld>
     <p:spTree>
@@ -12911,7 +13042,230 @@
 </p:sld>
 </file>
 
-<file path=ppt/slides/slide29.xml><?xml version="1.0" encoding="utf-8"?>
+<file path=ppt/slides/slide3.xml><?xml version="1.0" encoding="utf-8"?>
+<p:sld xmlns:a="http://schemas.openxmlformats.org/drawingml/2006/main" xmlns:r="http://schemas.openxmlformats.org/officeDocument/2006/relationships" xmlns:p="http://schemas.openxmlformats.org/presentationml/2006/main">
+  <p:cSld>
+    <p:spTree>
+      <p:nvGrpSpPr>
+        <p:cNvPr id="1" name=""/>
+        <p:cNvGrpSpPr/>
+        <p:nvPr/>
+      </p:nvGrpSpPr>
+      <p:grpSpPr>
+        <a:xfrm>
+          <a:off x="0" y="0"/>
+          <a:ext cx="0" cy="0"/>
+          <a:chOff x="0" y="0"/>
+          <a:chExt cx="0" cy="0"/>
+        </a:xfrm>
+      </p:grpSpPr>
+      <p:sp>
+        <p:nvSpPr>
+          <p:cNvPr id="2" name="Titolo 1"/>
+          <p:cNvSpPr>
+            <a:spLocks noGrp="1"/>
+          </p:cNvSpPr>
+          <p:nvPr>
+            <p:ph type="title"/>
+          </p:nvPr>
+        </p:nvSpPr>
+        <p:spPr/>
+        <p:txBody>
+          <a:bodyPr>
+            <a:normAutofit/>
+          </a:bodyPr>
+          <a:lstStyle/>
+          <a:p>
+            <a:r>
+              <a:rPr lang="it-IT" dirty="0"/>
+              <a:t>Set up </a:t>
+            </a:r>
+            <a:r>
+              <a:rPr lang="it-IT" dirty="0" err="1"/>
+              <a:t>Ipsec</a:t>
+            </a:r>
+            <a:r>
+              <a:rPr lang="it-IT" dirty="0"/>
+              <a:t> (1) </a:t>
+            </a:r>
+          </a:p>
+        </p:txBody>
+      </p:sp>
+      <p:sp>
+        <p:nvSpPr>
+          <p:cNvPr id="3" name="Segnaposto contenuto 2"/>
+          <p:cNvSpPr>
+            <a:spLocks noGrp="1"/>
+          </p:cNvSpPr>
+          <p:nvPr>
+            <p:ph idx="1"/>
+          </p:nvPr>
+        </p:nvSpPr>
+        <p:spPr/>
+        <p:txBody>
+          <a:bodyPr>
+            <a:normAutofit/>
+          </a:bodyPr>
+          <a:lstStyle/>
+          <a:p>
+            <a:endParaRPr lang="en-US" dirty="0"/>
+          </a:p>
+          <a:p>
+            <a:r>
+              <a:rPr lang="en-US" b="1" dirty="0"/>
+              <a:t>AH </a:t>
+            </a:r>
+            <a:r>
+              <a:rPr lang="en-US" b="1" i="1" dirty="0" err="1"/>
+              <a:t>vs</a:t>
+            </a:r>
+            <a:r>
+              <a:rPr lang="en-US" b="1" i="1" dirty="0"/>
+              <a:t> </a:t>
+            </a:r>
+            <a:r>
+              <a:rPr lang="en-US" b="1" dirty="0"/>
+              <a:t>ESP</a:t>
+            </a:r>
+          </a:p>
+          <a:p>
+            <a:pPr lvl="1"/>
+            <a:r>
+              <a:rPr lang="it-IT" b="1" dirty="0"/>
+              <a:t>AH</a:t>
+            </a:r>
+            <a:r>
+              <a:rPr lang="it-IT" dirty="0"/>
+              <a:t> (</a:t>
+            </a:r>
+            <a:r>
+              <a:rPr lang="it-IT" dirty="0" err="1"/>
+              <a:t>authenticate</a:t>
+            </a:r>
+            <a:r>
+              <a:rPr lang="it-IT" dirty="0"/>
+              <a:t>) </a:t>
+            </a:r>
+          </a:p>
+          <a:p>
+            <a:pPr lvl="2"/>
+            <a:r>
+              <a:rPr lang="en-US" dirty="0"/>
+              <a:t>provides authentication and message integrity, but it does not provide confidentiality</a:t>
+            </a:r>
+            <a:r>
+              <a:rPr lang="it-IT" dirty="0"/>
+              <a:t> </a:t>
+            </a:r>
+          </a:p>
+          <a:p>
+            <a:pPr lvl="1"/>
+            <a:r>
+              <a:rPr lang="it-IT" b="1" dirty="0"/>
+              <a:t>ESP</a:t>
+            </a:r>
+            <a:r>
+              <a:rPr lang="it-IT" dirty="0"/>
+              <a:t> (</a:t>
+            </a:r>
+            <a:r>
+              <a:rPr lang="it-IT" dirty="0" err="1"/>
+              <a:t>encrypt+authenticate</a:t>
+            </a:r>
+            <a:r>
+              <a:rPr lang="it-IT" dirty="0"/>
+              <a:t>)</a:t>
+            </a:r>
+          </a:p>
+          <a:p>
+            <a:pPr lvl="2"/>
+            <a:r>
+              <a:rPr lang="en-US" dirty="0"/>
+              <a:t>provides authentication, confidentiality and message integrity check</a:t>
+            </a:r>
+            <a:endParaRPr lang="it-IT" dirty="0"/>
+          </a:p>
+        </p:txBody>
+      </p:sp>
+      <p:sp>
+        <p:nvSpPr>
+          <p:cNvPr id="4" name="Rettangolo 3"/>
+          <p:cNvSpPr/>
+          <p:nvPr/>
+        </p:nvSpPr>
+        <p:spPr>
+          <a:xfrm>
+            <a:off x="571472" y="1571612"/>
+            <a:ext cx="5929354" cy="369332"/>
+          </a:xfrm>
+          <a:prstGeom prst="rect">
+            <a:avLst/>
+          </a:prstGeom>
+          <a:solidFill>
+            <a:srgbClr val="FFC000"/>
+          </a:solidFill>
+          <a:ln>
+            <a:solidFill>
+              <a:srgbClr val="FFC000"/>
+            </a:solidFill>
+          </a:ln>
+        </p:spPr>
+        <p:txBody>
+          <a:bodyPr wrap="square">
+            <a:spAutoFit/>
+          </a:bodyPr>
+          <a:lstStyle/>
+          <a:p>
+            <a:r>
+              <a:rPr lang="it-IT" dirty="0">
+                <a:hlinkClick r:id="rId3"/>
+              </a:rPr>
+              <a:t>http://</a:t>
+            </a:r>
+            <a:r>
+              <a:rPr lang="it-IT" dirty="0">
+                <a:solidFill>
+                  <a:srgbClr val="FFC000"/>
+                </a:solidFill>
+                <a:hlinkClick r:id="rId3"/>
+              </a:rPr>
+              <a:t>www.unixwiz.net/</a:t>
+            </a:r>
+            <a:r>
+              <a:rPr lang="it-IT" dirty="0" err="1">
+                <a:solidFill>
+                  <a:srgbClr val="FFC000"/>
+                </a:solidFill>
+                <a:hlinkClick r:id="rId3"/>
+              </a:rPr>
+              <a:t>techtips</a:t>
+            </a:r>
+            <a:r>
+              <a:rPr lang="it-IT" dirty="0">
+                <a:solidFill>
+                  <a:srgbClr val="FFC000"/>
+                </a:solidFill>
+                <a:hlinkClick r:id="rId3"/>
+              </a:rPr>
+              <a:t>/iguide-ipsec.html#flavors</a:t>
+            </a:r>
+            <a:endParaRPr lang="it-IT" dirty="0">
+              <a:solidFill>
+                <a:srgbClr val="FFC000"/>
+              </a:solidFill>
+            </a:endParaRPr>
+          </a:p>
+        </p:txBody>
+      </p:sp>
+    </p:spTree>
+  </p:cSld>
+  <p:clrMapOvr>
+    <a:masterClrMapping/>
+  </p:clrMapOvr>
+</p:sld>
+</file>
+
+<file path=ppt/slides/slide30.xml><?xml version="1.0" encoding="utf-8"?>
 <p:sld xmlns:a="http://schemas.openxmlformats.org/drawingml/2006/main" xmlns:r="http://schemas.openxmlformats.org/officeDocument/2006/relationships" xmlns:p="http://schemas.openxmlformats.org/presentationml/2006/main">
   <p:cSld>
     <p:spTree>
@@ -12992,7 +13346,7 @@
 </p:sld>
 </file>
 
-<file path=ppt/slides/slide3.xml><?xml version="1.0" encoding="utf-8"?>
+<file path=ppt/slides/slide31.xml><?xml version="1.0" encoding="utf-8"?>
 <p:sld xmlns:a="http://schemas.openxmlformats.org/drawingml/2006/main" xmlns:r="http://schemas.openxmlformats.org/officeDocument/2006/relationships" xmlns:p="http://schemas.openxmlformats.org/presentationml/2006/main">
   <p:cSld>
     <p:spTree>
@@ -13021,189 +13375,59 @@
         </p:nvSpPr>
         <p:spPr/>
         <p:txBody>
+          <a:bodyPr/>
+          <a:lstStyle/>
+          <a:p>
+            <a:r>
+              <a:rPr lang="it-IT" b="1" dirty="0"/>
+              <a:t>ESP </a:t>
+            </a:r>
+            <a:r>
+              <a:rPr lang="it-IT" b="1" dirty="0" err="1"/>
+              <a:t>Transport</a:t>
+            </a:r>
+            <a:r>
+              <a:rPr lang="it-IT" b="1" dirty="0"/>
+              <a:t> Mode</a:t>
+            </a:r>
+          </a:p>
+        </p:txBody>
+      </p:sp>
+      <p:sp>
+        <p:nvSpPr>
+          <p:cNvPr id="3" name="Segnaposto contenuto 2"/>
+          <p:cNvSpPr>
+            <a:spLocks noGrp="1"/>
+          </p:cNvSpPr>
+          <p:nvPr>
+            <p:ph idx="1"/>
+          </p:nvPr>
+        </p:nvSpPr>
+        <p:spPr/>
+        <p:txBody>
           <a:bodyPr>
             <a:normAutofit/>
           </a:bodyPr>
           <a:lstStyle/>
           <a:p>
             <a:r>
-              <a:rPr lang="it-IT" dirty="0"/>
-              <a:t>Set up </a:t>
-            </a:r>
-            <a:r>
-              <a:rPr lang="it-IT" dirty="0" err="1"/>
-              <a:t>Ipsec</a:t>
-            </a:r>
-            <a:r>
-              <a:rPr lang="it-IT" dirty="0"/>
-              <a:t> (1) </a:t>
-            </a:r>
-          </a:p>
-        </p:txBody>
-      </p:sp>
-      <p:sp>
-        <p:nvSpPr>
-          <p:cNvPr id="3" name="Segnaposto contenuto 2"/>
-          <p:cNvSpPr>
-            <a:spLocks noGrp="1"/>
-          </p:cNvSpPr>
-          <p:nvPr>
-            <p:ph idx="1"/>
-          </p:nvPr>
-        </p:nvSpPr>
-        <p:spPr/>
-        <p:txBody>
-          <a:bodyPr>
-            <a:normAutofit/>
-          </a:bodyPr>
-          <a:lstStyle/>
-          <a:p>
-            <a:endParaRPr lang="en-US" dirty="0"/>
-          </a:p>
-          <a:p>
-            <a:r>
-              <a:rPr lang="en-US" b="1" dirty="0"/>
-              <a:t>AH </a:t>
-            </a:r>
-            <a:r>
-              <a:rPr lang="en-US" b="1" i="1" dirty="0" err="1"/>
-              <a:t>vs</a:t>
-            </a:r>
-            <a:r>
-              <a:rPr lang="en-US" b="1" i="1" dirty="0"/>
-              <a:t> </a:t>
-            </a:r>
-            <a:r>
-              <a:rPr lang="en-US" b="1" dirty="0"/>
-              <a:t>ESP</a:t>
+              <a:rPr lang="en-US" dirty="0"/>
+              <a:t>encapsulates just the datagram's payload and it is designed strictly for host-to-host communications</a:t>
+            </a:r>
+          </a:p>
+          <a:p>
+            <a:r>
+              <a:rPr lang="en-US" dirty="0"/>
+              <a:t> The original IP header is left in place  </a:t>
             </a:r>
           </a:p>
           <a:p>
             <a:pPr lvl="1"/>
             <a:r>
-              <a:rPr lang="it-IT" b="1" dirty="0"/>
-              <a:t>AH</a:t>
-            </a:r>
-            <a:r>
-              <a:rPr lang="it-IT" dirty="0"/>
-              <a:t> (</a:t>
-            </a:r>
-            <a:r>
-              <a:rPr lang="it-IT" dirty="0" err="1"/>
-              <a:t>authenticate</a:t>
-            </a:r>
-            <a:r>
-              <a:rPr lang="it-IT" dirty="0"/>
-              <a:t>) </a:t>
-            </a:r>
-          </a:p>
-          <a:p>
-            <a:pPr lvl="2"/>
-            <a:r>
               <a:rPr lang="en-US" dirty="0"/>
-              <a:t>provides authentication and message integrity, but it does not provide confidentiality</a:t>
-            </a:r>
-            <a:r>
-              <a:rPr lang="it-IT" dirty="0"/>
-              <a:t> </a:t>
-            </a:r>
-          </a:p>
-          <a:p>
-            <a:pPr lvl="1"/>
-            <a:r>
-              <a:rPr lang="it-IT" b="1" dirty="0"/>
-              <a:t>ESP</a:t>
-            </a:r>
-            <a:r>
-              <a:rPr lang="it-IT" dirty="0"/>
-              <a:t> (</a:t>
-            </a:r>
-            <a:r>
-              <a:rPr lang="it-IT" dirty="0" err="1"/>
-              <a:t>encrypt+authenticate</a:t>
-            </a:r>
-            <a:r>
-              <a:rPr lang="it-IT" dirty="0"/>
-              <a:t>)</a:t>
-            </a:r>
-          </a:p>
-          <a:p>
-            <a:pPr lvl="2"/>
-            <a:r>
-              <a:rPr lang="en-US" dirty="0"/>
-              <a:t>provides authentication, confidentiality and message integrity check</a:t>
+              <a:t> the source and destination IP addresses are unchanged</a:t>
             </a:r>
             <a:endParaRPr lang="it-IT" dirty="0"/>
-          </a:p>
-        </p:txBody>
-      </p:sp>
-      <p:sp>
-        <p:nvSpPr>
-          <p:cNvPr id="4" name="Rettangolo 3"/>
-          <p:cNvSpPr/>
-          <p:nvPr/>
-        </p:nvSpPr>
-        <p:spPr>
-          <a:xfrm>
-            <a:off x="571472" y="1571612"/>
-            <a:ext cx="5929354" cy="369332"/>
-          </a:xfrm>
-          <a:prstGeom prst="rect">
-            <a:avLst/>
-          </a:prstGeom>
-          <a:solidFill>
-            <a:srgbClr val="FFC000"/>
-          </a:solidFill>
-          <a:ln>
-            <a:solidFill>
-              <a:srgbClr val="FFC000"/>
-            </a:solidFill>
-          </a:ln>
-        </p:spPr>
-        <p:txBody>
-          <a:bodyPr wrap="square">
-            <a:spAutoFit/>
-          </a:bodyPr>
-          <a:lstStyle/>
-          <a:p>
-            <a:r>
-              <a:rPr lang="it-IT" dirty="0">
-                <a:hlinkClick r:id="rId3"/>
-              </a:rPr>
-              <a:t>http://</a:t>
-            </a:r>
-            <a:r>
-              <a:rPr lang="it-IT" dirty="0">
-                <a:solidFill>
-                  <a:srgbClr val="FFC000"/>
-                </a:solidFill>
-                <a:hlinkClick r:id="rId3"/>
-              </a:rPr>
-              <a:t>www.unixwiz.net/</a:t>
-            </a:r>
-            <a:r>
-              <a:rPr lang="it-IT" dirty="0" err="1">
-                <a:solidFill>
-                  <a:srgbClr val="FFC000"/>
-                </a:solidFill>
-                <a:hlinkClick r:id="rId3"/>
-              </a:rPr>
-              <a:t>techtips</a:t>
-            </a:r>
-            <a:r>
-              <a:rPr lang="it-IT" dirty="0">
-                <a:solidFill>
-                  <a:srgbClr val="FFC000"/>
-                </a:solidFill>
-                <a:hlinkClick r:id="rId3"/>
-              </a:rPr>
-              <a:t>/iguide-ipsec.html#flavors</a:t>
-            </a:r>
-            <a:endParaRPr lang="it-IT" dirty="0">
-              <a:solidFill>
-                <a:srgbClr val="FFC000"/>
-              </a:solidFill>
-            </a:endParaRPr>
           </a:p>
         </p:txBody>
       </p:sp>
@@ -13215,100 +13439,7 @@
 </p:sld>
 </file>
 
-<file path=ppt/slides/slide30.xml><?xml version="1.0" encoding="utf-8"?>
-<p:sld xmlns:a="http://schemas.openxmlformats.org/drawingml/2006/main" xmlns:r="http://schemas.openxmlformats.org/officeDocument/2006/relationships" xmlns:p="http://schemas.openxmlformats.org/presentationml/2006/main">
-  <p:cSld>
-    <p:spTree>
-      <p:nvGrpSpPr>
-        <p:cNvPr id="1" name=""/>
-        <p:cNvGrpSpPr/>
-        <p:nvPr/>
-      </p:nvGrpSpPr>
-      <p:grpSpPr>
-        <a:xfrm>
-          <a:off x="0" y="0"/>
-          <a:ext cx="0" cy="0"/>
-          <a:chOff x="0" y="0"/>
-          <a:chExt cx="0" cy="0"/>
-        </a:xfrm>
-      </p:grpSpPr>
-      <p:sp>
-        <p:nvSpPr>
-          <p:cNvPr id="2" name="Titolo 1"/>
-          <p:cNvSpPr>
-            <a:spLocks noGrp="1"/>
-          </p:cNvSpPr>
-          <p:nvPr>
-            <p:ph type="title"/>
-          </p:nvPr>
-        </p:nvSpPr>
-        <p:spPr/>
-        <p:txBody>
-          <a:bodyPr/>
-          <a:lstStyle/>
-          <a:p>
-            <a:r>
-              <a:rPr lang="it-IT" b="1" dirty="0"/>
-              <a:t>ESP </a:t>
-            </a:r>
-            <a:r>
-              <a:rPr lang="it-IT" b="1" dirty="0" err="1"/>
-              <a:t>Transport</a:t>
-            </a:r>
-            <a:r>
-              <a:rPr lang="it-IT" b="1" dirty="0"/>
-              <a:t> Mode</a:t>
-            </a:r>
-          </a:p>
-        </p:txBody>
-      </p:sp>
-      <p:sp>
-        <p:nvSpPr>
-          <p:cNvPr id="3" name="Segnaposto contenuto 2"/>
-          <p:cNvSpPr>
-            <a:spLocks noGrp="1"/>
-          </p:cNvSpPr>
-          <p:nvPr>
-            <p:ph idx="1"/>
-          </p:nvPr>
-        </p:nvSpPr>
-        <p:spPr/>
-        <p:txBody>
-          <a:bodyPr>
-            <a:normAutofit/>
-          </a:bodyPr>
-          <a:lstStyle/>
-          <a:p>
-            <a:r>
-              <a:rPr lang="en-US" dirty="0"/>
-              <a:t>encapsulates just the datagram's payload and it is designed strictly for host-to-host communications</a:t>
-            </a:r>
-          </a:p>
-          <a:p>
-            <a:r>
-              <a:rPr lang="en-US" dirty="0"/>
-              <a:t> The original IP header is left in place  </a:t>
-            </a:r>
-          </a:p>
-          <a:p>
-            <a:pPr lvl="1"/>
-            <a:r>
-              <a:rPr lang="en-US" dirty="0"/>
-              <a:t> the source and destination IP addresses are unchanged</a:t>
-            </a:r>
-            <a:endParaRPr lang="it-IT" dirty="0"/>
-          </a:p>
-        </p:txBody>
-      </p:sp>
-    </p:spTree>
-  </p:cSld>
-  <p:clrMapOvr>
-    <a:masterClrMapping/>
-  </p:clrMapOvr>
-</p:sld>
-</file>
-
-<file path=ppt/slides/slide31.xml><?xml version="1.0" encoding="utf-8"?>
+<file path=ppt/slides/slide32.xml><?xml version="1.0" encoding="utf-8"?>
 <p:sld xmlns:a="http://schemas.openxmlformats.org/drawingml/2006/main" xmlns:r="http://schemas.openxmlformats.org/officeDocument/2006/relationships" xmlns:p="http://schemas.openxmlformats.org/presentationml/2006/main">
   <p:cSld>
     <p:spTree>
@@ -13381,7 +13512,7 @@
 </p:sld>
 </file>
 
-<file path=ppt/slides/slide32.xml><?xml version="1.0" encoding="utf-8"?>
+<file path=ppt/slides/slide33.xml><?xml version="1.0" encoding="utf-8"?>
 <p:sld xmlns:a="http://schemas.openxmlformats.org/drawingml/2006/main" xmlns:r="http://schemas.openxmlformats.org/officeDocument/2006/relationships" xmlns:p="http://schemas.openxmlformats.org/presentationml/2006/main">
   <p:cSld>
     <p:spTree>
@@ -13481,7 +13612,7 @@
 </p:sld>
 </file>
 
-<file path=ppt/slides/slide33.xml><?xml version="1.0" encoding="utf-8"?>
+<file path=ppt/slides/slide34.xml><?xml version="1.0" encoding="utf-8"?>
 <p:sld xmlns:a="http://schemas.openxmlformats.org/drawingml/2006/main" xmlns:r="http://schemas.openxmlformats.org/officeDocument/2006/relationships" xmlns:p="http://schemas.openxmlformats.org/presentationml/2006/main">
   <p:cSld>
     <p:spTree>
@@ -13891,7 +14022,7 @@
 </p:sld>
 </file>
 
-<file path=ppt/slides/slide34.xml><?xml version="1.0" encoding="utf-8"?>
+<file path=ppt/slides/slide35.xml><?xml version="1.0" encoding="utf-8"?>
 <p:sld xmlns:a="http://schemas.openxmlformats.org/drawingml/2006/main" xmlns:r="http://schemas.openxmlformats.org/officeDocument/2006/relationships" xmlns:p="http://schemas.openxmlformats.org/presentationml/2006/main">
   <p:cSld>
     <p:spTree>
@@ -14051,7 +14182,7 @@
 </p:sld>
 </file>
 
-<file path=ppt/slides/slide35.xml><?xml version="1.0" encoding="utf-8"?>
+<file path=ppt/slides/slide36.xml><?xml version="1.0" encoding="utf-8"?>
 <p:sld xmlns:a="http://schemas.openxmlformats.org/drawingml/2006/main" xmlns:r="http://schemas.openxmlformats.org/officeDocument/2006/relationships" xmlns:p="http://schemas.openxmlformats.org/presentationml/2006/main">
   <p:cSld>
     <p:spTree>
@@ -14262,151 +14393,6 @@
                 <a:srgbClr val="FFC000"/>
               </a:solidFill>
             </a:endParaRPr>
-          </a:p>
-        </p:txBody>
-      </p:sp>
-    </p:spTree>
-  </p:cSld>
-  <p:clrMapOvr>
-    <a:masterClrMapping/>
-  </p:clrMapOvr>
-</p:sld>
-</file>
-
-<file path=ppt/slides/slide36.xml><?xml version="1.0" encoding="utf-8"?>
-<p:sld xmlns:a="http://schemas.openxmlformats.org/drawingml/2006/main" xmlns:r="http://schemas.openxmlformats.org/officeDocument/2006/relationships" xmlns:p="http://schemas.openxmlformats.org/presentationml/2006/main">
-  <p:cSld>
-    <p:spTree>
-      <p:nvGrpSpPr>
-        <p:cNvPr id="1" name=""/>
-        <p:cNvGrpSpPr/>
-        <p:nvPr/>
-      </p:nvGrpSpPr>
-      <p:grpSpPr>
-        <a:xfrm>
-          <a:off x="0" y="0"/>
-          <a:ext cx="0" cy="0"/>
-          <a:chOff x="0" y="0"/>
-          <a:chExt cx="0" cy="0"/>
-        </a:xfrm>
-      </p:grpSpPr>
-      <p:sp>
-        <p:nvSpPr>
-          <p:cNvPr id="2" name="Titolo 1"/>
-          <p:cNvSpPr>
-            <a:spLocks noGrp="1"/>
-          </p:cNvSpPr>
-          <p:nvPr>
-            <p:ph type="title"/>
-          </p:nvPr>
-        </p:nvSpPr>
-        <p:spPr/>
-        <p:txBody>
-          <a:bodyPr>
-            <a:normAutofit/>
-          </a:bodyPr>
-          <a:lstStyle/>
-          <a:p>
-            <a:r>
-              <a:rPr lang="en-US" b="1" dirty="0"/>
-              <a:t>Security Associations and the SPI </a:t>
-            </a:r>
-            <a:endParaRPr lang="it-IT" dirty="0"/>
-          </a:p>
-        </p:txBody>
-      </p:sp>
-      <p:sp>
-        <p:nvSpPr>
-          <p:cNvPr id="3" name="Segnaposto contenuto 2"/>
-          <p:cNvSpPr>
-            <a:spLocks noGrp="1"/>
-          </p:cNvSpPr>
-          <p:nvPr>
-            <p:ph idx="1"/>
-          </p:nvPr>
-        </p:nvSpPr>
-        <p:spPr/>
-        <p:txBody>
-          <a:bodyPr>
-            <a:normAutofit fontScale="92500"/>
-          </a:bodyPr>
-          <a:lstStyle/>
-          <a:p>
-            <a:r>
-              <a:rPr lang="it-IT" dirty="0"/>
-              <a:t>Security </a:t>
-            </a:r>
-            <a:r>
-              <a:rPr lang="it-IT" dirty="0" err="1"/>
-              <a:t>Association</a:t>
-            </a:r>
-            <a:r>
-              <a:rPr lang="it-IT" dirty="0"/>
-              <a:t> Database (SADB)</a:t>
-            </a:r>
-          </a:p>
-          <a:p>
-            <a:pPr lvl="1"/>
-            <a:r>
-              <a:rPr lang="en-US" dirty="0"/>
-              <a:t>A database containing some SAs, present on the hosts</a:t>
-            </a:r>
-            <a:endParaRPr lang="it-IT" dirty="0"/>
-          </a:p>
-          <a:p>
-            <a:r>
-              <a:rPr lang="it-IT" dirty="0"/>
-              <a:t>Security </a:t>
-            </a:r>
-            <a:r>
-              <a:rPr lang="it-IT" dirty="0" err="1"/>
-              <a:t>Parameter</a:t>
-            </a:r>
-            <a:r>
-              <a:rPr lang="it-IT" dirty="0"/>
-              <a:t> </a:t>
-            </a:r>
-            <a:r>
-              <a:rPr lang="it-IT" dirty="0" err="1"/>
-              <a:t>Index</a:t>
-            </a:r>
-            <a:r>
-              <a:rPr lang="it-IT" dirty="0"/>
-              <a:t> (SPI)</a:t>
-            </a:r>
-          </a:p>
-          <a:p>
-            <a:pPr lvl="1"/>
-            <a:r>
-              <a:rPr lang="en-US" dirty="0"/>
-              <a:t>Unique index associated with each entry of the SADB</a:t>
-            </a:r>
-          </a:p>
-          <a:p>
-            <a:pPr lvl="1"/>
-            <a:r>
-              <a:rPr lang="en-US" dirty="0"/>
-              <a:t>Identifies the SA associated with a packet</a:t>
-            </a:r>
-            <a:endParaRPr lang="it-IT" dirty="0"/>
-          </a:p>
-          <a:p>
-            <a:r>
-              <a:rPr lang="it-IT" dirty="0"/>
-              <a:t>Security Policy Database (SPD)</a:t>
-            </a:r>
-          </a:p>
-          <a:p>
-            <a:pPr lvl="1"/>
-            <a:r>
-              <a:rPr lang="it-IT" dirty="0"/>
-              <a:t> </a:t>
-            </a:r>
-            <a:r>
-              <a:rPr lang="en-US" dirty="0"/>
-              <a:t>Stores the policy used to determine the SA type (indicates preferences on what type of SA are acceptable)</a:t>
-            </a:r>
-            <a:endParaRPr lang="it-IT" dirty="0"/>
           </a:p>
         </p:txBody>
       </p:sp>
@@ -14442,36 +14428,116 @@
             <a:spLocks noGrp="1"/>
           </p:cNvSpPr>
           <p:nvPr>
-            <p:ph type="ctrTitle"/>
+            <p:ph type="title"/>
           </p:nvPr>
         </p:nvSpPr>
         <p:spPr/>
         <p:txBody>
           <a:bodyPr>
-            <a:noAutofit/>
+            <a:normAutofit/>
           </a:bodyPr>
           <a:lstStyle/>
           <a:p>
             <a:r>
-              <a:rPr lang="it-IT" sz="4400" b="1" u="sng" dirty="0" err="1"/>
-              <a:t>IPSec</a:t>
-            </a:r>
-            <a:br>
-              <a:rPr lang="it-IT" sz="1400" dirty="0"/>
-            </a:br>
-            <a:r>
-              <a:rPr lang="it-IT" sz="4400" b="1" dirty="0"/>
-              <a:t>ISAKMP +</a:t>
-            </a:r>
-            <a:r>
-              <a:rPr lang="it-IT" sz="1400" dirty="0"/>
+              <a:rPr lang="en-US" b="1" dirty="0"/>
+              <a:t>Security Associations and the SPI </a:t>
+            </a:r>
+            <a:endParaRPr lang="it-IT" dirty="0"/>
+          </a:p>
+        </p:txBody>
+      </p:sp>
+      <p:sp>
+        <p:nvSpPr>
+          <p:cNvPr id="3" name="Segnaposto contenuto 2"/>
+          <p:cNvSpPr>
+            <a:spLocks noGrp="1"/>
+          </p:cNvSpPr>
+          <p:nvPr>
+            <p:ph idx="1"/>
+          </p:nvPr>
+        </p:nvSpPr>
+        <p:spPr/>
+        <p:txBody>
+          <a:bodyPr>
+            <a:normAutofit fontScale="92500"/>
+          </a:bodyPr>
+          <a:lstStyle/>
+          <a:p>
+            <a:r>
+              <a:rPr lang="it-IT" dirty="0"/>
+              <a:t>Security </a:t>
+            </a:r>
+            <a:r>
+              <a:rPr lang="it-IT" dirty="0" err="1"/>
+              <a:t>Association</a:t>
+            </a:r>
+            <a:r>
+              <a:rPr lang="it-IT" dirty="0"/>
+              <a:t> Database (SADB)</a:t>
+            </a:r>
+          </a:p>
+          <a:p>
+            <a:pPr lvl="1"/>
+            <a:r>
+              <a:rPr lang="en-US" dirty="0"/>
+              <a:t>A database containing some SAs, present on the hosts</a:t>
+            </a:r>
+            <a:endParaRPr lang="it-IT" dirty="0"/>
+          </a:p>
+          <a:p>
+            <a:r>
+              <a:rPr lang="it-IT" dirty="0"/>
+              <a:t>Security </a:t>
+            </a:r>
+            <a:r>
+              <a:rPr lang="it-IT" dirty="0" err="1"/>
+              <a:t>Parameter</a:t>
+            </a:r>
+            <a:r>
+              <a:rPr lang="it-IT" dirty="0"/>
               <a:t> </a:t>
             </a:r>
             <a:r>
-              <a:rPr lang="it-IT" sz="4400" b="1" dirty="0"/>
-              <a:t>IKE</a:t>
-            </a:r>
-            <a:endParaRPr lang="it-IT" sz="1400" b="1" dirty="0"/>
+              <a:rPr lang="it-IT" dirty="0" err="1"/>
+              <a:t>Index</a:t>
+            </a:r>
+            <a:r>
+              <a:rPr lang="it-IT" dirty="0"/>
+              <a:t> (SPI)</a:t>
+            </a:r>
+          </a:p>
+          <a:p>
+            <a:pPr lvl="1"/>
+            <a:r>
+              <a:rPr lang="en-US" dirty="0"/>
+              <a:t>Unique index associated with each entry of the SADB</a:t>
+            </a:r>
+          </a:p>
+          <a:p>
+            <a:pPr lvl="1"/>
+            <a:r>
+              <a:rPr lang="en-US" dirty="0"/>
+              <a:t>Identifies the SA associated with a packet</a:t>
+            </a:r>
+            <a:endParaRPr lang="it-IT" dirty="0"/>
+          </a:p>
+          <a:p>
+            <a:r>
+              <a:rPr lang="it-IT" dirty="0"/>
+              <a:t>Security Policy Database (SPD)</a:t>
+            </a:r>
+          </a:p>
+          <a:p>
+            <a:pPr lvl="1"/>
+            <a:r>
+              <a:rPr lang="it-IT" dirty="0"/>
+              <a:t> </a:t>
+            </a:r>
+            <a:r>
+              <a:rPr lang="en-US" dirty="0"/>
+              <a:t>Stores the policy used to determine the SA type (indicates preferences on what type of SA are acceptable)</a:t>
+            </a:r>
+            <a:endParaRPr lang="it-IT" dirty="0"/>
           </a:p>
         </p:txBody>
       </p:sp>
@@ -14507,126 +14573,36 @@
             <a:spLocks noGrp="1"/>
           </p:cNvSpPr>
           <p:nvPr>
-            <p:ph type="title"/>
+            <p:ph type="ctrTitle"/>
           </p:nvPr>
         </p:nvSpPr>
         <p:spPr/>
         <p:txBody>
           <a:bodyPr>
-            <a:normAutofit fontScale="90000"/>
+            <a:noAutofit/>
           </a:bodyPr>
           <a:lstStyle/>
           <a:p>
             <a:r>
-              <a:rPr lang="it-IT" b="1" dirty="0"/>
-              <a:t>Internet Security </a:t>
-            </a:r>
-            <a:r>
-              <a:rPr lang="it-IT" b="1" dirty="0" err="1"/>
-              <a:t>Association</a:t>
-            </a:r>
-            <a:r>
-              <a:rPr lang="it-IT" b="1" dirty="0"/>
-              <a:t> and Key Management </a:t>
-            </a:r>
-            <a:r>
-              <a:rPr lang="it-IT" b="1" dirty="0" err="1"/>
-              <a:t>Protocol</a:t>
-            </a:r>
-            <a:endParaRPr lang="it-IT" b="1" dirty="0"/>
-          </a:p>
-        </p:txBody>
-      </p:sp>
-      <p:sp>
-        <p:nvSpPr>
-          <p:cNvPr id="3" name="Segnaposto contenuto 2"/>
-          <p:cNvSpPr>
-            <a:spLocks noGrp="1"/>
-          </p:cNvSpPr>
-          <p:nvPr>
-            <p:ph idx="1"/>
-          </p:nvPr>
-        </p:nvSpPr>
-        <p:spPr>
-          <a:xfrm>
-            <a:off x="457200" y="1885952"/>
-            <a:ext cx="8229600" cy="4757758"/>
-          </a:xfrm>
-        </p:spPr>
-        <p:txBody>
-          <a:bodyPr>
-            <a:normAutofit/>
-          </a:bodyPr>
-          <a:lstStyle/>
-          <a:p>
-            <a:pPr algn="just"/>
-            <a:r>
-              <a:rPr lang="it-IT" b="1" dirty="0"/>
-              <a:t>ISAKMP </a:t>
-            </a:r>
-            <a:r>
-              <a:rPr lang="it-IT" dirty="0" err="1"/>
-              <a:t>protocol</a:t>
-            </a:r>
-            <a:endParaRPr lang="it-IT" b="1" dirty="0"/>
-          </a:p>
-          <a:p>
-            <a:pPr lvl="1" algn="just"/>
-            <a:r>
-              <a:rPr lang="en-US" dirty="0"/>
-              <a:t>defines procedures and packet formats to</a:t>
-            </a:r>
-          </a:p>
-          <a:p>
-            <a:pPr lvl="2" algn="just"/>
-            <a:r>
-              <a:rPr lang="it-IT" dirty="0" err="1"/>
-              <a:t>establish</a:t>
-            </a:r>
-            <a:r>
-              <a:rPr lang="it-IT" dirty="0"/>
-              <a:t>, </a:t>
-            </a:r>
-            <a:r>
-              <a:rPr lang="it-IT" dirty="0" err="1"/>
-              <a:t>negotiate</a:t>
-            </a:r>
-            <a:r>
-              <a:rPr lang="it-IT" dirty="0"/>
-              <a:t>, </a:t>
-            </a:r>
-            <a:r>
-              <a:rPr lang="it-IT" dirty="0" err="1"/>
-              <a:t>modify</a:t>
-            </a:r>
-            <a:r>
-              <a:rPr lang="it-IT" dirty="0"/>
-              <a:t>, delete the </a:t>
-            </a:r>
-            <a:r>
-              <a:rPr lang="it-IT" i="1" dirty="0"/>
-              <a:t>security </a:t>
-            </a:r>
-            <a:r>
-              <a:rPr lang="it-IT" i="1" dirty="0" err="1"/>
-              <a:t>associations</a:t>
-            </a:r>
-            <a:endParaRPr lang="it-IT" i="1" dirty="0"/>
-          </a:p>
-          <a:p>
-            <a:pPr lvl="1" algn="just"/>
-            <a:r>
-              <a:rPr lang="en-US" dirty="0"/>
-              <a:t>defines payloads for exchanging key generation and authentication data</a:t>
-            </a:r>
-          </a:p>
-          <a:p>
-            <a:pPr lvl="2" algn="just"/>
-            <a:r>
-              <a:rPr lang="en-US" dirty="0"/>
-              <a:t>it’s independent of the key generation technique, encryption algorithm and authentication mechanism</a:t>
-            </a:r>
-            <a:endParaRPr lang="it-IT" dirty="0"/>
+              <a:rPr lang="it-IT" sz="4400" b="1" u="sng" dirty="0" err="1"/>
+              <a:t>IPSec</a:t>
+            </a:r>
+            <a:br>
+              <a:rPr lang="it-IT" sz="1400" dirty="0"/>
+            </a:br>
+            <a:r>
+              <a:rPr lang="it-IT" sz="4400" b="1" dirty="0"/>
+              <a:t>ISAKMP +</a:t>
+            </a:r>
+            <a:r>
+              <a:rPr lang="it-IT" sz="1400" dirty="0"/>
+              <a:t> </a:t>
+            </a:r>
+            <a:r>
+              <a:rPr lang="it-IT" sz="4400" b="1" dirty="0"/>
+              <a:t>IKE</a:t>
+            </a:r>
+            <a:endParaRPr lang="it-IT" sz="1400" b="1" dirty="0"/>
           </a:p>
         </p:txBody>
       </p:sp>
@@ -14667,93 +14643,119 @@
         </p:nvSpPr>
         <p:spPr/>
         <p:txBody>
-          <a:bodyPr/>
-          <a:lstStyle/>
-          <a:p>
+          <a:bodyPr>
+            <a:normAutofit fontScale="90000"/>
+          </a:bodyPr>
+          <a:lstStyle/>
+          <a:p>
+            <a:r>
+              <a:rPr lang="it-IT" b="1" dirty="0"/>
+              <a:t>Internet Security </a:t>
+            </a:r>
+            <a:r>
+              <a:rPr lang="it-IT" b="1" dirty="0" err="1"/>
+              <a:t>Association</a:t>
+            </a:r>
+            <a:r>
+              <a:rPr lang="it-IT" b="1" dirty="0"/>
+              <a:t> and Key Management </a:t>
+            </a:r>
+            <a:r>
+              <a:rPr lang="it-IT" b="1" dirty="0" err="1"/>
+              <a:t>Protocol</a:t>
+            </a:r>
+            <a:endParaRPr lang="it-IT" b="1" dirty="0"/>
+          </a:p>
+        </p:txBody>
+      </p:sp>
+      <p:sp>
+        <p:nvSpPr>
+          <p:cNvPr id="3" name="Segnaposto contenuto 2"/>
+          <p:cNvSpPr>
+            <a:spLocks noGrp="1"/>
+          </p:cNvSpPr>
+          <p:nvPr>
+            <p:ph idx="1"/>
+          </p:nvPr>
+        </p:nvSpPr>
+        <p:spPr>
+          <a:xfrm>
+            <a:off x="457200" y="1885952"/>
+            <a:ext cx="8229600" cy="4757758"/>
+          </a:xfrm>
+        </p:spPr>
+        <p:txBody>
+          <a:bodyPr>
+            <a:normAutofit/>
+          </a:bodyPr>
+          <a:lstStyle/>
+          <a:p>
+            <a:pPr algn="just"/>
             <a:r>
               <a:rPr lang="it-IT" b="1" dirty="0"/>
               <a:t>ISAKMP </a:t>
             </a:r>
             <a:r>
-              <a:rPr lang="it-IT" b="1" dirty="0" err="1"/>
-              <a:t>message</a:t>
+              <a:rPr lang="it-IT" dirty="0" err="1"/>
+              <a:t>protocol</a:t>
             </a:r>
             <a:endParaRPr lang="it-IT" b="1" dirty="0"/>
           </a:p>
-        </p:txBody>
-      </p:sp>
-      <p:sp>
-        <p:nvSpPr>
-          <p:cNvPr id="3" name="Segnaposto contenuto 2"/>
-          <p:cNvSpPr>
-            <a:spLocks noGrp="1"/>
-          </p:cNvSpPr>
-          <p:nvPr>
-            <p:ph idx="1"/>
-          </p:nvPr>
-        </p:nvSpPr>
-        <p:spPr>
-          <a:xfrm>
-            <a:off x="457200" y="1974871"/>
-            <a:ext cx="8229600" cy="4525963"/>
-          </a:xfrm>
-        </p:spPr>
-        <p:txBody>
-          <a:bodyPr/>
-          <a:lstStyle/>
-          <a:p>
-            <a:pPr algn="just"/>
+          <a:p>
+            <a:pPr lvl="1" algn="just"/>
             <a:r>
               <a:rPr lang="en-US" dirty="0"/>
-              <a:t>An ISAKMP message consists of:</a:t>
-            </a:r>
-            <a:endParaRPr lang="it-IT" dirty="0"/>
+              <a:t>defines procedures and packet formats to</a:t>
+            </a:r>
+          </a:p>
+          <a:p>
+            <a:pPr lvl="2" algn="just"/>
+            <a:r>
+              <a:rPr lang="it-IT" dirty="0" err="1"/>
+              <a:t>establish</a:t>
+            </a:r>
+            <a:r>
+              <a:rPr lang="it-IT" dirty="0"/>
+              <a:t>, </a:t>
+            </a:r>
+            <a:r>
+              <a:rPr lang="it-IT" dirty="0" err="1"/>
+              <a:t>negotiate</a:t>
+            </a:r>
+            <a:r>
+              <a:rPr lang="it-IT" dirty="0"/>
+              <a:t>, </a:t>
+            </a:r>
+            <a:r>
+              <a:rPr lang="it-IT" dirty="0" err="1"/>
+              <a:t>modify</a:t>
+            </a:r>
+            <a:r>
+              <a:rPr lang="it-IT" dirty="0"/>
+              <a:t>, delete the </a:t>
+            </a:r>
+            <a:r>
+              <a:rPr lang="it-IT" i="1" dirty="0"/>
+              <a:t>security </a:t>
+            </a:r>
+            <a:r>
+              <a:rPr lang="it-IT" i="1" dirty="0" err="1"/>
+              <a:t>associations</a:t>
+            </a:r>
+            <a:endParaRPr lang="it-IT" i="1" dirty="0"/>
           </a:p>
           <a:p>
             <a:pPr lvl="1" algn="just"/>
             <a:r>
-              <a:rPr lang="it-IT" dirty="0" err="1"/>
-              <a:t>Header</a:t>
-            </a:r>
-            <a:r>
-              <a:rPr lang="it-IT" dirty="0"/>
-              <a:t> + </a:t>
-            </a:r>
-            <a:r>
-              <a:rPr lang="it-IT" dirty="0" err="1"/>
-              <a:t>one</a:t>
-            </a:r>
-            <a:r>
-              <a:rPr lang="it-IT" dirty="0"/>
-              <a:t> or more </a:t>
-            </a:r>
-            <a:r>
-              <a:rPr lang="it-IT" dirty="0" err="1"/>
-              <a:t>payloads</a:t>
-            </a:r>
-            <a:r>
-              <a:rPr lang="it-IT" dirty="0"/>
-              <a:t> </a:t>
-            </a:r>
-          </a:p>
-          <a:p>
-            <a:pPr lvl="1" algn="just">
-              <a:buNone/>
-            </a:pPr>
-            <a:endParaRPr lang="it-IT" dirty="0"/>
-          </a:p>
-          <a:p>
-            <a:pPr algn="just"/>
-            <a:r>
               <a:rPr lang="en-US" dirty="0"/>
-              <a:t>Transported in a transport protocol</a:t>
-            </a:r>
-          </a:p>
-          <a:p>
-            <a:pPr lvl="1" algn="just"/>
+              <a:t>defines payloads for exchanging key generation and authentication data</a:t>
+            </a:r>
+          </a:p>
+          <a:p>
+            <a:pPr lvl="2" algn="just"/>
             <a:r>
               <a:rPr lang="en-US" dirty="0"/>
-              <a:t>specifications require support for UDP</a:t>
+              <a:t>it’s independent of the key generation technique, encryption algorithm and authentication mechanism</a:t>
             </a:r>
             <a:endParaRPr lang="it-IT" dirty="0"/>
           </a:p>
@@ -15006,6 +15008,135 @@
 </file>
 
 <file path=ppt/slides/slide40.xml><?xml version="1.0" encoding="utf-8"?>
+<p:sld xmlns:a="http://schemas.openxmlformats.org/drawingml/2006/main" xmlns:r="http://schemas.openxmlformats.org/officeDocument/2006/relationships" xmlns:p="http://schemas.openxmlformats.org/presentationml/2006/main">
+  <p:cSld>
+    <p:spTree>
+      <p:nvGrpSpPr>
+        <p:cNvPr id="1" name=""/>
+        <p:cNvGrpSpPr/>
+        <p:nvPr/>
+      </p:nvGrpSpPr>
+      <p:grpSpPr>
+        <a:xfrm>
+          <a:off x="0" y="0"/>
+          <a:ext cx="0" cy="0"/>
+          <a:chOff x="0" y="0"/>
+          <a:chExt cx="0" cy="0"/>
+        </a:xfrm>
+      </p:grpSpPr>
+      <p:sp>
+        <p:nvSpPr>
+          <p:cNvPr id="2" name="Titolo 1"/>
+          <p:cNvSpPr>
+            <a:spLocks noGrp="1"/>
+          </p:cNvSpPr>
+          <p:nvPr>
+            <p:ph type="title"/>
+          </p:nvPr>
+        </p:nvSpPr>
+        <p:spPr/>
+        <p:txBody>
+          <a:bodyPr/>
+          <a:lstStyle/>
+          <a:p>
+            <a:r>
+              <a:rPr lang="it-IT" b="1" dirty="0"/>
+              <a:t>ISAKMP </a:t>
+            </a:r>
+            <a:r>
+              <a:rPr lang="it-IT" b="1" dirty="0" err="1"/>
+              <a:t>message</a:t>
+            </a:r>
+            <a:endParaRPr lang="it-IT" b="1" dirty="0"/>
+          </a:p>
+        </p:txBody>
+      </p:sp>
+      <p:sp>
+        <p:nvSpPr>
+          <p:cNvPr id="3" name="Segnaposto contenuto 2"/>
+          <p:cNvSpPr>
+            <a:spLocks noGrp="1"/>
+          </p:cNvSpPr>
+          <p:nvPr>
+            <p:ph idx="1"/>
+          </p:nvPr>
+        </p:nvSpPr>
+        <p:spPr>
+          <a:xfrm>
+            <a:off x="457200" y="1974871"/>
+            <a:ext cx="8229600" cy="4525963"/>
+          </a:xfrm>
+        </p:spPr>
+        <p:txBody>
+          <a:bodyPr/>
+          <a:lstStyle/>
+          <a:p>
+            <a:pPr algn="just"/>
+            <a:r>
+              <a:rPr lang="en-US" dirty="0"/>
+              <a:t>An ISAKMP message consists of:</a:t>
+            </a:r>
+            <a:endParaRPr lang="it-IT" dirty="0"/>
+          </a:p>
+          <a:p>
+            <a:pPr lvl="1" algn="just"/>
+            <a:r>
+              <a:rPr lang="it-IT" dirty="0" err="1"/>
+              <a:t>Header</a:t>
+            </a:r>
+            <a:r>
+              <a:rPr lang="it-IT" dirty="0"/>
+              <a:t> + </a:t>
+            </a:r>
+            <a:r>
+              <a:rPr lang="it-IT" dirty="0" err="1"/>
+              <a:t>one</a:t>
+            </a:r>
+            <a:r>
+              <a:rPr lang="it-IT" dirty="0"/>
+              <a:t> or more </a:t>
+            </a:r>
+            <a:r>
+              <a:rPr lang="it-IT" dirty="0" err="1"/>
+              <a:t>payloads</a:t>
+            </a:r>
+            <a:r>
+              <a:rPr lang="it-IT" dirty="0"/>
+              <a:t> </a:t>
+            </a:r>
+          </a:p>
+          <a:p>
+            <a:pPr lvl="1" algn="just">
+              <a:buNone/>
+            </a:pPr>
+            <a:endParaRPr lang="it-IT" dirty="0"/>
+          </a:p>
+          <a:p>
+            <a:pPr algn="just"/>
+            <a:r>
+              <a:rPr lang="en-US" dirty="0"/>
+              <a:t>Transported in a transport protocol</a:t>
+            </a:r>
+          </a:p>
+          <a:p>
+            <a:pPr lvl="1" algn="just"/>
+            <a:r>
+              <a:rPr lang="en-US" dirty="0"/>
+              <a:t>specifications require support for UDP</a:t>
+            </a:r>
+            <a:endParaRPr lang="it-IT" dirty="0"/>
+          </a:p>
+        </p:txBody>
+      </p:sp>
+    </p:spTree>
+  </p:cSld>
+  <p:clrMapOvr>
+    <a:masterClrMapping/>
+  </p:clrMapOvr>
+</p:sld>
+</file>
+
+<file path=ppt/slides/slide41.xml><?xml version="1.0" encoding="utf-8"?>
 <p:sld xmlns:a="http://schemas.openxmlformats.org/drawingml/2006/main" xmlns:r="http://schemas.openxmlformats.org/officeDocument/2006/relationships" xmlns:p="http://schemas.openxmlformats.org/presentationml/2006/main">
   <p:cSld>
     <p:spTree>
@@ -15382,7 +15513,7 @@
 </p:sld>
 </file>
 
-<file path=ppt/slides/slide41.xml><?xml version="1.0" encoding="utf-8"?>
+<file path=ppt/slides/slide42.xml><?xml version="1.0" encoding="utf-8"?>
 <p:sld xmlns:a="http://schemas.openxmlformats.org/drawingml/2006/main" xmlns:r="http://schemas.openxmlformats.org/officeDocument/2006/relationships" xmlns:p="http://schemas.openxmlformats.org/presentationml/2006/main">
   <p:cSld>
     <p:spTree>
@@ -15585,7 +15716,7 @@
 </p:sld>
 </file>
 
-<file path=ppt/slides/slide42.xml><?xml version="1.0" encoding="utf-8"?>
+<file path=ppt/slides/slide43.xml><?xml version="1.0" encoding="utf-8"?>
 <p:sld xmlns:a="http://schemas.openxmlformats.org/drawingml/2006/main" xmlns:r="http://schemas.openxmlformats.org/officeDocument/2006/relationships" xmlns:p="http://schemas.openxmlformats.org/presentationml/2006/main">
   <p:cSld>
     <p:spTree>
@@ -16095,7 +16226,7 @@
 </p:sld>
 </file>
 
-<file path=ppt/slides/slide43.xml><?xml version="1.0" encoding="utf-8"?>
+<file path=ppt/slides/slide44.xml><?xml version="1.0" encoding="utf-8"?>
 <p:sld xmlns:a="http://schemas.openxmlformats.org/drawingml/2006/main" xmlns:r="http://schemas.openxmlformats.org/officeDocument/2006/relationships" xmlns:p="http://schemas.openxmlformats.org/presentationml/2006/main">
   <p:cSld>
     <p:spTree>
@@ -16739,7 +16870,7 @@
 </p:sld>
 </file>
 
-<file path=ppt/slides/slide44.xml><?xml version="1.0" encoding="utf-8"?>
+<file path=ppt/slides/slide45.xml><?xml version="1.0" encoding="utf-8"?>
 <p:sld xmlns:a="http://schemas.openxmlformats.org/drawingml/2006/main" xmlns:r="http://schemas.openxmlformats.org/officeDocument/2006/relationships" xmlns:p="http://schemas.openxmlformats.org/presentationml/2006/main">
   <p:cSld>
     <p:spTree>
@@ -17221,231 +17352,6 @@
 </p:sld>
 </file>
 
-<file path=ppt/slides/slide45.xml><?xml version="1.0" encoding="utf-8"?>
-<p:sld xmlns:a="http://schemas.openxmlformats.org/drawingml/2006/main" xmlns:r="http://schemas.openxmlformats.org/officeDocument/2006/relationships" xmlns:p="http://schemas.openxmlformats.org/presentationml/2006/main">
-  <p:cSld>
-    <p:spTree>
-      <p:nvGrpSpPr>
-        <p:cNvPr id="1" name=""/>
-        <p:cNvGrpSpPr/>
-        <p:nvPr/>
-      </p:nvGrpSpPr>
-      <p:grpSpPr>
-        <a:xfrm>
-          <a:off x="0" y="0"/>
-          <a:ext cx="0" cy="0"/>
-          <a:chOff x="0" y="0"/>
-          <a:chExt cx="0" cy="0"/>
-        </a:xfrm>
-      </p:grpSpPr>
-      <p:sp>
-        <p:nvSpPr>
-          <p:cNvPr id="2" name="Titolo 1"/>
-          <p:cNvSpPr>
-            <a:spLocks noGrp="1"/>
-          </p:cNvSpPr>
-          <p:nvPr>
-            <p:ph type="title"/>
-          </p:nvPr>
-        </p:nvSpPr>
-        <p:spPr/>
-        <p:txBody>
-          <a:bodyPr/>
-          <a:lstStyle/>
-          <a:p>
-            <a:r>
-              <a:rPr lang="it-IT" b="1" dirty="0" err="1"/>
-              <a:t>Payload</a:t>
-            </a:r>
-            <a:r>
-              <a:rPr lang="it-IT" b="1" dirty="0"/>
-              <a:t> </a:t>
-            </a:r>
-            <a:r>
-              <a:rPr lang="it-IT" b="1" dirty="0" err="1"/>
-              <a:t>Types</a:t>
-            </a:r>
-            <a:r>
-              <a:rPr lang="it-IT" b="1" dirty="0"/>
-              <a:t> (1)</a:t>
-            </a:r>
-          </a:p>
-        </p:txBody>
-      </p:sp>
-      <p:sp>
-        <p:nvSpPr>
-          <p:cNvPr id="3" name="Segnaposto contenuto 2"/>
-          <p:cNvSpPr>
-            <a:spLocks noGrp="1"/>
-          </p:cNvSpPr>
-          <p:nvPr>
-            <p:ph idx="1"/>
-          </p:nvPr>
-        </p:nvSpPr>
-        <p:spPr>
-          <a:xfrm>
-            <a:off x="428596" y="1457348"/>
-            <a:ext cx="8501122" cy="5257800"/>
-          </a:xfrm>
-        </p:spPr>
-        <p:txBody>
-          <a:bodyPr>
-            <a:normAutofit/>
-          </a:bodyPr>
-          <a:lstStyle/>
-          <a:p>
-            <a:pPr algn="just"/>
-            <a:r>
-              <a:rPr lang="en-US" sz="2000" dirty="0"/>
-              <a:t>The SA payload is used to begin the establishment of an security association</a:t>
-            </a:r>
-            <a:endParaRPr lang="it-IT" sz="2000" dirty="0"/>
-          </a:p>
-          <a:p>
-            <a:pPr lvl="1" algn="just"/>
-            <a:r>
-              <a:rPr lang="en-US" sz="1800" dirty="0"/>
-              <a:t>the </a:t>
-            </a:r>
-            <a:r>
-              <a:rPr lang="en-US" sz="1800" b="1" i="1" dirty="0"/>
-              <a:t>D</a:t>
-            </a:r>
-            <a:r>
-              <a:rPr lang="en-US" sz="1800" i="1" dirty="0"/>
-              <a:t>omain </a:t>
-            </a:r>
-            <a:r>
-              <a:rPr lang="en-US" sz="1800" b="1" i="1" dirty="0"/>
-              <a:t>o</a:t>
-            </a:r>
-            <a:r>
-              <a:rPr lang="en-US" sz="1800" i="1" dirty="0"/>
-              <a:t>f </a:t>
-            </a:r>
-            <a:r>
-              <a:rPr lang="en-US" sz="1800" b="1" i="1" dirty="0"/>
-              <a:t>I</a:t>
-            </a:r>
-            <a:r>
-              <a:rPr lang="en-US" sz="1800" i="1" dirty="0"/>
-              <a:t>nterpretation </a:t>
-            </a:r>
-            <a:r>
-              <a:rPr lang="en-US" sz="1800" dirty="0"/>
-              <a:t>parameter identifies the DOI under which negotiation is taking place </a:t>
-            </a:r>
-          </a:p>
-          <a:p>
-            <a:pPr lvl="1" algn="just"/>
-            <a:r>
-              <a:rPr lang="en-US" sz="1800" dirty="0"/>
-              <a:t>The </a:t>
-            </a:r>
-            <a:r>
-              <a:rPr lang="en-US" sz="1800" i="1" dirty="0"/>
-              <a:t>Situation</a:t>
-            </a:r>
-            <a:r>
-              <a:rPr lang="en-US" sz="1800" dirty="0"/>
-              <a:t> parameter defines the security policy for this negotiation (the levels of security required)</a:t>
-            </a:r>
-            <a:endParaRPr lang="it-IT" sz="1800" dirty="0"/>
-          </a:p>
-          <a:p>
-            <a:pPr algn="just"/>
-            <a:r>
-              <a:rPr lang="en-US" sz="2000" dirty="0"/>
-              <a:t>The </a:t>
-            </a:r>
-            <a:r>
-              <a:rPr lang="en-US" sz="2000" b="1" dirty="0"/>
-              <a:t>Proposal</a:t>
-            </a:r>
-            <a:r>
-              <a:rPr lang="en-US" sz="2000" dirty="0"/>
-              <a:t> payload contains information used during SA negotiation</a:t>
-            </a:r>
-            <a:endParaRPr lang="it-IT" sz="2000" dirty="0"/>
-          </a:p>
-          <a:p>
-            <a:pPr lvl="1" algn="just"/>
-            <a:r>
-              <a:rPr lang="en-US" sz="1800" dirty="0"/>
-              <a:t>indicates the protocol for this SA (ESP or AH), includes the sending entity's SPI and the number of transforms.</a:t>
-            </a:r>
-            <a:endParaRPr lang="it-IT" sz="1800" dirty="0"/>
-          </a:p>
-          <a:p>
-            <a:pPr algn="just"/>
-            <a:r>
-              <a:rPr lang="en-US" sz="2000" dirty="0"/>
-              <a:t>The </a:t>
-            </a:r>
-            <a:r>
-              <a:rPr lang="en-US" sz="2000" b="1" dirty="0"/>
-              <a:t>Transform</a:t>
-            </a:r>
-            <a:r>
-              <a:rPr lang="en-US" sz="2000" dirty="0"/>
-              <a:t> payload defines a security transform to be used to secure the communications channel for the designated protocol</a:t>
-            </a:r>
-            <a:endParaRPr lang="it-IT" sz="2000" dirty="0"/>
-          </a:p>
-          <a:p>
-            <a:pPr lvl="1" algn="just"/>
-            <a:r>
-              <a:rPr lang="en-US" sz="1800" dirty="0"/>
-              <a:t> The </a:t>
-            </a:r>
-            <a:r>
-              <a:rPr lang="en-US" sz="1800" i="1" dirty="0"/>
-              <a:t>Transform # </a:t>
-            </a:r>
-            <a:r>
-              <a:rPr lang="en-US" sz="1800" dirty="0"/>
-              <a:t>parameter serves to identify this particular payload so that the responder may use it to indicate acceptance of this transform</a:t>
-            </a:r>
-            <a:endParaRPr lang="it-IT" sz="1800" dirty="0"/>
-          </a:p>
-          <a:p>
-            <a:pPr lvl="1" algn="just"/>
-            <a:r>
-              <a:rPr lang="en-US" sz="1800" dirty="0"/>
-              <a:t>The </a:t>
-            </a:r>
-            <a:r>
-              <a:rPr lang="en-US" sz="1800" i="1" dirty="0"/>
-              <a:t>Transform-ID </a:t>
-            </a:r>
-            <a:r>
-              <a:rPr lang="en-US" sz="1800" dirty="0"/>
-              <a:t>and </a:t>
-            </a:r>
-            <a:r>
-              <a:rPr lang="en-US" sz="1800" i="1" dirty="0"/>
-              <a:t>Attributes</a:t>
-            </a:r>
-            <a:r>
-              <a:rPr lang="en-US" sz="1800" dirty="0"/>
-              <a:t> fields identify a specific transform (e.g., 3DES for ESP, HMAC-SHA-1-96 for AH) with its associated attributes </a:t>
-            </a:r>
-            <a:endParaRPr lang="it-IT" sz="1800" i="1" dirty="0"/>
-          </a:p>
-          <a:p>
-            <a:pPr lvl="1" algn="just"/>
-            <a:endParaRPr lang="it-IT" sz="2000" dirty="0"/>
-          </a:p>
-        </p:txBody>
-      </p:sp>
-    </p:spTree>
-  </p:cSld>
-  <p:clrMapOvr>
-    <a:masterClrMapping/>
-  </p:clrMapOvr>
-</p:sld>
-</file>
-
 <file path=ppt/slides/slide46.xml><?xml version="1.0" encoding="utf-8"?>
 <p:sld xmlns:a="http://schemas.openxmlformats.org/drawingml/2006/main" xmlns:r="http://schemas.openxmlformats.org/officeDocument/2006/relationships" xmlns:p="http://schemas.openxmlformats.org/presentationml/2006/main">
   <p:cSld>
@@ -17492,7 +17398,7 @@
             </a:r>
             <a:r>
               <a:rPr lang="it-IT" b="1" dirty="0"/>
-              <a:t> (2)</a:t>
+              <a:t> (1)</a:t>
             </a:r>
           </a:p>
         </p:txBody>
@@ -17509,159 +17415,157 @@
         </p:nvSpPr>
         <p:spPr>
           <a:xfrm>
-            <a:off x="500034" y="1600200"/>
-            <a:ext cx="8143932" cy="4972072"/>
+            <a:off x="428596" y="1457348"/>
+            <a:ext cx="8501122" cy="5257800"/>
           </a:xfrm>
         </p:spPr>
         <p:txBody>
           <a:bodyPr>
-            <a:normAutofit fontScale="62500" lnSpcReduction="20000"/>
+            <a:normAutofit/>
           </a:bodyPr>
           <a:lstStyle/>
           <a:p>
             <a:pPr algn="just"/>
             <a:r>
-              <a:rPr lang="en-US" dirty="0"/>
+              <a:rPr lang="en-US" sz="2000" dirty="0"/>
+              <a:t>The SA payload is used to begin the establishment of an security association</a:t>
+            </a:r>
+            <a:endParaRPr lang="it-IT" sz="2000" dirty="0"/>
+          </a:p>
+          <a:p>
+            <a:pPr lvl="1" algn="just"/>
+            <a:r>
+              <a:rPr lang="en-US" sz="1800" dirty="0"/>
+              <a:t>the </a:t>
+            </a:r>
+            <a:r>
+              <a:rPr lang="en-US" sz="1800" b="1" i="1" dirty="0"/>
+              <a:t>D</a:t>
+            </a:r>
+            <a:r>
+              <a:rPr lang="en-US" sz="1800" i="1" dirty="0"/>
+              <a:t>omain </a:t>
+            </a:r>
+            <a:r>
+              <a:rPr lang="en-US" sz="1800" b="1" i="1" dirty="0"/>
+              <a:t>o</a:t>
+            </a:r>
+            <a:r>
+              <a:rPr lang="en-US" sz="1800" i="1" dirty="0"/>
+              <a:t>f </a:t>
+            </a:r>
+            <a:r>
+              <a:rPr lang="en-US" sz="1800" b="1" i="1" dirty="0"/>
+              <a:t>I</a:t>
+            </a:r>
+            <a:r>
+              <a:rPr lang="en-US" sz="1800" i="1" dirty="0"/>
+              <a:t>nterpretation </a:t>
+            </a:r>
+            <a:r>
+              <a:rPr lang="en-US" sz="1800" dirty="0"/>
+              <a:t>parameter identifies the DOI under which negotiation is taking place </a:t>
+            </a:r>
+          </a:p>
+          <a:p>
+            <a:pPr lvl="1" algn="just"/>
+            <a:r>
+              <a:rPr lang="en-US" sz="1800" dirty="0"/>
+              <a:t>The </a:t>
+            </a:r>
+            <a:r>
+              <a:rPr lang="en-US" sz="1800" i="1" dirty="0"/>
+              <a:t>Situation</a:t>
+            </a:r>
+            <a:r>
+              <a:rPr lang="en-US" sz="1800" dirty="0"/>
+              <a:t> parameter defines the security policy for this negotiation (the levels of security required)</a:t>
+            </a:r>
+            <a:endParaRPr lang="it-IT" sz="1800" dirty="0"/>
+          </a:p>
+          <a:p>
+            <a:pPr algn="just"/>
+            <a:r>
+              <a:rPr lang="en-US" sz="2000" dirty="0"/>
               <a:t>The </a:t>
             </a:r>
             <a:r>
-              <a:rPr lang="en-US" b="1" dirty="0"/>
-              <a:t>Key Exchange </a:t>
-            </a:r>
-            <a:r>
-              <a:rPr lang="en-US" dirty="0"/>
-              <a:t>payload can be used for a variety of key exchange techniques</a:t>
-            </a:r>
-            <a:r>
-              <a:rPr lang="it-IT" dirty="0"/>
-              <a:t>(</a:t>
-            </a:r>
-            <a:r>
-              <a:rPr lang="it-IT" dirty="0" err="1"/>
-              <a:t>Oakley</a:t>
-            </a:r>
-            <a:r>
-              <a:rPr lang="it-IT" dirty="0"/>
-              <a:t>, </a:t>
-            </a:r>
-            <a:r>
-              <a:rPr lang="it-IT" dirty="0" err="1"/>
-              <a:t>Diffie-Hellman</a:t>
-            </a:r>
-            <a:r>
-              <a:rPr lang="it-IT" dirty="0"/>
-              <a:t>,..)</a:t>
-            </a:r>
+              <a:rPr lang="en-US" sz="2000" b="1" dirty="0"/>
+              <a:t>Proposal</a:t>
+            </a:r>
+            <a:r>
+              <a:rPr lang="en-US" sz="2000" dirty="0"/>
+              <a:t> payload contains information used during SA negotiation</a:t>
+            </a:r>
+            <a:endParaRPr lang="it-IT" sz="2000" dirty="0"/>
           </a:p>
           <a:p>
             <a:pPr lvl="1" algn="just"/>
             <a:r>
-              <a:rPr lang="en-US" dirty="0"/>
-              <a:t>The data field contains the data required to generate a session key and is dependent on the key exchange algorithm used</a:t>
-            </a:r>
-            <a:endParaRPr lang="it-IT" u="sng" dirty="0"/>
+              <a:rPr lang="en-US" sz="1800" dirty="0"/>
+              <a:t>indicates the protocol for this SA (ESP or AH), includes the sending entity's SPI and the number of transforms.</a:t>
+            </a:r>
+            <a:endParaRPr lang="it-IT" sz="1800" dirty="0"/>
           </a:p>
           <a:p>
             <a:pPr algn="just"/>
-            <a:endParaRPr lang="en-US" dirty="0"/>
-          </a:p>
-          <a:p>
-            <a:pPr algn="just"/>
-            <a:r>
-              <a:rPr lang="en-US" dirty="0"/>
+            <a:r>
+              <a:rPr lang="en-US" sz="2000" dirty="0"/>
               <a:t>The </a:t>
             </a:r>
             <a:r>
-              <a:rPr lang="en-US" b="1" dirty="0"/>
-              <a:t>Identification</a:t>
-            </a:r>
-            <a:r>
-              <a:rPr lang="en-US" dirty="0"/>
-              <a:t> payload is used to determine the identity of communicating peers and may be used for determining authenticity of information. </a:t>
-            </a:r>
+              <a:rPr lang="en-US" sz="2000" b="1" dirty="0"/>
+              <a:t>Transform</a:t>
+            </a:r>
+            <a:r>
+              <a:rPr lang="en-US" sz="2000" dirty="0"/>
+              <a:t> payload defines a security transform to be used to secure the communications channel for the designated protocol</a:t>
+            </a:r>
+            <a:endParaRPr lang="it-IT" sz="2000" dirty="0"/>
           </a:p>
           <a:p>
             <a:pPr lvl="1" algn="just"/>
             <a:r>
-              <a:rPr lang="en-US" dirty="0"/>
-              <a:t>Typically the ID Data field will contain an IPv4 or IPv6 address.</a:t>
-            </a:r>
-            <a:endParaRPr lang="it-IT" dirty="0"/>
-          </a:p>
-          <a:p>
-            <a:pPr algn="just"/>
-            <a:endParaRPr lang="it-IT" dirty="0"/>
-          </a:p>
-          <a:p>
-            <a:pPr algn="just"/>
-            <a:r>
-              <a:rPr lang="en-US" dirty="0"/>
-              <a:t>The </a:t>
-            </a:r>
-            <a:r>
-              <a:rPr lang="en-US" b="1" dirty="0"/>
-              <a:t>Certificate</a:t>
-            </a:r>
-            <a:r>
-              <a:rPr lang="en-US" dirty="0"/>
-              <a:t> payload transfers a public-key certificate</a:t>
-            </a:r>
-            <a:endParaRPr lang="it-IT" dirty="0"/>
+              <a:rPr lang="en-US" sz="1800" dirty="0"/>
+              <a:t> The </a:t>
+            </a:r>
+            <a:r>
+              <a:rPr lang="en-US" sz="1800" i="1" dirty="0"/>
+              <a:t>Transform # </a:t>
+            </a:r>
+            <a:r>
+              <a:rPr lang="en-US" sz="1800" dirty="0"/>
+              <a:t>parameter serves to identify this particular payload so that the responder may use it to indicate acceptance of this transform</a:t>
+            </a:r>
+            <a:endParaRPr lang="it-IT" sz="1800" dirty="0"/>
           </a:p>
           <a:p>
             <a:pPr lvl="1" algn="just"/>
             <a:r>
-              <a:rPr lang="en-US" dirty="0"/>
+              <a:rPr lang="en-US" sz="1800" dirty="0"/>
               <a:t>The </a:t>
             </a:r>
             <a:r>
-              <a:rPr lang="en-US" i="1" dirty="0"/>
-              <a:t>Certificate Encoding </a:t>
-            </a:r>
-            <a:r>
-              <a:rPr lang="en-US" dirty="0"/>
-              <a:t>field indicates the type of certificate</a:t>
-            </a:r>
-            <a:endParaRPr lang="it-IT" dirty="0"/>
-          </a:p>
-          <a:p>
-            <a:pPr algn="just"/>
-            <a:endParaRPr lang="it-IT" dirty="0"/>
-          </a:p>
-          <a:p>
-            <a:pPr algn="just"/>
-            <a:r>
-              <a:rPr lang="it-IT" dirty="0"/>
-              <a:t>The </a:t>
-            </a:r>
-            <a:r>
-              <a:rPr lang="it-IT" b="1" dirty="0"/>
-              <a:t>Certificate </a:t>
-            </a:r>
-            <a:r>
-              <a:rPr lang="it-IT" b="1" dirty="0" err="1"/>
-              <a:t>Request</a:t>
-            </a:r>
-            <a:r>
-              <a:rPr lang="it-IT" b="1" dirty="0"/>
-              <a:t> </a:t>
-            </a:r>
-            <a:r>
-              <a:rPr lang="en-US" dirty="0"/>
-              <a:t>payload is used to request the certificate of the other communicating entity</a:t>
-            </a:r>
-            <a:endParaRPr lang="it-IT" dirty="0"/>
+              <a:rPr lang="en-US" sz="1800" i="1" dirty="0"/>
+              <a:t>Transform-ID </a:t>
+            </a:r>
+            <a:r>
+              <a:rPr lang="en-US" sz="1800" dirty="0"/>
+              <a:t>and </a:t>
+            </a:r>
+            <a:r>
+              <a:rPr lang="en-US" sz="1800" i="1" dirty="0"/>
+              <a:t>Attributes</a:t>
+            </a:r>
+            <a:r>
+              <a:rPr lang="en-US" sz="1800" dirty="0"/>
+              <a:t> fields identify a specific transform (e.g., 3DES for ESP, HMAC-SHA-1-96 for AH) with its associated attributes </a:t>
+            </a:r>
+            <a:endParaRPr lang="it-IT" sz="1800" i="1" dirty="0"/>
           </a:p>
           <a:p>
             <a:pPr lvl="1" algn="just"/>
-            <a:r>
-              <a:rPr lang="en-US" dirty="0"/>
-              <a:t>The payload may list more than one certificate type that is acceptable and more than one certificate authority that is acceptable</a:t>
-            </a:r>
-            <a:endParaRPr lang="it-IT" dirty="0"/>
-          </a:p>
-          <a:p>
-            <a:endParaRPr lang="it-IT" dirty="0"/>
+            <a:endParaRPr lang="it-IT" sz="2000" dirty="0"/>
           </a:p>
         </p:txBody>
       </p:sp>
@@ -17719,7 +17623,7 @@
             </a:r>
             <a:r>
               <a:rPr lang="it-IT" b="1" dirty="0"/>
-              <a:t> (3)</a:t>
+              <a:t> (2)</a:t>
             </a:r>
           </a:p>
         </p:txBody>
@@ -17736,8 +17640,8 @@
         </p:nvSpPr>
         <p:spPr>
           <a:xfrm>
-            <a:off x="457200" y="1357298"/>
-            <a:ext cx="8229600" cy="5357850"/>
+            <a:off x="500034" y="1600200"/>
+            <a:ext cx="8143932" cy="4972072"/>
           </a:xfrm>
         </p:spPr>
         <p:txBody>
@@ -17753,23 +17657,44 @@
             </a:r>
             <a:r>
               <a:rPr lang="en-US" b="1" dirty="0"/>
-              <a:t>Hash</a:t>
+              <a:t>Key Exchange </a:t>
             </a:r>
             <a:r>
               <a:rPr lang="en-US" dirty="0"/>
-              <a:t> payload contains data generated by a hash function over some part of the message and/or ISAKMP state.</a:t>
+              <a:t>payload can be used for a variety of key exchange techniques</a:t>
+            </a:r>
+            <a:r>
+              <a:rPr lang="it-IT" dirty="0"/>
+              <a:t>(</a:t>
+            </a:r>
+            <a:r>
+              <a:rPr lang="it-IT" dirty="0" err="1"/>
+              <a:t>Oakley</a:t>
+            </a:r>
+            <a:r>
+              <a:rPr lang="it-IT" dirty="0"/>
+              <a:t>, </a:t>
+            </a:r>
+            <a:r>
+              <a:rPr lang="it-IT" dirty="0" err="1"/>
+              <a:t>Diffie-Hellman</a:t>
+            </a:r>
+            <a:r>
+              <a:rPr lang="it-IT" dirty="0"/>
+              <a:t>,..)</a:t>
             </a:r>
           </a:p>
           <a:p>
             <a:pPr lvl="1" algn="just"/>
             <a:r>
               <a:rPr lang="en-US" dirty="0"/>
-              <a:t>This payload may be used to verify the integrity of the data in a message or to authenticate negotiating entities</a:t>
-            </a:r>
-          </a:p>
-          <a:p>
-            <a:pPr lvl="1" algn="just"/>
-            <a:endParaRPr lang="it-IT" dirty="0"/>
+              <a:t>The data field contains the data required to generate a session key and is dependent on the key exchange algorithm used</a:t>
+            </a:r>
+            <a:endParaRPr lang="it-IT" u="sng" dirty="0"/>
+          </a:p>
+          <a:p>
+            <a:pPr algn="just"/>
+            <a:endParaRPr lang="en-US" dirty="0"/>
           </a:p>
           <a:p>
             <a:pPr algn="just"/>
@@ -17779,30 +17704,23 @@
             </a:r>
             <a:r>
               <a:rPr lang="en-US" b="1" dirty="0"/>
-              <a:t>Signature </a:t>
+              <a:t>Identification</a:t>
             </a:r>
             <a:r>
               <a:rPr lang="en-US" dirty="0"/>
-              <a:t>payload contains data generated by a digital signature function over some part of the message and/or ISAKMP state. </a:t>
+              <a:t> payload is used to determine the identity of communicating peers and may be used for determining authenticity of information. </a:t>
             </a:r>
           </a:p>
           <a:p>
             <a:pPr lvl="1" algn="just"/>
             <a:r>
               <a:rPr lang="en-US" dirty="0"/>
-              <a:t>This payload is used to verify the integrity of the data in a message and may be used for </a:t>
-            </a:r>
-            <a:r>
-              <a:rPr lang="en-US" dirty="0" err="1"/>
-              <a:t>nonrepudiation</a:t>
-            </a:r>
-            <a:r>
-              <a:rPr lang="en-US" dirty="0"/>
-              <a:t> services</a:t>
-            </a:r>
-          </a:p>
-          <a:p>
-            <a:pPr lvl="1" algn="just"/>
+              <a:t>Typically the ID Data field will contain an IPv4 or IPv6 address.</a:t>
+            </a:r>
+            <a:endParaRPr lang="it-IT" dirty="0"/>
+          </a:p>
+          <a:p>
+            <a:pPr algn="just"/>
             <a:endParaRPr lang="it-IT" dirty="0"/>
           </a:p>
           <a:p>
@@ -17813,46 +17731,29 @@
             </a:r>
             <a:r>
               <a:rPr lang="en-US" b="1" dirty="0"/>
-              <a:t>Nonce</a:t>
+              <a:t>Certificate</a:t>
             </a:r>
             <a:r>
               <a:rPr lang="en-US" dirty="0"/>
-              <a:t> payload contains random data</a:t>
-            </a:r>
+              <a:t> payload transfers a public-key certificate</a:t>
+            </a:r>
+            <a:endParaRPr lang="it-IT" dirty="0"/>
           </a:p>
           <a:p>
             <a:pPr lvl="1" algn="just"/>
             <a:r>
               <a:rPr lang="en-US" dirty="0"/>
-              <a:t>used to guarantee </a:t>
-            </a:r>
-            <a:r>
-              <a:rPr lang="en-US" dirty="0" err="1"/>
-              <a:t>liveness</a:t>
+              <a:t>The </a:t>
+            </a:r>
+            <a:r>
+              <a:rPr lang="en-US" i="1" dirty="0"/>
+              <a:t>Certificate Encoding </a:t>
             </a:r>
             <a:r>
               <a:rPr lang="en-US" dirty="0"/>
-              <a:t> during an exchange and protect against replay attack</a:t>
-            </a:r>
-          </a:p>
-          <a:p>
-            <a:pPr lvl="1" algn="just"/>
+              <a:t>field indicates the type of certificate</a:t>
+            </a:r>
             <a:endParaRPr lang="it-IT" dirty="0"/>
-          </a:p>
-          <a:p>
-            <a:pPr algn="just"/>
-            <a:r>
-              <a:rPr lang="en-US" dirty="0"/>
-              <a:t>The </a:t>
-            </a:r>
-            <a:r>
-              <a:rPr lang="en-US" b="1" dirty="0"/>
-              <a:t>Notification</a:t>
-            </a:r>
-            <a:r>
-              <a:rPr lang="en-US" dirty="0"/>
-              <a:t> payload contains either error or status information associated with this SA or this SA negotiation</a:t>
-            </a:r>
           </a:p>
           <a:p>
             <a:pPr algn="just"/>
@@ -17861,17 +17762,36 @@
           <a:p>
             <a:pPr algn="just"/>
             <a:r>
+              <a:rPr lang="it-IT" dirty="0"/>
+              <a:t>The </a:t>
+            </a:r>
+            <a:r>
+              <a:rPr lang="it-IT" b="1" dirty="0"/>
+              <a:t>Certificate </a:t>
+            </a:r>
+            <a:r>
+              <a:rPr lang="it-IT" b="1" dirty="0" err="1"/>
+              <a:t>Request</a:t>
+            </a:r>
+            <a:r>
+              <a:rPr lang="it-IT" b="1" dirty="0"/>
+              <a:t> </a:t>
+            </a:r>
+            <a:r>
               <a:rPr lang="en-US" dirty="0"/>
-              <a:t>The </a:t>
-            </a:r>
-            <a:r>
-              <a:rPr lang="en-US" b="1" dirty="0"/>
-              <a:t>Delete</a:t>
-            </a:r>
+              <a:t>payload is used to request the certificate of the other communicating entity</a:t>
+            </a:r>
+            <a:endParaRPr lang="it-IT" dirty="0"/>
+          </a:p>
+          <a:p>
+            <a:pPr lvl="1" algn="just"/>
             <a:r>
               <a:rPr lang="en-US" dirty="0"/>
-              <a:t> payload indicates one or more SAs that the sender has deleted from its database and that therefore are no longer valid</a:t>
-            </a:r>
+              <a:t>The payload may list more than one certificate type that is acceptable and more than one certificate authority that is acceptable</a:t>
+            </a:r>
+            <a:endParaRPr lang="it-IT" dirty="0"/>
+          </a:p>
+          <a:p>
             <a:endParaRPr lang="it-IT" dirty="0"/>
           </a:p>
         </p:txBody>
@@ -17917,12 +17837,8 @@
           <a:lstStyle/>
           <a:p>
             <a:r>
-              <a:rPr lang="it-IT" b="1" dirty="0"/>
-              <a:t>ISAKMP: </a:t>
-            </a:r>
-            <a:r>
               <a:rPr lang="it-IT" b="1" dirty="0" err="1"/>
-              <a:t>message</a:t>
+              <a:t>Payload</a:t>
             </a:r>
             <a:r>
               <a:rPr lang="it-IT" b="1" dirty="0"/>
@@ -17930,9 +17846,12 @@
             </a:r>
             <a:r>
               <a:rPr lang="it-IT" b="1" dirty="0" err="1"/>
-              <a:t>exchange</a:t>
-            </a:r>
-            <a:endParaRPr lang="it-IT" b="1" dirty="0"/>
+              <a:t>Types</a:t>
+            </a:r>
+            <a:r>
+              <a:rPr lang="it-IT" b="1" dirty="0"/>
+              <a:t> (3)</a:t>
+            </a:r>
           </a:p>
         </p:txBody>
       </p:sp>
@@ -17948,118 +17867,143 @@
         </p:nvSpPr>
         <p:spPr>
           <a:xfrm>
-            <a:off x="467544" y="1412776"/>
-            <a:ext cx="8229600" cy="5043510"/>
+            <a:off x="457200" y="1357298"/>
+            <a:ext cx="8229600" cy="5357850"/>
           </a:xfrm>
         </p:spPr>
         <p:txBody>
           <a:bodyPr>
-            <a:normAutofit fontScale="77500" lnSpcReduction="20000"/>
+            <a:normAutofit fontScale="62500" lnSpcReduction="20000"/>
           </a:bodyPr>
           <a:lstStyle/>
           <a:p>
             <a:pPr algn="just"/>
             <a:r>
-              <a:rPr lang="it-IT" b="1" dirty="0"/>
-              <a:t>Base</a:t>
+              <a:rPr lang="en-US" dirty="0"/>
+              <a:t>The </a:t>
+            </a:r>
+            <a:r>
+              <a:rPr lang="en-US" b="1" dirty="0"/>
+              <a:t>Hash</a:t>
+            </a:r>
+            <a:r>
+              <a:rPr lang="en-US" dirty="0"/>
+              <a:t> payload contains data generated by a hash function over some part of the message and/or ISAKMP state.</a:t>
             </a:r>
           </a:p>
           <a:p>
             <a:pPr lvl="1" algn="just"/>
             <a:r>
               <a:rPr lang="en-US" dirty="0"/>
-              <a:t>allows key exchange and authentication material to be transmitted together.</a:t>
+              <a:t>This payload may be used to verify the integrity of the data in a message or to authenticate negotiating entities</a:t>
             </a:r>
           </a:p>
           <a:p>
             <a:pPr lvl="1" algn="just"/>
+            <a:endParaRPr lang="it-IT" dirty="0"/>
+          </a:p>
+          <a:p>
+            <a:pPr algn="just"/>
             <a:r>
               <a:rPr lang="en-US" dirty="0"/>
-              <a:t>Minimizes the number of exchanges at the expense of not providing identity protection</a:t>
-            </a:r>
+              <a:t>The </a:t>
+            </a:r>
+            <a:r>
+              <a:rPr lang="en-US" b="1" dirty="0"/>
+              <a:t>Signature </a:t>
+            </a:r>
+            <a:r>
+              <a:rPr lang="en-US" dirty="0"/>
+              <a:t>payload contains data generated by a digital signature function over some part of the message and/or ISAKMP state. </a:t>
+            </a:r>
+          </a:p>
+          <a:p>
+            <a:pPr lvl="1" algn="just"/>
+            <a:r>
+              <a:rPr lang="en-US" dirty="0"/>
+              <a:t>This payload is used to verify the integrity of the data in a message and may be used for </a:t>
+            </a:r>
+            <a:r>
+              <a:rPr lang="en-US" dirty="0" err="1"/>
+              <a:t>nonrepudiation</a:t>
+            </a:r>
+            <a:r>
+              <a:rPr lang="en-US" dirty="0"/>
+              <a:t> services</a:t>
+            </a:r>
+          </a:p>
+          <a:p>
+            <a:pPr lvl="1" algn="just"/>
             <a:endParaRPr lang="it-IT" dirty="0"/>
           </a:p>
           <a:p>
             <a:pPr algn="just"/>
             <a:r>
-              <a:rPr lang="it-IT" b="1" dirty="0" err="1"/>
-              <a:t>Identity</a:t>
-            </a:r>
-            <a:r>
-              <a:rPr lang="it-IT" b="1" dirty="0"/>
-              <a:t> </a:t>
-            </a:r>
-            <a:r>
-              <a:rPr lang="it-IT" b="1" dirty="0" err="1"/>
-              <a:t>Protection</a:t>
-            </a:r>
-            <a:endParaRPr lang="it-IT" b="1" dirty="0"/>
+              <a:rPr lang="en-US" dirty="0"/>
+              <a:t>The </a:t>
+            </a:r>
+            <a:r>
+              <a:rPr lang="en-US" b="1" dirty="0"/>
+              <a:t>Nonce</a:t>
+            </a:r>
+            <a:r>
+              <a:rPr lang="en-US" dirty="0"/>
+              <a:t> payload contains random data</a:t>
+            </a:r>
           </a:p>
           <a:p>
             <a:pPr lvl="1" algn="just"/>
             <a:r>
               <a:rPr lang="en-US" dirty="0"/>
-              <a:t> Expands the Base Exchange to protect the users' identities</a:t>
-            </a:r>
+              <a:t>used to guarantee </a:t>
+            </a:r>
+            <a:r>
+              <a:rPr lang="en-US" dirty="0" err="1"/>
+              <a:t>liveness</a:t>
+            </a:r>
+            <a:r>
+              <a:rPr lang="en-US" dirty="0"/>
+              <a:t> during an exchange and protect against replay attack</a:t>
+            </a:r>
+          </a:p>
+          <a:p>
+            <a:pPr lvl="1" algn="just"/>
             <a:endParaRPr lang="it-IT" dirty="0"/>
           </a:p>
           <a:p>
             <a:pPr algn="just"/>
             <a:r>
-              <a:rPr lang="it-IT" b="1" dirty="0" err="1"/>
-              <a:t>Authentication</a:t>
-            </a:r>
-            <a:r>
-              <a:rPr lang="it-IT" b="1" dirty="0"/>
-              <a:t> </a:t>
-            </a:r>
-            <a:r>
-              <a:rPr lang="it-IT" b="1" dirty="0" err="1"/>
-              <a:t>Only</a:t>
-            </a:r>
-            <a:endParaRPr lang="it-IT" b="1" dirty="0"/>
-          </a:p>
-          <a:p>
-            <a:pPr lvl="1" algn="just"/>
-            <a:r>
               <a:rPr lang="en-US" dirty="0"/>
-              <a:t>Used to perform mutual authentication, without a key exchange</a:t>
-            </a:r>
+              <a:t>The </a:t>
+            </a:r>
+            <a:r>
+              <a:rPr lang="en-US" b="1" dirty="0"/>
+              <a:t>Notification</a:t>
+            </a:r>
+            <a:r>
+              <a:rPr lang="en-US" dirty="0"/>
+              <a:t> payload contains either error or status information associated with this SA or this SA negotiation</a:t>
+            </a:r>
+          </a:p>
+          <a:p>
+            <a:pPr algn="just"/>
             <a:endParaRPr lang="it-IT" dirty="0"/>
           </a:p>
           <a:p>
             <a:pPr algn="just"/>
             <a:r>
-              <a:rPr lang="it-IT" b="1" dirty="0"/>
-              <a:t>Aggressive</a:t>
-            </a:r>
-          </a:p>
-          <a:p>
-            <a:pPr lvl="1" algn="just"/>
-            <a:r>
               <a:rPr lang="en-US" dirty="0"/>
-              <a:t>Minimizes the number of exchanges at the expense of not providing identity protection</a:t>
+              <a:t>The </a:t>
+            </a:r>
+            <a:r>
+              <a:rPr lang="en-US" b="1" dirty="0"/>
+              <a:t>Delete</a:t>
+            </a:r>
+            <a:r>
+              <a:rPr lang="en-US" dirty="0"/>
+              <a:t> payload indicates one or more SAs that the sender has deleted from its database and that therefore are no longer valid</a:t>
             </a:r>
             <a:endParaRPr lang="it-IT" dirty="0"/>
-          </a:p>
-          <a:p>
-            <a:pPr algn="just"/>
-            <a:r>
-              <a:rPr lang="it-IT" b="1" dirty="0" err="1"/>
-              <a:t>Informational</a:t>
-            </a:r>
-            <a:endParaRPr lang="it-IT" b="1" dirty="0"/>
-          </a:p>
-          <a:p>
-            <a:pPr lvl="1" algn="just"/>
-            <a:r>
-              <a:rPr lang="en-US" dirty="0"/>
-              <a:t>Used for one-way transmittal of information for SA management</a:t>
-            </a:r>
-            <a:r>
-              <a:rPr lang="it-IT" dirty="0"/>
-              <a:t> </a:t>
-            </a:r>
           </a:p>
         </p:txBody>
       </p:sp>
@@ -18072,6 +18016,384 @@
 </file>
 
 <file path=ppt/slides/slide49.xml><?xml version="1.0" encoding="utf-8"?>
+<p:sld xmlns:a="http://schemas.openxmlformats.org/drawingml/2006/main" xmlns:r="http://schemas.openxmlformats.org/officeDocument/2006/relationships" xmlns:p="http://schemas.openxmlformats.org/presentationml/2006/main">
+  <p:cSld>
+    <p:spTree>
+      <p:nvGrpSpPr>
+        <p:cNvPr id="1" name=""/>
+        <p:cNvGrpSpPr/>
+        <p:nvPr/>
+      </p:nvGrpSpPr>
+      <p:grpSpPr>
+        <a:xfrm>
+          <a:off x="0" y="0"/>
+          <a:ext cx="0" cy="0"/>
+          <a:chOff x="0" y="0"/>
+          <a:chExt cx="0" cy="0"/>
+        </a:xfrm>
+      </p:grpSpPr>
+      <p:sp>
+        <p:nvSpPr>
+          <p:cNvPr id="2" name="Titolo 1"/>
+          <p:cNvSpPr>
+            <a:spLocks noGrp="1"/>
+          </p:cNvSpPr>
+          <p:nvPr>
+            <p:ph type="title"/>
+          </p:nvPr>
+        </p:nvSpPr>
+        <p:spPr/>
+        <p:txBody>
+          <a:bodyPr/>
+          <a:lstStyle/>
+          <a:p>
+            <a:r>
+              <a:rPr lang="it-IT" b="1" dirty="0"/>
+              <a:t>ISAKMP: </a:t>
+            </a:r>
+            <a:r>
+              <a:rPr lang="it-IT" b="1" dirty="0" err="1"/>
+              <a:t>message</a:t>
+            </a:r>
+            <a:r>
+              <a:rPr lang="it-IT" b="1" dirty="0"/>
+              <a:t> </a:t>
+            </a:r>
+            <a:r>
+              <a:rPr lang="it-IT" b="1" dirty="0" err="1"/>
+              <a:t>exchange</a:t>
+            </a:r>
+            <a:endParaRPr lang="it-IT" b="1" dirty="0"/>
+          </a:p>
+        </p:txBody>
+      </p:sp>
+      <p:sp>
+        <p:nvSpPr>
+          <p:cNvPr id="3" name="Segnaposto contenuto 2"/>
+          <p:cNvSpPr>
+            <a:spLocks noGrp="1"/>
+          </p:cNvSpPr>
+          <p:nvPr>
+            <p:ph idx="1"/>
+          </p:nvPr>
+        </p:nvSpPr>
+        <p:spPr>
+          <a:xfrm>
+            <a:off x="467544" y="1412776"/>
+            <a:ext cx="8229600" cy="5043510"/>
+          </a:xfrm>
+        </p:spPr>
+        <p:txBody>
+          <a:bodyPr>
+            <a:normAutofit fontScale="77500" lnSpcReduction="20000"/>
+          </a:bodyPr>
+          <a:lstStyle/>
+          <a:p>
+            <a:pPr algn="just"/>
+            <a:r>
+              <a:rPr lang="it-IT" b="1" dirty="0"/>
+              <a:t>Base</a:t>
+            </a:r>
+          </a:p>
+          <a:p>
+            <a:pPr lvl="1" algn="just"/>
+            <a:r>
+              <a:rPr lang="en-US" dirty="0"/>
+              <a:t>allows key exchange and authentication material to be transmitted together.</a:t>
+            </a:r>
+          </a:p>
+          <a:p>
+            <a:pPr lvl="1" algn="just"/>
+            <a:r>
+              <a:rPr lang="en-US" dirty="0"/>
+              <a:t>Minimizes the number of exchanges at the expense of not providing identity protection</a:t>
+            </a:r>
+            <a:endParaRPr lang="it-IT" dirty="0"/>
+          </a:p>
+          <a:p>
+            <a:pPr algn="just"/>
+            <a:r>
+              <a:rPr lang="it-IT" b="1" dirty="0" err="1"/>
+              <a:t>Identity</a:t>
+            </a:r>
+            <a:r>
+              <a:rPr lang="it-IT" b="1" dirty="0"/>
+              <a:t> </a:t>
+            </a:r>
+            <a:r>
+              <a:rPr lang="it-IT" b="1" dirty="0" err="1"/>
+              <a:t>Protection</a:t>
+            </a:r>
+            <a:endParaRPr lang="it-IT" b="1" dirty="0"/>
+          </a:p>
+          <a:p>
+            <a:pPr lvl="1" algn="just"/>
+            <a:r>
+              <a:rPr lang="en-US" dirty="0"/>
+              <a:t> Expands the Base Exchange to protect the users' identities</a:t>
+            </a:r>
+            <a:endParaRPr lang="it-IT" dirty="0"/>
+          </a:p>
+          <a:p>
+            <a:pPr algn="just"/>
+            <a:r>
+              <a:rPr lang="it-IT" b="1" dirty="0" err="1"/>
+              <a:t>Authentication</a:t>
+            </a:r>
+            <a:r>
+              <a:rPr lang="it-IT" b="1" dirty="0"/>
+              <a:t> </a:t>
+            </a:r>
+            <a:r>
+              <a:rPr lang="it-IT" b="1" dirty="0" err="1"/>
+              <a:t>Only</a:t>
+            </a:r>
+            <a:endParaRPr lang="it-IT" b="1" dirty="0"/>
+          </a:p>
+          <a:p>
+            <a:pPr lvl="1" algn="just"/>
+            <a:r>
+              <a:rPr lang="en-US" dirty="0"/>
+              <a:t>Used to perform mutual authentication, without a key exchange</a:t>
+            </a:r>
+            <a:endParaRPr lang="it-IT" dirty="0"/>
+          </a:p>
+          <a:p>
+            <a:pPr algn="just"/>
+            <a:r>
+              <a:rPr lang="it-IT" b="1" dirty="0"/>
+              <a:t>Aggressive</a:t>
+            </a:r>
+          </a:p>
+          <a:p>
+            <a:pPr lvl="1" algn="just"/>
+            <a:r>
+              <a:rPr lang="en-US" dirty="0"/>
+              <a:t>Minimizes the number of exchanges at the expense of not providing identity protection</a:t>
+            </a:r>
+            <a:endParaRPr lang="it-IT" dirty="0"/>
+          </a:p>
+          <a:p>
+            <a:pPr algn="just"/>
+            <a:r>
+              <a:rPr lang="it-IT" b="1" dirty="0" err="1"/>
+              <a:t>Informational</a:t>
+            </a:r>
+            <a:endParaRPr lang="it-IT" b="1" dirty="0"/>
+          </a:p>
+          <a:p>
+            <a:pPr lvl="1" algn="just"/>
+            <a:r>
+              <a:rPr lang="en-US" dirty="0"/>
+              <a:t>Used for one-way transmittal of information for SA management</a:t>
+            </a:r>
+            <a:r>
+              <a:rPr lang="it-IT" dirty="0"/>
+              <a:t> </a:t>
+            </a:r>
+          </a:p>
+        </p:txBody>
+      </p:sp>
+    </p:spTree>
+  </p:cSld>
+  <p:clrMapOvr>
+    <a:masterClrMapping/>
+  </p:clrMapOvr>
+</p:sld>
+</file>
+
+<file path=ppt/slides/slide5.xml><?xml version="1.0" encoding="utf-8"?>
+<p:sld xmlns:a="http://schemas.openxmlformats.org/drawingml/2006/main" xmlns:r="http://schemas.openxmlformats.org/officeDocument/2006/relationships" xmlns:p="http://schemas.openxmlformats.org/presentationml/2006/main">
+  <p:cSld>
+    <p:spTree>
+      <p:nvGrpSpPr>
+        <p:cNvPr id="1" name=""/>
+        <p:cNvGrpSpPr/>
+        <p:nvPr/>
+      </p:nvGrpSpPr>
+      <p:grpSpPr>
+        <a:xfrm>
+          <a:off x="0" y="0"/>
+          <a:ext cx="0" cy="0"/>
+          <a:chOff x="0" y="0"/>
+          <a:chExt cx="0" cy="0"/>
+        </a:xfrm>
+      </p:grpSpPr>
+      <p:sp>
+        <p:nvSpPr>
+          <p:cNvPr id="2" name="Titolo 1"/>
+          <p:cNvSpPr>
+            <a:spLocks noGrp="1"/>
+          </p:cNvSpPr>
+          <p:nvPr>
+            <p:ph type="title"/>
+          </p:nvPr>
+        </p:nvSpPr>
+        <p:spPr/>
+        <p:txBody>
+          <a:bodyPr/>
+          <a:lstStyle/>
+          <a:p>
+            <a:r>
+              <a:rPr lang="it-IT" dirty="0"/>
+              <a:t>Set up </a:t>
+            </a:r>
+            <a:r>
+              <a:rPr lang="it-IT" dirty="0" err="1"/>
+              <a:t>IPsec</a:t>
+            </a:r>
+            <a:r>
+              <a:rPr lang="it-IT" dirty="0"/>
+              <a:t> (3)</a:t>
+            </a:r>
+          </a:p>
+        </p:txBody>
+      </p:sp>
+      <p:sp>
+        <p:nvSpPr>
+          <p:cNvPr id="3" name="Segnaposto contenuto 2"/>
+          <p:cNvSpPr>
+            <a:spLocks noGrp="1"/>
+          </p:cNvSpPr>
+          <p:nvPr>
+            <p:ph idx="1"/>
+          </p:nvPr>
+        </p:nvSpPr>
+        <p:spPr/>
+        <p:txBody>
+          <a:bodyPr>
+            <a:normAutofit fontScale="92500" lnSpcReduction="10000"/>
+          </a:bodyPr>
+          <a:lstStyle/>
+          <a:p>
+            <a:pPr algn="just"/>
+            <a:r>
+              <a:rPr lang="en-US" dirty="0"/>
+              <a:t>MD5 </a:t>
+            </a:r>
+            <a:r>
+              <a:rPr lang="en-US" i="1" dirty="0" err="1"/>
+              <a:t>vs</a:t>
+            </a:r>
+            <a:r>
+              <a:rPr lang="en-US" i="1" dirty="0"/>
+              <a:t> </a:t>
+            </a:r>
+            <a:r>
+              <a:rPr lang="en-US" dirty="0"/>
+              <a:t>SHA-1 </a:t>
+            </a:r>
+            <a:r>
+              <a:rPr lang="en-US" i="1" dirty="0" err="1"/>
+              <a:t>vs</a:t>
+            </a:r>
+            <a:r>
+              <a:rPr lang="en-US" i="1" dirty="0"/>
+              <a:t> </a:t>
+            </a:r>
+            <a:r>
+              <a:rPr lang="en-US" dirty="0"/>
+              <a:t>DES </a:t>
+            </a:r>
+            <a:r>
+              <a:rPr lang="en-US" i="1" dirty="0" err="1"/>
+              <a:t>vs</a:t>
+            </a:r>
+            <a:r>
+              <a:rPr lang="en-US" i="1" dirty="0"/>
+              <a:t> </a:t>
+            </a:r>
+            <a:r>
+              <a:rPr lang="en-US" dirty="0"/>
+              <a:t>3DES </a:t>
+            </a:r>
+            <a:r>
+              <a:rPr lang="en-US" i="1" dirty="0" err="1"/>
+              <a:t>vs</a:t>
+            </a:r>
+            <a:r>
+              <a:rPr lang="en-US" i="1" dirty="0"/>
+              <a:t> </a:t>
+            </a:r>
+            <a:r>
+              <a:rPr lang="en-US" dirty="0">
+                <a:hlinkClick r:id="rId3"/>
+              </a:rPr>
+              <a:t>AES</a:t>
+            </a:r>
+            <a:r>
+              <a:rPr lang="en-US" dirty="0"/>
+              <a:t> </a:t>
+            </a:r>
+            <a:r>
+              <a:rPr lang="en-US" i="1" dirty="0" err="1"/>
+              <a:t>vs</a:t>
+            </a:r>
+            <a:r>
+              <a:rPr lang="en-US" i="1" dirty="0"/>
+              <a:t> </a:t>
+            </a:r>
+            <a:r>
+              <a:rPr lang="en-US" dirty="0"/>
+              <a:t>blah blah </a:t>
+            </a:r>
+            <a:r>
+              <a:rPr lang="en-US" dirty="0" err="1"/>
+              <a:t>blah</a:t>
+            </a:r>
+            <a:r>
+              <a:rPr lang="en-US" dirty="0"/>
+              <a:t> </a:t>
+            </a:r>
+          </a:p>
+          <a:p>
+            <a:pPr lvl="1" algn="just"/>
+            <a:r>
+              <a:rPr lang="en-US" dirty="0"/>
+              <a:t>Encryption methods:</a:t>
+            </a:r>
+          </a:p>
+          <a:p>
+            <a:pPr lvl="2" algn="just"/>
+            <a:r>
+              <a:rPr lang="en-US" i="1" dirty="0"/>
+              <a:t>In Authentication mode,</a:t>
+            </a:r>
+            <a:r>
+              <a:rPr lang="en-US" dirty="0"/>
+              <a:t> ciphers are used to calculate an Integrity Check Value (ICV) over the packet's contents. ICV it's usually built on top of a cryptographic hash such as MD5 or </a:t>
+            </a:r>
+            <a:br>
+              <a:rPr lang="en-US" dirty="0"/>
+            </a:br>
+            <a:r>
+              <a:rPr lang="en-US" dirty="0"/>
+              <a:t>SHA-1.  It incorporates a secret key known to both ends, and this allows the recipient to compute and check the ICV in the same way. </a:t>
+            </a:r>
+          </a:p>
+          <a:p>
+            <a:pPr lvl="2" algn="just"/>
+            <a:r>
+              <a:rPr lang="en-US" i="1" dirty="0"/>
+              <a:t>In Encryption mode,</a:t>
+            </a:r>
+            <a:r>
+              <a:rPr lang="en-US" dirty="0"/>
+              <a:t> ciphers are used with a secret key to encrypt the data before transmission (algorithms such as DES, 3DES, Blowfish, AES).</a:t>
+            </a:r>
+            <a:endParaRPr lang="it-IT" dirty="0"/>
+          </a:p>
+        </p:txBody>
+      </p:sp>
+    </p:spTree>
+  </p:cSld>
+  <p:clrMapOvr>
+    <a:masterClrMapping/>
+  </p:clrMapOvr>
+</p:sld>
+</file>
+
+<file path=ppt/slides/slide50.xml><?xml version="1.0" encoding="utf-8"?>
 <p:sld xmlns:a="http://schemas.openxmlformats.org/drawingml/2006/main" xmlns:r="http://schemas.openxmlformats.org/officeDocument/2006/relationships" xmlns:p="http://schemas.openxmlformats.org/presentationml/2006/main">
   <p:cSld>
     <p:spTree>
@@ -18503,679 +18825,6 @@
                       <a:pPr fontAlgn="t"/>
                       <a:r>
                         <a:rPr lang="en-US" dirty="0"/>
-                        <a:t>Responder identity verified by initiator; Key generated; SA established</a:t>
-                      </a:r>
-                    </a:p>
-                  </a:txBody>
-                  <a:tcPr marL="47625" marR="47625" marT="47625" marB="47625">
-                    <a:lnL>
-                      <a:noFill/>
-                    </a:lnL>
-                    <a:lnR>
-                      <a:noFill/>
-                    </a:lnR>
-                    <a:lnT>
-                      <a:noFill/>
-                    </a:lnT>
-                    <a:lnB>
-                      <a:noFill/>
-                    </a:lnB>
-                    <a:solidFill>
-                      <a:srgbClr val="FFFFFF"/>
-                    </a:solidFill>
-                  </a:tcPr>
-                </a:tc>
-                <a:extLst>
-                  <a:ext uri="{0D108BD9-81ED-4DB2-BD59-A6C34878D82A}">
-                    <a16:rowId xmlns:a16="http://schemas.microsoft.com/office/drawing/2014/main" val="10003"/>
-                  </a:ext>
-                </a:extLst>
-              </a:tr>
-            </a:tbl>
-          </a:graphicData>
-        </a:graphic>
-      </p:graphicFrame>
-    </p:spTree>
-  </p:cSld>
-  <p:clrMapOvr>
-    <a:masterClrMapping/>
-  </p:clrMapOvr>
-</p:sld>
-</file>
-
-<file path=ppt/slides/slide5.xml><?xml version="1.0" encoding="utf-8"?>
-<p:sld xmlns:a="http://schemas.openxmlformats.org/drawingml/2006/main" xmlns:r="http://schemas.openxmlformats.org/officeDocument/2006/relationships" xmlns:p="http://schemas.openxmlformats.org/presentationml/2006/main">
-  <p:cSld>
-    <p:spTree>
-      <p:nvGrpSpPr>
-        <p:cNvPr id="1" name=""/>
-        <p:cNvGrpSpPr/>
-        <p:nvPr/>
-      </p:nvGrpSpPr>
-      <p:grpSpPr>
-        <a:xfrm>
-          <a:off x="0" y="0"/>
-          <a:ext cx="0" cy="0"/>
-          <a:chOff x="0" y="0"/>
-          <a:chExt cx="0" cy="0"/>
-        </a:xfrm>
-      </p:grpSpPr>
-      <p:sp>
-        <p:nvSpPr>
-          <p:cNvPr id="2" name="Titolo 1"/>
-          <p:cNvSpPr>
-            <a:spLocks noGrp="1"/>
-          </p:cNvSpPr>
-          <p:nvPr>
-            <p:ph type="title"/>
-          </p:nvPr>
-        </p:nvSpPr>
-        <p:spPr/>
-        <p:txBody>
-          <a:bodyPr/>
-          <a:lstStyle/>
-          <a:p>
-            <a:r>
-              <a:rPr lang="it-IT" dirty="0"/>
-              <a:t>Set up </a:t>
-            </a:r>
-            <a:r>
-              <a:rPr lang="it-IT" dirty="0" err="1"/>
-              <a:t>IPsec</a:t>
-            </a:r>
-            <a:r>
-              <a:rPr lang="it-IT" dirty="0"/>
-              <a:t> (3)</a:t>
-            </a:r>
-          </a:p>
-        </p:txBody>
-      </p:sp>
-      <p:sp>
-        <p:nvSpPr>
-          <p:cNvPr id="3" name="Segnaposto contenuto 2"/>
-          <p:cNvSpPr>
-            <a:spLocks noGrp="1"/>
-          </p:cNvSpPr>
-          <p:nvPr>
-            <p:ph idx="1"/>
-          </p:nvPr>
-        </p:nvSpPr>
-        <p:spPr/>
-        <p:txBody>
-          <a:bodyPr>
-            <a:normAutofit fontScale="92500" lnSpcReduction="10000"/>
-          </a:bodyPr>
-          <a:lstStyle/>
-          <a:p>
-            <a:pPr algn="just"/>
-            <a:r>
-              <a:rPr lang="en-US" dirty="0"/>
-              <a:t>MD5 </a:t>
-            </a:r>
-            <a:r>
-              <a:rPr lang="en-US" i="1" dirty="0" err="1"/>
-              <a:t>vs</a:t>
-            </a:r>
-            <a:r>
-              <a:rPr lang="en-US" i="1" dirty="0"/>
-              <a:t> </a:t>
-            </a:r>
-            <a:r>
-              <a:rPr lang="en-US" dirty="0"/>
-              <a:t>SHA-1 </a:t>
-            </a:r>
-            <a:r>
-              <a:rPr lang="en-US" i="1" dirty="0" err="1"/>
-              <a:t>vs</a:t>
-            </a:r>
-            <a:r>
-              <a:rPr lang="en-US" i="1" dirty="0"/>
-              <a:t> </a:t>
-            </a:r>
-            <a:r>
-              <a:rPr lang="en-US" dirty="0"/>
-              <a:t>DES </a:t>
-            </a:r>
-            <a:r>
-              <a:rPr lang="en-US" i="1" dirty="0" err="1"/>
-              <a:t>vs</a:t>
-            </a:r>
-            <a:r>
-              <a:rPr lang="en-US" i="1" dirty="0"/>
-              <a:t> </a:t>
-            </a:r>
-            <a:r>
-              <a:rPr lang="en-US" dirty="0"/>
-              <a:t>3DES </a:t>
-            </a:r>
-            <a:r>
-              <a:rPr lang="en-US" i="1" dirty="0" err="1"/>
-              <a:t>vs</a:t>
-            </a:r>
-            <a:r>
-              <a:rPr lang="en-US" i="1" dirty="0"/>
-              <a:t> </a:t>
-            </a:r>
-            <a:r>
-              <a:rPr lang="en-US" dirty="0">
-                <a:hlinkClick r:id="rId3"/>
-              </a:rPr>
-              <a:t>AES</a:t>
-            </a:r>
-            <a:r>
-              <a:rPr lang="en-US" dirty="0"/>
-              <a:t> </a:t>
-            </a:r>
-            <a:r>
-              <a:rPr lang="en-US" i="1" dirty="0" err="1"/>
-              <a:t>vs</a:t>
-            </a:r>
-            <a:r>
-              <a:rPr lang="en-US" i="1" dirty="0"/>
-              <a:t> </a:t>
-            </a:r>
-            <a:r>
-              <a:rPr lang="en-US" dirty="0"/>
-              <a:t>blah blah </a:t>
-            </a:r>
-            <a:r>
-              <a:rPr lang="en-US" dirty="0" err="1"/>
-              <a:t>blah</a:t>
-            </a:r>
-            <a:r>
-              <a:rPr lang="en-US" dirty="0"/>
-              <a:t> </a:t>
-            </a:r>
-          </a:p>
-          <a:p>
-            <a:pPr lvl="1" algn="just"/>
-            <a:r>
-              <a:rPr lang="en-US" dirty="0"/>
-              <a:t>Encryption methods:</a:t>
-            </a:r>
-          </a:p>
-          <a:p>
-            <a:pPr lvl="2" algn="just"/>
-            <a:r>
-              <a:rPr lang="en-US" i="1" dirty="0"/>
-              <a:t>In Authentication mode,</a:t>
-            </a:r>
-            <a:r>
-              <a:rPr lang="en-US" dirty="0"/>
-              <a:t> ciphers are used to calculate an Integrity Check Value (ICV) over the packet's contents. ICV it's usually built on top of a cryptographic hash such as MD5 or </a:t>
-            </a:r>
-            <a:br>
-              <a:rPr lang="en-US" dirty="0"/>
-            </a:br>
-            <a:r>
-              <a:rPr lang="en-US" dirty="0"/>
-              <a:t>SHA-1.  It incorporates a secret key known to both ends, and this allows the recipient to compute and check the ICV in the same way. </a:t>
-            </a:r>
-          </a:p>
-          <a:p>
-            <a:pPr lvl="2" algn="just"/>
-            <a:r>
-              <a:rPr lang="en-US" i="1" dirty="0"/>
-              <a:t>In Encryption mode,</a:t>
-            </a:r>
-            <a:r>
-              <a:rPr lang="en-US" dirty="0"/>
-              <a:t> ciphers are used with a secret key to encrypt the data before transmission (algorithms such as DES, 3DES, Blowfish, AES).</a:t>
-            </a:r>
-            <a:endParaRPr lang="it-IT" dirty="0"/>
-          </a:p>
-        </p:txBody>
-      </p:sp>
-    </p:spTree>
-  </p:cSld>
-  <p:clrMapOvr>
-    <a:masterClrMapping/>
-  </p:clrMapOvr>
-</p:sld>
-</file>
-
-<file path=ppt/slides/slide50.xml><?xml version="1.0" encoding="utf-8"?>
-<p:sld xmlns:a="http://schemas.openxmlformats.org/drawingml/2006/main" xmlns:r="http://schemas.openxmlformats.org/officeDocument/2006/relationships" xmlns:p="http://schemas.openxmlformats.org/presentationml/2006/main">
-  <p:cSld>
-    <p:spTree>
-      <p:nvGrpSpPr>
-        <p:cNvPr id="1" name=""/>
-        <p:cNvGrpSpPr/>
-        <p:nvPr/>
-      </p:nvGrpSpPr>
-      <p:grpSpPr>
-        <a:xfrm>
-          <a:off x="0" y="0"/>
-          <a:ext cx="0" cy="0"/>
-          <a:chOff x="0" y="0"/>
-          <a:chExt cx="0" cy="0"/>
-        </a:xfrm>
-      </p:grpSpPr>
-      <p:sp>
-        <p:nvSpPr>
-          <p:cNvPr id="2" name="Titolo 1"/>
-          <p:cNvSpPr>
-            <a:spLocks noGrp="1"/>
-          </p:cNvSpPr>
-          <p:nvPr>
-            <p:ph type="title"/>
-          </p:nvPr>
-        </p:nvSpPr>
-        <p:spPr>
-          <a:xfrm>
-            <a:off x="343174" y="188640"/>
-            <a:ext cx="8610600" cy="882650"/>
-          </a:xfrm>
-        </p:spPr>
-        <p:txBody>
-          <a:bodyPr/>
-          <a:lstStyle/>
-          <a:p>
-            <a:r>
-              <a:rPr lang="it-IT" b="1" dirty="0"/>
-              <a:t>Base Exchange</a:t>
-            </a:r>
-          </a:p>
-        </p:txBody>
-      </p:sp>
-      <p:sp>
-        <p:nvSpPr>
-          <p:cNvPr id="6" name="Rettangolo 5"/>
-          <p:cNvSpPr/>
-          <p:nvPr/>
-        </p:nvSpPr>
-        <p:spPr>
-          <a:xfrm>
-            <a:off x="214282" y="3692444"/>
-            <a:ext cx="8715436" cy="2308324"/>
-          </a:xfrm>
-          <a:prstGeom prst="rect">
-            <a:avLst/>
-          </a:prstGeom>
-        </p:spPr>
-        <p:txBody>
-          <a:bodyPr wrap="square">
-            <a:spAutoFit/>
-          </a:bodyPr>
-          <a:lstStyle/>
-          <a:p>
-            <a:pPr algn="just">
-              <a:buFont typeface="Arial" pitchFamily="34" charset="0"/>
-              <a:buChar char="•"/>
-            </a:pPr>
-            <a:r>
-              <a:rPr lang="en-US" sz="2400" dirty="0"/>
-              <a:t>The first two messages provide cookies and establish an SA with agreed protocol and transforms</a:t>
-            </a:r>
-          </a:p>
-          <a:p>
-            <a:pPr algn="just">
-              <a:buFont typeface="Arial" pitchFamily="34" charset="0"/>
-              <a:buChar char="•"/>
-            </a:pPr>
-            <a:r>
-              <a:rPr lang="en-US" sz="2400" dirty="0"/>
-              <a:t>Both sides use a nonce to ensure against replay attacks</a:t>
-            </a:r>
-          </a:p>
-          <a:p>
-            <a:pPr algn="just">
-              <a:buFont typeface="Arial" pitchFamily="34" charset="0"/>
-              <a:buChar char="•"/>
-            </a:pPr>
-            <a:r>
-              <a:rPr lang="en-US" sz="2400" dirty="0"/>
-              <a:t>The last two messages exchange the key material and user IDs, with an authentication mechanism used to authenticate keys, identities, and the </a:t>
-            </a:r>
-            <a:r>
-              <a:rPr lang="en-US" sz="2400" dirty="0" err="1"/>
-              <a:t>nonces</a:t>
-            </a:r>
-            <a:r>
-              <a:rPr lang="en-US" sz="2400" dirty="0"/>
-              <a:t> from the first two messages</a:t>
-            </a:r>
-            <a:endParaRPr lang="it-IT" sz="2400" dirty="0"/>
-          </a:p>
-        </p:txBody>
-      </p:sp>
-      <p:graphicFrame>
-        <p:nvGraphicFramePr>
-          <p:cNvPr id="10" name="Tabella 9"/>
-          <p:cNvGraphicFramePr>
-            <a:graphicFrameLocks noGrp="1"/>
-          </p:cNvGraphicFramePr>
-          <p:nvPr/>
-        </p:nvGraphicFramePr>
-        <p:xfrm>
-          <a:off x="2214546" y="1500174"/>
-          <a:ext cx="5000660" cy="1958329"/>
-        </p:xfrm>
-        <a:graphic>
-          <a:graphicData uri="http://schemas.openxmlformats.org/drawingml/2006/table">
-            <a:tbl>
-              <a:tblPr/>
-              <a:tblGrid>
-                <a:gridCol w="2071702">
-                  <a:extLst>
-                    <a:ext uri="{9D8B030D-6E8A-4147-A177-3AD203B41FA5}">
-                      <a16:colId xmlns:a16="http://schemas.microsoft.com/office/drawing/2014/main" val="20000"/>
-                    </a:ext>
-                  </a:extLst>
-                </a:gridCol>
-                <a:gridCol w="2928958">
-                  <a:extLst>
-                    <a:ext uri="{9D8B030D-6E8A-4147-A177-3AD203B41FA5}">
-                      <a16:colId xmlns:a16="http://schemas.microsoft.com/office/drawing/2014/main" val="20001"/>
-                    </a:ext>
-                  </a:extLst>
-                </a:gridCol>
-              </a:tblGrid>
-              <a:tr h="376249">
-                <a:tc>
-                  <a:txBody>
-                    <a:bodyPr/>
-                    <a:lstStyle/>
-                    <a:p>
-                      <a:pPr algn="l" fontAlgn="t"/>
-                      <a:r>
-                        <a:rPr lang="it-IT" sz="1200" dirty="0"/>
-                        <a:t>(1) I → R : SA; NONCE</a:t>
-                      </a:r>
-                    </a:p>
-                  </a:txBody>
-                  <a:tcPr marL="47625" marR="47625" marT="47625" marB="47625">
-                    <a:lnL>
-                      <a:noFill/>
-                    </a:lnL>
-                    <a:lnR>
-                      <a:noFill/>
-                    </a:lnR>
-                    <a:lnT>
-                      <a:noFill/>
-                    </a:lnT>
-                    <a:lnB>
-                      <a:noFill/>
-                    </a:lnB>
-                    <a:solidFill>
-                      <a:srgbClr val="FFFFFF"/>
-                    </a:solidFill>
-                  </a:tcPr>
-                </a:tc>
-                <a:tc>
-                  <a:txBody>
-                    <a:bodyPr/>
-                    <a:lstStyle/>
-                    <a:p>
-                      <a:pPr fontAlgn="t"/>
-                      <a:r>
-                        <a:rPr lang="it-IT" sz="1200" dirty="0" err="1"/>
-                        <a:t>Begin</a:t>
-                      </a:r>
-                      <a:r>
-                        <a:rPr lang="it-IT" sz="1200" dirty="0"/>
-                        <a:t> ISAKMP-SA </a:t>
-                      </a:r>
-                      <a:r>
-                        <a:rPr lang="it-IT" sz="1200" dirty="0" err="1"/>
-                        <a:t>negotiation</a:t>
-                      </a:r>
-                      <a:endParaRPr lang="it-IT" sz="1200" dirty="0"/>
-                    </a:p>
-                  </a:txBody>
-                  <a:tcPr marL="47625" marR="47625" marT="47625" marB="47625">
-                    <a:lnL>
-                      <a:noFill/>
-                    </a:lnL>
-                    <a:lnR>
-                      <a:noFill/>
-                    </a:lnR>
-                    <a:lnT>
-                      <a:noFill/>
-                    </a:lnT>
-                    <a:lnB>
-                      <a:noFill/>
-                    </a:lnB>
-                    <a:solidFill>
-                      <a:srgbClr val="FFFFFF"/>
-                    </a:solidFill>
-                  </a:tcPr>
-                </a:tc>
-                <a:extLst>
-                  <a:ext uri="{0D108BD9-81ED-4DB2-BD59-A6C34878D82A}">
-                    <a16:rowId xmlns:a16="http://schemas.microsoft.com/office/drawing/2014/main" val="10000"/>
-                  </a:ext>
-                </a:extLst>
-              </a:tr>
-              <a:tr h="348697">
-                <a:tc>
-                  <a:txBody>
-                    <a:bodyPr/>
-                    <a:lstStyle/>
-                    <a:p>
-                      <a:pPr algn="l" fontAlgn="t"/>
-                      <a:r>
-                        <a:rPr lang="it-IT" sz="1200" dirty="0"/>
-                        <a:t>(2) R → E : SA; NONCE</a:t>
-                      </a:r>
-                    </a:p>
-                  </a:txBody>
-                  <a:tcPr marL="47625" marR="47625" marT="47625" marB="47625">
-                    <a:lnL>
-                      <a:noFill/>
-                    </a:lnL>
-                    <a:lnR>
-                      <a:noFill/>
-                    </a:lnR>
-                    <a:lnT>
-                      <a:noFill/>
-                    </a:lnT>
-                    <a:lnB>
-                      <a:noFill/>
-                    </a:lnB>
-                    <a:solidFill>
-                      <a:srgbClr val="FFFFFF"/>
-                    </a:solidFill>
-                  </a:tcPr>
-                </a:tc>
-                <a:tc>
-                  <a:txBody>
-                    <a:bodyPr/>
-                    <a:lstStyle/>
-                    <a:p>
-                      <a:pPr fontAlgn="t"/>
-                      <a:r>
-                        <a:rPr lang="it-IT" sz="1200" dirty="0" err="1"/>
-                        <a:t>Basic</a:t>
-                      </a:r>
-                      <a:r>
-                        <a:rPr lang="it-IT" sz="1200" dirty="0"/>
-                        <a:t> SA </a:t>
-                      </a:r>
-                      <a:r>
-                        <a:rPr lang="it-IT" sz="1200" dirty="0" err="1"/>
-                        <a:t>agreed</a:t>
-                      </a:r>
-                      <a:r>
-                        <a:rPr lang="it-IT" sz="1200" dirty="0"/>
-                        <a:t> </a:t>
-                      </a:r>
-                      <a:r>
-                        <a:rPr lang="it-IT" sz="1200" dirty="0" err="1"/>
-                        <a:t>upon</a:t>
-                      </a:r>
-                      <a:endParaRPr lang="it-IT" sz="1200" dirty="0"/>
-                    </a:p>
-                  </a:txBody>
-                  <a:tcPr marL="47625" marR="47625" marT="47625" marB="47625">
-                    <a:lnL>
-                      <a:noFill/>
-                    </a:lnL>
-                    <a:lnR>
-                      <a:noFill/>
-                    </a:lnR>
-                    <a:lnT>
-                      <a:noFill/>
-                    </a:lnT>
-                    <a:lnB>
-                      <a:noFill/>
-                    </a:lnB>
-                    <a:solidFill>
-                      <a:srgbClr val="FFFFFF"/>
-                    </a:solidFill>
-                  </a:tcPr>
-                </a:tc>
-                <a:extLst>
-                  <a:ext uri="{0D108BD9-81ED-4DB2-BD59-A6C34878D82A}">
-                    <a16:rowId xmlns:a16="http://schemas.microsoft.com/office/drawing/2014/main" val="10001"/>
-                  </a:ext>
-                </a:extLst>
-              </a:tr>
-              <a:tr h="536544">
-                <a:tc>
-                  <a:txBody>
-                    <a:bodyPr/>
-                    <a:lstStyle/>
-                    <a:p>
-                      <a:pPr algn="l" fontAlgn="t"/>
-                      <a:r>
-                        <a:rPr lang="it-IT" sz="1200" dirty="0"/>
-                        <a:t>(3) I → R : KE; ID</a:t>
-                      </a:r>
-                      <a:r>
-                        <a:rPr lang="it-IT" sz="1200" baseline="-75000" dirty="0"/>
-                        <a:t>I</a:t>
-                      </a:r>
-                      <a:r>
-                        <a:rPr lang="it-IT" sz="1200" dirty="0"/>
-                        <a:t> AUTH</a:t>
-                      </a:r>
-                    </a:p>
-                  </a:txBody>
-                  <a:tcPr marL="47625" marR="47625" marT="47625" marB="47625">
-                    <a:lnL>
-                      <a:noFill/>
-                    </a:lnL>
-                    <a:lnR>
-                      <a:noFill/>
-                    </a:lnR>
-                    <a:lnT>
-                      <a:noFill/>
-                    </a:lnT>
-                    <a:lnB>
-                      <a:noFill/>
-                    </a:lnB>
-                    <a:solidFill>
-                      <a:srgbClr val="FFFFFF"/>
-                    </a:solidFill>
-                  </a:tcPr>
-                </a:tc>
-                <a:tc>
-                  <a:txBody>
-                    <a:bodyPr/>
-                    <a:lstStyle/>
-                    <a:p>
-                      <a:pPr fontAlgn="t"/>
-                      <a:r>
-                        <a:rPr lang="en-US" sz="1200" dirty="0"/>
-                        <a:t>Key generated; Initiator identity verified by responder</a:t>
-                      </a:r>
-                    </a:p>
-                  </a:txBody>
-                  <a:tcPr marL="47625" marR="47625" marT="47625" marB="47625">
-                    <a:lnL>
-                      <a:noFill/>
-                    </a:lnL>
-                    <a:lnR>
-                      <a:noFill/>
-                    </a:lnR>
-                    <a:lnT>
-                      <a:noFill/>
-                    </a:lnT>
-                    <a:lnB>
-                      <a:noFill/>
-                    </a:lnB>
-                    <a:solidFill>
-                      <a:srgbClr val="FFFFFF"/>
-                    </a:solidFill>
-                  </a:tcPr>
-                </a:tc>
-                <a:extLst>
-                  <a:ext uri="{0D108BD9-81ED-4DB2-BD59-A6C34878D82A}">
-                    <a16:rowId xmlns:a16="http://schemas.microsoft.com/office/drawing/2014/main" val="10002"/>
-                  </a:ext>
-                </a:extLst>
-              </a:tr>
-              <a:tr h="696839">
-                <a:tc>
-                  <a:txBody>
-                    <a:bodyPr/>
-                    <a:lstStyle/>
-                    <a:p>
-                      <a:pPr algn="l" fontAlgn="t"/>
-                      <a:r>
-                        <a:rPr lang="pt-BR" sz="1200" dirty="0"/>
-                        <a:t>(4) R </a:t>
-                      </a:r>
-                      <a:r>
-                        <a:rPr lang="it-IT" sz="1200" dirty="0"/>
-                        <a:t>→ </a:t>
-                      </a:r>
-                      <a:r>
-                        <a:rPr lang="pt-BR" sz="1200" dirty="0"/>
-                        <a:t> E : KE; ID</a:t>
-                      </a:r>
-                      <a:r>
-                        <a:rPr lang="pt-BR" sz="1200" kern="1200" baseline="-75000" dirty="0">
-                          <a:solidFill>
-                            <a:schemeClr val="tx1"/>
-                          </a:solidFill>
-                          <a:latin typeface="+mn-lt"/>
-                          <a:ea typeface="+mn-ea"/>
-                          <a:cs typeface="+mn-cs"/>
-                        </a:rPr>
-                        <a:t>R</a:t>
-                      </a:r>
-                      <a:r>
-                        <a:rPr lang="pt-BR" sz="1200" dirty="0"/>
-                        <a:t> </a:t>
-                      </a:r>
-                      <a:r>
-                        <a:rPr lang="pt-BR" sz="1200" baseline="-25000" dirty="0"/>
-                        <a:t> </a:t>
-                      </a:r>
-                      <a:r>
-                        <a:rPr lang="pt-BR" sz="1200" dirty="0"/>
-                        <a:t>AUTH</a:t>
-                      </a:r>
-                    </a:p>
-                  </a:txBody>
-                  <a:tcPr marL="47625" marR="47625" marT="47625" marB="47625">
-                    <a:lnL>
-                      <a:noFill/>
-                    </a:lnL>
-                    <a:lnR>
-                      <a:noFill/>
-                    </a:lnR>
-                    <a:lnT>
-                      <a:noFill/>
-                    </a:lnT>
-                    <a:lnB>
-                      <a:noFill/>
-                    </a:lnB>
-                    <a:solidFill>
-                      <a:srgbClr val="FFFFFF"/>
-                    </a:solidFill>
-                  </a:tcPr>
-                </a:tc>
-                <a:tc>
-                  <a:txBody>
-                    <a:bodyPr/>
-                    <a:lstStyle/>
-                    <a:p>
-                      <a:pPr fontAlgn="t"/>
-                      <a:r>
-                        <a:rPr lang="en-US" sz="1200" dirty="0"/>
                         <a:t>Responder identity verified by initiator; Key generated; SA established</a:t>
                       </a:r>
                     </a:p>
@@ -19245,6 +18894,488 @@
         </p:nvSpPr>
         <p:spPr>
           <a:xfrm>
+            <a:off x="343174" y="188640"/>
+            <a:ext cx="8610600" cy="882650"/>
+          </a:xfrm>
+        </p:spPr>
+        <p:txBody>
+          <a:bodyPr/>
+          <a:lstStyle/>
+          <a:p>
+            <a:r>
+              <a:rPr lang="it-IT" b="1" dirty="0"/>
+              <a:t>Base Exchange</a:t>
+            </a:r>
+          </a:p>
+        </p:txBody>
+      </p:sp>
+      <p:sp>
+        <p:nvSpPr>
+          <p:cNvPr id="6" name="Rettangolo 5"/>
+          <p:cNvSpPr/>
+          <p:nvPr/>
+        </p:nvSpPr>
+        <p:spPr>
+          <a:xfrm>
+            <a:off x="214282" y="3692444"/>
+            <a:ext cx="8715436" cy="2308324"/>
+          </a:xfrm>
+          <a:prstGeom prst="rect">
+            <a:avLst/>
+          </a:prstGeom>
+        </p:spPr>
+        <p:txBody>
+          <a:bodyPr wrap="square">
+            <a:spAutoFit/>
+          </a:bodyPr>
+          <a:lstStyle/>
+          <a:p>
+            <a:pPr algn="just">
+              <a:buFont typeface="Arial" pitchFamily="34" charset="0"/>
+              <a:buChar char="•"/>
+            </a:pPr>
+            <a:r>
+              <a:rPr lang="en-US" sz="2400" dirty="0"/>
+              <a:t>The first two messages provide cookies and establish an SA with agreed protocol and transforms</a:t>
+            </a:r>
+          </a:p>
+          <a:p>
+            <a:pPr algn="just">
+              <a:buFont typeface="Arial" pitchFamily="34" charset="0"/>
+              <a:buChar char="•"/>
+            </a:pPr>
+            <a:r>
+              <a:rPr lang="en-US" sz="2400" dirty="0"/>
+              <a:t>Both sides use a nonce to ensure against replay attacks</a:t>
+            </a:r>
+          </a:p>
+          <a:p>
+            <a:pPr algn="just">
+              <a:buFont typeface="Arial" pitchFamily="34" charset="0"/>
+              <a:buChar char="•"/>
+            </a:pPr>
+            <a:r>
+              <a:rPr lang="en-US" sz="2400" dirty="0"/>
+              <a:t>The last two messages exchange the key material and user IDs, with an authentication mechanism used to authenticate keys, identities, and the </a:t>
+            </a:r>
+            <a:r>
+              <a:rPr lang="en-US" sz="2400" dirty="0" err="1"/>
+              <a:t>nonces</a:t>
+            </a:r>
+            <a:r>
+              <a:rPr lang="en-US" sz="2400" dirty="0"/>
+              <a:t> from the first two messages</a:t>
+            </a:r>
+            <a:endParaRPr lang="it-IT" sz="2400" dirty="0"/>
+          </a:p>
+        </p:txBody>
+      </p:sp>
+      <p:graphicFrame>
+        <p:nvGraphicFramePr>
+          <p:cNvPr id="10" name="Tabella 9"/>
+          <p:cNvGraphicFramePr>
+            <a:graphicFrameLocks noGrp="1"/>
+          </p:cNvGraphicFramePr>
+          <p:nvPr/>
+        </p:nvGraphicFramePr>
+        <p:xfrm>
+          <a:off x="2214546" y="1500174"/>
+          <a:ext cx="5000660" cy="1958329"/>
+        </p:xfrm>
+        <a:graphic>
+          <a:graphicData uri="http://schemas.openxmlformats.org/drawingml/2006/table">
+            <a:tbl>
+              <a:tblPr/>
+              <a:tblGrid>
+                <a:gridCol w="2071702">
+                  <a:extLst>
+                    <a:ext uri="{9D8B030D-6E8A-4147-A177-3AD203B41FA5}">
+                      <a16:colId xmlns:a16="http://schemas.microsoft.com/office/drawing/2014/main" val="20000"/>
+                    </a:ext>
+                  </a:extLst>
+                </a:gridCol>
+                <a:gridCol w="2928958">
+                  <a:extLst>
+                    <a:ext uri="{9D8B030D-6E8A-4147-A177-3AD203B41FA5}">
+                      <a16:colId xmlns:a16="http://schemas.microsoft.com/office/drawing/2014/main" val="20001"/>
+                    </a:ext>
+                  </a:extLst>
+                </a:gridCol>
+              </a:tblGrid>
+              <a:tr h="376249">
+                <a:tc>
+                  <a:txBody>
+                    <a:bodyPr/>
+                    <a:lstStyle/>
+                    <a:p>
+                      <a:pPr algn="l" fontAlgn="t"/>
+                      <a:r>
+                        <a:rPr lang="it-IT" sz="1200" dirty="0"/>
+                        <a:t>(1) I → R : SA; NONCE</a:t>
+                      </a:r>
+                    </a:p>
+                  </a:txBody>
+                  <a:tcPr marL="47625" marR="47625" marT="47625" marB="47625">
+                    <a:lnL>
+                      <a:noFill/>
+                    </a:lnL>
+                    <a:lnR>
+                      <a:noFill/>
+                    </a:lnR>
+                    <a:lnT>
+                      <a:noFill/>
+                    </a:lnT>
+                    <a:lnB>
+                      <a:noFill/>
+                    </a:lnB>
+                    <a:solidFill>
+                      <a:srgbClr val="FFFFFF"/>
+                    </a:solidFill>
+                  </a:tcPr>
+                </a:tc>
+                <a:tc>
+                  <a:txBody>
+                    <a:bodyPr/>
+                    <a:lstStyle/>
+                    <a:p>
+                      <a:pPr fontAlgn="t"/>
+                      <a:r>
+                        <a:rPr lang="it-IT" sz="1200" dirty="0" err="1"/>
+                        <a:t>Begin</a:t>
+                      </a:r>
+                      <a:r>
+                        <a:rPr lang="it-IT" sz="1200" dirty="0"/>
+                        <a:t> ISAKMP-SA </a:t>
+                      </a:r>
+                      <a:r>
+                        <a:rPr lang="it-IT" sz="1200" dirty="0" err="1"/>
+                        <a:t>negotiation</a:t>
+                      </a:r>
+                      <a:endParaRPr lang="it-IT" sz="1200" dirty="0"/>
+                    </a:p>
+                  </a:txBody>
+                  <a:tcPr marL="47625" marR="47625" marT="47625" marB="47625">
+                    <a:lnL>
+                      <a:noFill/>
+                    </a:lnL>
+                    <a:lnR>
+                      <a:noFill/>
+                    </a:lnR>
+                    <a:lnT>
+                      <a:noFill/>
+                    </a:lnT>
+                    <a:lnB>
+                      <a:noFill/>
+                    </a:lnB>
+                    <a:solidFill>
+                      <a:srgbClr val="FFFFFF"/>
+                    </a:solidFill>
+                  </a:tcPr>
+                </a:tc>
+                <a:extLst>
+                  <a:ext uri="{0D108BD9-81ED-4DB2-BD59-A6C34878D82A}">
+                    <a16:rowId xmlns:a16="http://schemas.microsoft.com/office/drawing/2014/main" val="10000"/>
+                  </a:ext>
+                </a:extLst>
+              </a:tr>
+              <a:tr h="348697">
+                <a:tc>
+                  <a:txBody>
+                    <a:bodyPr/>
+                    <a:lstStyle/>
+                    <a:p>
+                      <a:pPr algn="l" fontAlgn="t"/>
+                      <a:r>
+                        <a:rPr lang="it-IT" sz="1200" dirty="0"/>
+                        <a:t>(2) R → E : SA; NONCE</a:t>
+                      </a:r>
+                    </a:p>
+                  </a:txBody>
+                  <a:tcPr marL="47625" marR="47625" marT="47625" marB="47625">
+                    <a:lnL>
+                      <a:noFill/>
+                    </a:lnL>
+                    <a:lnR>
+                      <a:noFill/>
+                    </a:lnR>
+                    <a:lnT>
+                      <a:noFill/>
+                    </a:lnT>
+                    <a:lnB>
+                      <a:noFill/>
+                    </a:lnB>
+                    <a:solidFill>
+                      <a:srgbClr val="FFFFFF"/>
+                    </a:solidFill>
+                  </a:tcPr>
+                </a:tc>
+                <a:tc>
+                  <a:txBody>
+                    <a:bodyPr/>
+                    <a:lstStyle/>
+                    <a:p>
+                      <a:pPr fontAlgn="t"/>
+                      <a:r>
+                        <a:rPr lang="it-IT" sz="1200" dirty="0" err="1"/>
+                        <a:t>Basic</a:t>
+                      </a:r>
+                      <a:r>
+                        <a:rPr lang="it-IT" sz="1200" dirty="0"/>
+                        <a:t> SA </a:t>
+                      </a:r>
+                      <a:r>
+                        <a:rPr lang="it-IT" sz="1200" dirty="0" err="1"/>
+                        <a:t>agreed</a:t>
+                      </a:r>
+                      <a:r>
+                        <a:rPr lang="it-IT" sz="1200" dirty="0"/>
+                        <a:t> </a:t>
+                      </a:r>
+                      <a:r>
+                        <a:rPr lang="it-IT" sz="1200" dirty="0" err="1"/>
+                        <a:t>upon</a:t>
+                      </a:r>
+                      <a:endParaRPr lang="it-IT" sz="1200" dirty="0"/>
+                    </a:p>
+                  </a:txBody>
+                  <a:tcPr marL="47625" marR="47625" marT="47625" marB="47625">
+                    <a:lnL>
+                      <a:noFill/>
+                    </a:lnL>
+                    <a:lnR>
+                      <a:noFill/>
+                    </a:lnR>
+                    <a:lnT>
+                      <a:noFill/>
+                    </a:lnT>
+                    <a:lnB>
+                      <a:noFill/>
+                    </a:lnB>
+                    <a:solidFill>
+                      <a:srgbClr val="FFFFFF"/>
+                    </a:solidFill>
+                  </a:tcPr>
+                </a:tc>
+                <a:extLst>
+                  <a:ext uri="{0D108BD9-81ED-4DB2-BD59-A6C34878D82A}">
+                    <a16:rowId xmlns:a16="http://schemas.microsoft.com/office/drawing/2014/main" val="10001"/>
+                  </a:ext>
+                </a:extLst>
+              </a:tr>
+              <a:tr h="536544">
+                <a:tc>
+                  <a:txBody>
+                    <a:bodyPr/>
+                    <a:lstStyle/>
+                    <a:p>
+                      <a:pPr algn="l" fontAlgn="t"/>
+                      <a:r>
+                        <a:rPr lang="it-IT" sz="1200" dirty="0"/>
+                        <a:t>(3) I → R : KE; ID</a:t>
+                      </a:r>
+                      <a:r>
+                        <a:rPr lang="it-IT" sz="1200" baseline="-75000" dirty="0"/>
+                        <a:t>I</a:t>
+                      </a:r>
+                      <a:r>
+                        <a:rPr lang="it-IT" sz="1200" dirty="0"/>
+                        <a:t> AUTH</a:t>
+                      </a:r>
+                    </a:p>
+                  </a:txBody>
+                  <a:tcPr marL="47625" marR="47625" marT="47625" marB="47625">
+                    <a:lnL>
+                      <a:noFill/>
+                    </a:lnL>
+                    <a:lnR>
+                      <a:noFill/>
+                    </a:lnR>
+                    <a:lnT>
+                      <a:noFill/>
+                    </a:lnT>
+                    <a:lnB>
+                      <a:noFill/>
+                    </a:lnB>
+                    <a:solidFill>
+                      <a:srgbClr val="FFFFFF"/>
+                    </a:solidFill>
+                  </a:tcPr>
+                </a:tc>
+                <a:tc>
+                  <a:txBody>
+                    <a:bodyPr/>
+                    <a:lstStyle/>
+                    <a:p>
+                      <a:pPr fontAlgn="t"/>
+                      <a:r>
+                        <a:rPr lang="en-US" sz="1200" dirty="0"/>
+                        <a:t>Key generated; Initiator identity verified by responder</a:t>
+                      </a:r>
+                    </a:p>
+                  </a:txBody>
+                  <a:tcPr marL="47625" marR="47625" marT="47625" marB="47625">
+                    <a:lnL>
+                      <a:noFill/>
+                    </a:lnL>
+                    <a:lnR>
+                      <a:noFill/>
+                    </a:lnR>
+                    <a:lnT>
+                      <a:noFill/>
+                    </a:lnT>
+                    <a:lnB>
+                      <a:noFill/>
+                    </a:lnB>
+                    <a:solidFill>
+                      <a:srgbClr val="FFFFFF"/>
+                    </a:solidFill>
+                  </a:tcPr>
+                </a:tc>
+                <a:extLst>
+                  <a:ext uri="{0D108BD9-81ED-4DB2-BD59-A6C34878D82A}">
+                    <a16:rowId xmlns:a16="http://schemas.microsoft.com/office/drawing/2014/main" val="10002"/>
+                  </a:ext>
+                </a:extLst>
+              </a:tr>
+              <a:tr h="696839">
+                <a:tc>
+                  <a:txBody>
+                    <a:bodyPr/>
+                    <a:lstStyle/>
+                    <a:p>
+                      <a:pPr algn="l" fontAlgn="t"/>
+                      <a:r>
+                        <a:rPr lang="pt-BR" sz="1200" dirty="0"/>
+                        <a:t>(4) R </a:t>
+                      </a:r>
+                      <a:r>
+                        <a:rPr lang="it-IT" sz="1200" dirty="0"/>
+                        <a:t>→ </a:t>
+                      </a:r>
+                      <a:r>
+                        <a:rPr lang="pt-BR" sz="1200" dirty="0"/>
+                        <a:t> E : KE; ID</a:t>
+                      </a:r>
+                      <a:r>
+                        <a:rPr lang="pt-BR" sz="1200" kern="1200" baseline="-75000" dirty="0">
+                          <a:solidFill>
+                            <a:schemeClr val="tx1"/>
+                          </a:solidFill>
+                          <a:latin typeface="+mn-lt"/>
+                          <a:ea typeface="+mn-ea"/>
+                          <a:cs typeface="+mn-cs"/>
+                        </a:rPr>
+                        <a:t>R</a:t>
+                      </a:r>
+                      <a:r>
+                        <a:rPr lang="pt-BR" sz="1200" dirty="0"/>
+                        <a:t> </a:t>
+                      </a:r>
+                      <a:r>
+                        <a:rPr lang="pt-BR" sz="1200" baseline="-25000" dirty="0"/>
+                        <a:t> </a:t>
+                      </a:r>
+                      <a:r>
+                        <a:rPr lang="pt-BR" sz="1200" dirty="0"/>
+                        <a:t>AUTH</a:t>
+                      </a:r>
+                    </a:p>
+                  </a:txBody>
+                  <a:tcPr marL="47625" marR="47625" marT="47625" marB="47625">
+                    <a:lnL>
+                      <a:noFill/>
+                    </a:lnL>
+                    <a:lnR>
+                      <a:noFill/>
+                    </a:lnR>
+                    <a:lnT>
+                      <a:noFill/>
+                    </a:lnT>
+                    <a:lnB>
+                      <a:noFill/>
+                    </a:lnB>
+                    <a:solidFill>
+                      <a:srgbClr val="FFFFFF"/>
+                    </a:solidFill>
+                  </a:tcPr>
+                </a:tc>
+                <a:tc>
+                  <a:txBody>
+                    <a:bodyPr/>
+                    <a:lstStyle/>
+                    <a:p>
+                      <a:pPr fontAlgn="t"/>
+                      <a:r>
+                        <a:rPr lang="en-US" sz="1200" dirty="0"/>
+                        <a:t>Responder identity verified by initiator; Key generated; SA established</a:t>
+                      </a:r>
+                    </a:p>
+                  </a:txBody>
+                  <a:tcPr marL="47625" marR="47625" marT="47625" marB="47625">
+                    <a:lnL>
+                      <a:noFill/>
+                    </a:lnL>
+                    <a:lnR>
+                      <a:noFill/>
+                    </a:lnR>
+                    <a:lnT>
+                      <a:noFill/>
+                    </a:lnT>
+                    <a:lnB>
+                      <a:noFill/>
+                    </a:lnB>
+                    <a:solidFill>
+                      <a:srgbClr val="FFFFFF"/>
+                    </a:solidFill>
+                  </a:tcPr>
+                </a:tc>
+                <a:extLst>
+                  <a:ext uri="{0D108BD9-81ED-4DB2-BD59-A6C34878D82A}">
+                    <a16:rowId xmlns:a16="http://schemas.microsoft.com/office/drawing/2014/main" val="10003"/>
+                  </a:ext>
+                </a:extLst>
+              </a:tr>
+            </a:tbl>
+          </a:graphicData>
+        </a:graphic>
+      </p:graphicFrame>
+    </p:spTree>
+  </p:cSld>
+  <p:clrMapOvr>
+    <a:masterClrMapping/>
+  </p:clrMapOvr>
+</p:sld>
+</file>
+
+<file path=ppt/slides/slide52.xml><?xml version="1.0" encoding="utf-8"?>
+<p:sld xmlns:a="http://schemas.openxmlformats.org/drawingml/2006/main" xmlns:r="http://schemas.openxmlformats.org/officeDocument/2006/relationships" xmlns:p="http://schemas.openxmlformats.org/presentationml/2006/main">
+  <p:cSld>
+    <p:spTree>
+      <p:nvGrpSpPr>
+        <p:cNvPr id="1" name=""/>
+        <p:cNvGrpSpPr/>
+        <p:nvPr/>
+      </p:nvGrpSpPr>
+      <p:grpSpPr>
+        <a:xfrm>
+          <a:off x="0" y="0"/>
+          <a:ext cx="0" cy="0"/>
+          <a:chOff x="0" y="0"/>
+          <a:chExt cx="0" cy="0"/>
+        </a:xfrm>
+      </p:grpSpPr>
+      <p:sp>
+        <p:nvSpPr>
+          <p:cNvPr id="2" name="Titolo 1"/>
+          <p:cNvSpPr>
+            <a:spLocks noGrp="1"/>
+          </p:cNvSpPr>
+          <p:nvPr>
+            <p:ph type="title"/>
+          </p:nvPr>
+        </p:nvSpPr>
+        <p:spPr>
+          <a:xfrm>
             <a:off x="251520" y="188640"/>
             <a:ext cx="8610600" cy="882650"/>
           </a:xfrm>
@@ -19875,7 +20006,7 @@
 </p:sld>
 </file>
 
-<file path=ppt/slides/slide52.xml><?xml version="1.0" encoding="utf-8"?>
+<file path=ppt/slides/slide53.xml><?xml version="1.0" encoding="utf-8"?>
 <p:sld xmlns:a="http://schemas.openxmlformats.org/drawingml/2006/main" xmlns:r="http://schemas.openxmlformats.org/officeDocument/2006/relationships" xmlns:p="http://schemas.openxmlformats.org/presentationml/2006/main">
   <p:cSld>
     <p:spTree>
@@ -20517,7 +20648,7 @@
 </p:sld>
 </file>
 
-<file path=ppt/slides/slide53.xml><?xml version="1.0" encoding="utf-8"?>
+<file path=ppt/slides/slide54.xml><?xml version="1.0" encoding="utf-8"?>
 <p:sld xmlns:a="http://schemas.openxmlformats.org/drawingml/2006/main" xmlns:r="http://schemas.openxmlformats.org/officeDocument/2006/relationships" xmlns:p="http://schemas.openxmlformats.org/presentationml/2006/main">
   <p:cSld>
     <p:spTree>
@@ -20901,410 +21032,6 @@
                       <a:pPr fontAlgn="t"/>
                       <a:r>
                         <a:rPr lang="en-US" dirty="0"/>
-                        <a:t>Initiator identity verified by responder; SA established</a:t>
-                      </a:r>
-                    </a:p>
-                  </a:txBody>
-                  <a:tcPr marL="47625" marR="47625" marT="47625" marB="47625">
-                    <a:lnL>
-                      <a:noFill/>
-                    </a:lnL>
-                    <a:lnR>
-                      <a:noFill/>
-                    </a:lnR>
-                    <a:lnT>
-                      <a:noFill/>
-                    </a:lnT>
-                    <a:lnB>
-                      <a:noFill/>
-                    </a:lnB>
-                    <a:solidFill>
-                      <a:srgbClr val="FFFFFF"/>
-                    </a:solidFill>
-                  </a:tcPr>
-                </a:tc>
-                <a:extLst>
-                  <a:ext uri="{0D108BD9-81ED-4DB2-BD59-A6C34878D82A}">
-                    <a16:rowId xmlns:a16="http://schemas.microsoft.com/office/drawing/2014/main" val="10002"/>
-                  </a:ext>
-                </a:extLst>
-              </a:tr>
-            </a:tbl>
-          </a:graphicData>
-        </a:graphic>
-      </p:graphicFrame>
-    </p:spTree>
-  </p:cSld>
-  <p:clrMapOvr>
-    <a:masterClrMapping/>
-  </p:clrMapOvr>
-</p:sld>
-</file>
-
-<file path=ppt/slides/slide54.xml><?xml version="1.0" encoding="utf-8"?>
-<p:sld xmlns:a="http://schemas.openxmlformats.org/drawingml/2006/main" xmlns:r="http://schemas.openxmlformats.org/officeDocument/2006/relationships" xmlns:p="http://schemas.openxmlformats.org/presentationml/2006/main">
-  <p:cSld>
-    <p:spTree>
-      <p:nvGrpSpPr>
-        <p:cNvPr id="1" name=""/>
-        <p:cNvGrpSpPr/>
-        <p:nvPr/>
-      </p:nvGrpSpPr>
-      <p:grpSpPr>
-        <a:xfrm>
-          <a:off x="0" y="0"/>
-          <a:ext cx="0" cy="0"/>
-          <a:chOff x="0" y="0"/>
-          <a:chExt cx="0" cy="0"/>
-        </a:xfrm>
-      </p:grpSpPr>
-      <p:sp>
-        <p:nvSpPr>
-          <p:cNvPr id="2" name="Titolo 1"/>
-          <p:cNvSpPr>
-            <a:spLocks noGrp="1"/>
-          </p:cNvSpPr>
-          <p:nvPr>
-            <p:ph type="title"/>
-          </p:nvPr>
-        </p:nvSpPr>
-        <p:spPr>
-          <a:xfrm>
-            <a:off x="266700" y="332656"/>
-            <a:ext cx="8610600" cy="882650"/>
-          </a:xfrm>
-        </p:spPr>
-        <p:txBody>
-          <a:bodyPr/>
-          <a:lstStyle/>
-          <a:p>
-            <a:r>
-              <a:rPr lang="it-IT" b="1" dirty="0" err="1"/>
-              <a:t>Authentication</a:t>
-            </a:r>
-            <a:r>
-              <a:rPr lang="it-IT" b="1" dirty="0"/>
-              <a:t> </a:t>
-            </a:r>
-            <a:r>
-              <a:rPr lang="it-IT" b="1" dirty="0" err="1"/>
-              <a:t>Only</a:t>
-            </a:r>
-            <a:r>
-              <a:rPr lang="it-IT" b="1" dirty="0"/>
-              <a:t> Exchange</a:t>
-            </a:r>
-          </a:p>
-        </p:txBody>
-      </p:sp>
-      <p:sp>
-        <p:nvSpPr>
-          <p:cNvPr id="7" name="Rettangolo 6"/>
-          <p:cNvSpPr/>
-          <p:nvPr/>
-        </p:nvSpPr>
-        <p:spPr>
-          <a:xfrm>
-            <a:off x="214282" y="4000504"/>
-            <a:ext cx="8715436" cy="1938992"/>
-          </a:xfrm>
-          <a:prstGeom prst="rect">
-            <a:avLst/>
-          </a:prstGeom>
-        </p:spPr>
-        <p:txBody>
-          <a:bodyPr wrap="square">
-            <a:spAutoFit/>
-          </a:bodyPr>
-          <a:lstStyle/>
-          <a:p>
-            <a:pPr algn="just">
-              <a:buFont typeface="Arial" pitchFamily="34" charset="0"/>
-              <a:buChar char="•"/>
-            </a:pPr>
-            <a:r>
-              <a:rPr lang="en-US" sz="2400" dirty="0"/>
-              <a:t> The first two messages establish the SA. </a:t>
-            </a:r>
-          </a:p>
-          <a:p>
-            <a:pPr algn="just">
-              <a:buFont typeface="Arial" pitchFamily="34" charset="0"/>
-              <a:buChar char="•"/>
-            </a:pPr>
-            <a:r>
-              <a:rPr lang="en-US" sz="2400" dirty="0"/>
-              <a:t> In addition, the responder uses the second message to convey its ID and uses authentication to protect the message.</a:t>
-            </a:r>
-          </a:p>
-          <a:p>
-            <a:pPr algn="just">
-              <a:buFont typeface="Arial" pitchFamily="34" charset="0"/>
-              <a:buChar char="•"/>
-            </a:pPr>
-            <a:r>
-              <a:rPr lang="en-US" sz="2400" dirty="0"/>
-              <a:t> The initiator sends the third message to transmit its authenticated ID</a:t>
-            </a:r>
-            <a:endParaRPr lang="it-IT" sz="2400" dirty="0"/>
-          </a:p>
-        </p:txBody>
-      </p:sp>
-      <p:graphicFrame>
-        <p:nvGraphicFramePr>
-          <p:cNvPr id="10" name="Tabella 9"/>
-          <p:cNvGraphicFramePr>
-            <a:graphicFrameLocks noGrp="1"/>
-          </p:cNvGraphicFramePr>
-          <p:nvPr/>
-        </p:nvGraphicFramePr>
-        <p:xfrm>
-          <a:off x="1928794" y="1357298"/>
-          <a:ext cx="4857784" cy="2071701"/>
-        </p:xfrm>
-        <a:graphic>
-          <a:graphicData uri="http://schemas.openxmlformats.org/drawingml/2006/table">
-            <a:tbl>
-              <a:tblPr/>
-              <a:tblGrid>
-                <a:gridCol w="2428892">
-                  <a:extLst>
-                    <a:ext uri="{9D8B030D-6E8A-4147-A177-3AD203B41FA5}">
-                      <a16:colId xmlns:a16="http://schemas.microsoft.com/office/drawing/2014/main" val="20000"/>
-                    </a:ext>
-                  </a:extLst>
-                </a:gridCol>
-                <a:gridCol w="2428892">
-                  <a:extLst>
-                    <a:ext uri="{9D8B030D-6E8A-4147-A177-3AD203B41FA5}">
-                      <a16:colId xmlns:a16="http://schemas.microsoft.com/office/drawing/2014/main" val="20001"/>
-                    </a:ext>
-                  </a:extLst>
-                </a:gridCol>
-              </a:tblGrid>
-              <a:tr h="690567">
-                <a:tc>
-                  <a:txBody>
-                    <a:bodyPr/>
-                    <a:lstStyle/>
-                    <a:p>
-                      <a:pPr algn="l" fontAlgn="t"/>
-                      <a:r>
-                        <a:rPr lang="it-IT" sz="1200" dirty="0"/>
-                        <a:t>(1) I → R : SA; NONCE </a:t>
-                      </a:r>
-                    </a:p>
-                  </a:txBody>
-                  <a:tcPr marL="47625" marR="47625" marT="47625" marB="47625">
-                    <a:lnL>
-                      <a:noFill/>
-                    </a:lnL>
-                    <a:lnR>
-                      <a:noFill/>
-                    </a:lnR>
-                    <a:lnT>
-                      <a:noFill/>
-                    </a:lnT>
-                    <a:lnB>
-                      <a:noFill/>
-                    </a:lnB>
-                    <a:solidFill>
-                      <a:srgbClr val="FFFFFF"/>
-                    </a:solidFill>
-                  </a:tcPr>
-                </a:tc>
-                <a:tc>
-                  <a:txBody>
-                    <a:bodyPr/>
-                    <a:lstStyle/>
-                    <a:p>
-                      <a:pPr fontAlgn="t"/>
-                      <a:r>
-                        <a:rPr lang="it-IT" sz="1200"/>
-                        <a:t>Begin ISAKMP-SA negotiation</a:t>
-                      </a:r>
-                    </a:p>
-                  </a:txBody>
-                  <a:tcPr marL="47625" marR="47625" marT="47625" marB="47625">
-                    <a:lnL>
-                      <a:noFill/>
-                    </a:lnL>
-                    <a:lnR>
-                      <a:noFill/>
-                    </a:lnR>
-                    <a:lnT>
-                      <a:noFill/>
-                    </a:lnT>
-                    <a:lnB>
-                      <a:noFill/>
-                    </a:lnB>
-                    <a:solidFill>
-                      <a:srgbClr val="FFFFFF"/>
-                    </a:solidFill>
-                  </a:tcPr>
-                </a:tc>
-                <a:extLst>
-                  <a:ext uri="{0D108BD9-81ED-4DB2-BD59-A6C34878D82A}">
-                    <a16:rowId xmlns:a16="http://schemas.microsoft.com/office/drawing/2014/main" val="10000"/>
-                  </a:ext>
-                </a:extLst>
-              </a:tr>
-              <a:tr h="690567">
-                <a:tc>
-                  <a:txBody>
-                    <a:bodyPr/>
-                    <a:lstStyle/>
-                    <a:p>
-                      <a:pPr algn="l" fontAlgn="t"/>
-                      <a:r>
-                        <a:rPr lang="pt-BR" sz="1200" dirty="0"/>
-                        <a:t>(2) R </a:t>
-                      </a:r>
-                      <a:r>
-                        <a:rPr lang="it-IT" sz="1200" dirty="0"/>
-                        <a:t>→</a:t>
-                      </a:r>
-                      <a:r>
-                        <a:rPr lang="pt-BR" sz="1200" dirty="0"/>
-                        <a:t> E : SA; NONCE; ID</a:t>
-                      </a:r>
-                      <a:r>
-                        <a:rPr lang="pt-BR" sz="1200" kern="1200" baseline="-75000" dirty="0">
-                          <a:solidFill>
-                            <a:schemeClr val="tx1"/>
-                          </a:solidFill>
-                          <a:latin typeface="+mn-lt"/>
-                          <a:ea typeface="+mn-ea"/>
-                          <a:cs typeface="+mn-cs"/>
-                        </a:rPr>
-                        <a:t>R</a:t>
-                      </a:r>
-                      <a:r>
-                        <a:rPr lang="pt-BR" sz="1200" baseline="-25000" dirty="0"/>
-                        <a:t> </a:t>
-                      </a:r>
-                      <a:r>
-                        <a:rPr lang="pt-BR" sz="1200" dirty="0"/>
-                        <a:t>; AUTH</a:t>
-                      </a:r>
-                    </a:p>
-                  </a:txBody>
-                  <a:tcPr marL="47625" marR="47625" marT="47625" marB="47625">
-                    <a:lnL>
-                      <a:noFill/>
-                    </a:lnL>
-                    <a:lnR>
-                      <a:noFill/>
-                    </a:lnR>
-                    <a:lnT>
-                      <a:noFill/>
-                    </a:lnT>
-                    <a:lnB>
-                      <a:noFill/>
-                    </a:lnB>
-                    <a:solidFill>
-                      <a:srgbClr val="FFFFFF"/>
-                    </a:solidFill>
-                  </a:tcPr>
-                </a:tc>
-                <a:tc>
-                  <a:txBody>
-                    <a:bodyPr/>
-                    <a:lstStyle/>
-                    <a:p>
-                      <a:pPr fontAlgn="t"/>
-                      <a:r>
-                        <a:rPr lang="en-US" sz="1200"/>
-                        <a:t>Basic SA agreed upon; Responder identity verified by initiator</a:t>
-                      </a:r>
-                    </a:p>
-                  </a:txBody>
-                  <a:tcPr marL="47625" marR="47625" marT="47625" marB="47625">
-                    <a:lnL>
-                      <a:noFill/>
-                    </a:lnL>
-                    <a:lnR>
-                      <a:noFill/>
-                    </a:lnR>
-                    <a:lnT>
-                      <a:noFill/>
-                    </a:lnT>
-                    <a:lnB>
-                      <a:noFill/>
-                    </a:lnB>
-                    <a:solidFill>
-                      <a:srgbClr val="FFFFFF"/>
-                    </a:solidFill>
-                  </a:tcPr>
-                </a:tc>
-                <a:extLst>
-                  <a:ext uri="{0D108BD9-81ED-4DB2-BD59-A6C34878D82A}">
-                    <a16:rowId xmlns:a16="http://schemas.microsoft.com/office/drawing/2014/main" val="10001"/>
-                  </a:ext>
-                </a:extLst>
-              </a:tr>
-              <a:tr h="690567">
-                <a:tc>
-                  <a:txBody>
-                    <a:bodyPr/>
-                    <a:lstStyle/>
-                    <a:p>
-                      <a:pPr algn="l" fontAlgn="t"/>
-                      <a:r>
-                        <a:rPr lang="nn-NO" sz="1200" dirty="0"/>
-                        <a:t>(3) I </a:t>
-                      </a:r>
-                      <a:r>
-                        <a:rPr lang="it-IT" sz="1200" dirty="0"/>
-                        <a:t>→</a:t>
-                      </a:r>
-                      <a:r>
-                        <a:rPr lang="nn-NO" sz="1200" dirty="0"/>
-                        <a:t> R : ID</a:t>
-                      </a:r>
-                      <a:r>
-                        <a:rPr lang="nn-NO" sz="1200" kern="1200" baseline="-75000" dirty="0">
-                          <a:solidFill>
-                            <a:schemeClr val="tx1"/>
-                          </a:solidFill>
-                          <a:latin typeface="+mn-lt"/>
-                          <a:ea typeface="+mn-ea"/>
-                          <a:cs typeface="+mn-cs"/>
-                        </a:rPr>
-                        <a:t>I</a:t>
-                      </a:r>
-                      <a:r>
-                        <a:rPr lang="nn-NO" sz="1200" dirty="0"/>
-                        <a:t>; AUTH</a:t>
-                      </a:r>
-                    </a:p>
-                  </a:txBody>
-                  <a:tcPr marL="47625" marR="47625" marT="47625" marB="47625">
-                    <a:lnL>
-                      <a:noFill/>
-                    </a:lnL>
-                    <a:lnR>
-                      <a:noFill/>
-                    </a:lnR>
-                    <a:lnT>
-                      <a:noFill/>
-                    </a:lnT>
-                    <a:lnB>
-                      <a:noFill/>
-                    </a:lnB>
-                    <a:solidFill>
-                      <a:srgbClr val="FFFFFF"/>
-                    </a:solidFill>
-                  </a:tcPr>
-                </a:tc>
-                <a:tc>
-                  <a:txBody>
-                    <a:bodyPr/>
-                    <a:lstStyle/>
-                    <a:p>
-                      <a:pPr fontAlgn="t"/>
-                      <a:r>
-                        <a:rPr lang="en-US" sz="1200" dirty="0"/>
                         <a:t>Initiator identity verified by responder; SA established</a:t>
                       </a:r>
                     </a:p>
@@ -21374,6 +21101,410 @@
         </p:nvSpPr>
         <p:spPr>
           <a:xfrm>
+            <a:off x="266700" y="332656"/>
+            <a:ext cx="8610600" cy="882650"/>
+          </a:xfrm>
+        </p:spPr>
+        <p:txBody>
+          <a:bodyPr/>
+          <a:lstStyle/>
+          <a:p>
+            <a:r>
+              <a:rPr lang="it-IT" b="1" dirty="0" err="1"/>
+              <a:t>Authentication</a:t>
+            </a:r>
+            <a:r>
+              <a:rPr lang="it-IT" b="1" dirty="0"/>
+              <a:t> </a:t>
+            </a:r>
+            <a:r>
+              <a:rPr lang="it-IT" b="1" dirty="0" err="1"/>
+              <a:t>Only</a:t>
+            </a:r>
+            <a:r>
+              <a:rPr lang="it-IT" b="1" dirty="0"/>
+              <a:t> Exchange</a:t>
+            </a:r>
+          </a:p>
+        </p:txBody>
+      </p:sp>
+      <p:sp>
+        <p:nvSpPr>
+          <p:cNvPr id="7" name="Rettangolo 6"/>
+          <p:cNvSpPr/>
+          <p:nvPr/>
+        </p:nvSpPr>
+        <p:spPr>
+          <a:xfrm>
+            <a:off x="214282" y="4000504"/>
+            <a:ext cx="8715436" cy="1938992"/>
+          </a:xfrm>
+          <a:prstGeom prst="rect">
+            <a:avLst/>
+          </a:prstGeom>
+        </p:spPr>
+        <p:txBody>
+          <a:bodyPr wrap="square">
+            <a:spAutoFit/>
+          </a:bodyPr>
+          <a:lstStyle/>
+          <a:p>
+            <a:pPr algn="just">
+              <a:buFont typeface="Arial" pitchFamily="34" charset="0"/>
+              <a:buChar char="•"/>
+            </a:pPr>
+            <a:r>
+              <a:rPr lang="en-US" sz="2400" dirty="0"/>
+              <a:t> The first two messages establish the SA. </a:t>
+            </a:r>
+          </a:p>
+          <a:p>
+            <a:pPr algn="just">
+              <a:buFont typeface="Arial" pitchFamily="34" charset="0"/>
+              <a:buChar char="•"/>
+            </a:pPr>
+            <a:r>
+              <a:rPr lang="en-US" sz="2400" dirty="0"/>
+              <a:t> In addition, the responder uses the second message to convey its ID and uses authentication to protect the message.</a:t>
+            </a:r>
+          </a:p>
+          <a:p>
+            <a:pPr algn="just">
+              <a:buFont typeface="Arial" pitchFamily="34" charset="0"/>
+              <a:buChar char="•"/>
+            </a:pPr>
+            <a:r>
+              <a:rPr lang="en-US" sz="2400" dirty="0"/>
+              <a:t> The initiator sends the third message to transmit its authenticated ID</a:t>
+            </a:r>
+            <a:endParaRPr lang="it-IT" sz="2400" dirty="0"/>
+          </a:p>
+        </p:txBody>
+      </p:sp>
+      <p:graphicFrame>
+        <p:nvGraphicFramePr>
+          <p:cNvPr id="10" name="Tabella 9"/>
+          <p:cNvGraphicFramePr>
+            <a:graphicFrameLocks noGrp="1"/>
+          </p:cNvGraphicFramePr>
+          <p:nvPr/>
+        </p:nvGraphicFramePr>
+        <p:xfrm>
+          <a:off x="1928794" y="1357298"/>
+          <a:ext cx="4857784" cy="2071701"/>
+        </p:xfrm>
+        <a:graphic>
+          <a:graphicData uri="http://schemas.openxmlformats.org/drawingml/2006/table">
+            <a:tbl>
+              <a:tblPr/>
+              <a:tblGrid>
+                <a:gridCol w="2428892">
+                  <a:extLst>
+                    <a:ext uri="{9D8B030D-6E8A-4147-A177-3AD203B41FA5}">
+                      <a16:colId xmlns:a16="http://schemas.microsoft.com/office/drawing/2014/main" val="20000"/>
+                    </a:ext>
+                  </a:extLst>
+                </a:gridCol>
+                <a:gridCol w="2428892">
+                  <a:extLst>
+                    <a:ext uri="{9D8B030D-6E8A-4147-A177-3AD203B41FA5}">
+                      <a16:colId xmlns:a16="http://schemas.microsoft.com/office/drawing/2014/main" val="20001"/>
+                    </a:ext>
+                  </a:extLst>
+                </a:gridCol>
+              </a:tblGrid>
+              <a:tr h="690567">
+                <a:tc>
+                  <a:txBody>
+                    <a:bodyPr/>
+                    <a:lstStyle/>
+                    <a:p>
+                      <a:pPr algn="l" fontAlgn="t"/>
+                      <a:r>
+                        <a:rPr lang="it-IT" sz="1200" dirty="0"/>
+                        <a:t>(1) I → R : SA; NONCE </a:t>
+                      </a:r>
+                    </a:p>
+                  </a:txBody>
+                  <a:tcPr marL="47625" marR="47625" marT="47625" marB="47625">
+                    <a:lnL>
+                      <a:noFill/>
+                    </a:lnL>
+                    <a:lnR>
+                      <a:noFill/>
+                    </a:lnR>
+                    <a:lnT>
+                      <a:noFill/>
+                    </a:lnT>
+                    <a:lnB>
+                      <a:noFill/>
+                    </a:lnB>
+                    <a:solidFill>
+                      <a:srgbClr val="FFFFFF"/>
+                    </a:solidFill>
+                  </a:tcPr>
+                </a:tc>
+                <a:tc>
+                  <a:txBody>
+                    <a:bodyPr/>
+                    <a:lstStyle/>
+                    <a:p>
+                      <a:pPr fontAlgn="t"/>
+                      <a:r>
+                        <a:rPr lang="it-IT" sz="1200"/>
+                        <a:t>Begin ISAKMP-SA negotiation</a:t>
+                      </a:r>
+                    </a:p>
+                  </a:txBody>
+                  <a:tcPr marL="47625" marR="47625" marT="47625" marB="47625">
+                    <a:lnL>
+                      <a:noFill/>
+                    </a:lnL>
+                    <a:lnR>
+                      <a:noFill/>
+                    </a:lnR>
+                    <a:lnT>
+                      <a:noFill/>
+                    </a:lnT>
+                    <a:lnB>
+                      <a:noFill/>
+                    </a:lnB>
+                    <a:solidFill>
+                      <a:srgbClr val="FFFFFF"/>
+                    </a:solidFill>
+                  </a:tcPr>
+                </a:tc>
+                <a:extLst>
+                  <a:ext uri="{0D108BD9-81ED-4DB2-BD59-A6C34878D82A}">
+                    <a16:rowId xmlns:a16="http://schemas.microsoft.com/office/drawing/2014/main" val="10000"/>
+                  </a:ext>
+                </a:extLst>
+              </a:tr>
+              <a:tr h="690567">
+                <a:tc>
+                  <a:txBody>
+                    <a:bodyPr/>
+                    <a:lstStyle/>
+                    <a:p>
+                      <a:pPr algn="l" fontAlgn="t"/>
+                      <a:r>
+                        <a:rPr lang="pt-BR" sz="1200" dirty="0"/>
+                        <a:t>(2) R </a:t>
+                      </a:r>
+                      <a:r>
+                        <a:rPr lang="it-IT" sz="1200" dirty="0"/>
+                        <a:t>→</a:t>
+                      </a:r>
+                      <a:r>
+                        <a:rPr lang="pt-BR" sz="1200" dirty="0"/>
+                        <a:t> E : SA; NONCE; ID</a:t>
+                      </a:r>
+                      <a:r>
+                        <a:rPr lang="pt-BR" sz="1200" kern="1200" baseline="-75000" dirty="0">
+                          <a:solidFill>
+                            <a:schemeClr val="tx1"/>
+                          </a:solidFill>
+                          <a:latin typeface="+mn-lt"/>
+                          <a:ea typeface="+mn-ea"/>
+                          <a:cs typeface="+mn-cs"/>
+                        </a:rPr>
+                        <a:t>R</a:t>
+                      </a:r>
+                      <a:r>
+                        <a:rPr lang="pt-BR" sz="1200" baseline="-25000" dirty="0"/>
+                        <a:t> </a:t>
+                      </a:r>
+                      <a:r>
+                        <a:rPr lang="pt-BR" sz="1200" dirty="0"/>
+                        <a:t>; AUTH</a:t>
+                      </a:r>
+                    </a:p>
+                  </a:txBody>
+                  <a:tcPr marL="47625" marR="47625" marT="47625" marB="47625">
+                    <a:lnL>
+                      <a:noFill/>
+                    </a:lnL>
+                    <a:lnR>
+                      <a:noFill/>
+                    </a:lnR>
+                    <a:lnT>
+                      <a:noFill/>
+                    </a:lnT>
+                    <a:lnB>
+                      <a:noFill/>
+                    </a:lnB>
+                    <a:solidFill>
+                      <a:srgbClr val="FFFFFF"/>
+                    </a:solidFill>
+                  </a:tcPr>
+                </a:tc>
+                <a:tc>
+                  <a:txBody>
+                    <a:bodyPr/>
+                    <a:lstStyle/>
+                    <a:p>
+                      <a:pPr fontAlgn="t"/>
+                      <a:r>
+                        <a:rPr lang="en-US" sz="1200"/>
+                        <a:t>Basic SA agreed upon; Responder identity verified by initiator</a:t>
+                      </a:r>
+                    </a:p>
+                  </a:txBody>
+                  <a:tcPr marL="47625" marR="47625" marT="47625" marB="47625">
+                    <a:lnL>
+                      <a:noFill/>
+                    </a:lnL>
+                    <a:lnR>
+                      <a:noFill/>
+                    </a:lnR>
+                    <a:lnT>
+                      <a:noFill/>
+                    </a:lnT>
+                    <a:lnB>
+                      <a:noFill/>
+                    </a:lnB>
+                    <a:solidFill>
+                      <a:srgbClr val="FFFFFF"/>
+                    </a:solidFill>
+                  </a:tcPr>
+                </a:tc>
+                <a:extLst>
+                  <a:ext uri="{0D108BD9-81ED-4DB2-BD59-A6C34878D82A}">
+                    <a16:rowId xmlns:a16="http://schemas.microsoft.com/office/drawing/2014/main" val="10001"/>
+                  </a:ext>
+                </a:extLst>
+              </a:tr>
+              <a:tr h="690567">
+                <a:tc>
+                  <a:txBody>
+                    <a:bodyPr/>
+                    <a:lstStyle/>
+                    <a:p>
+                      <a:pPr algn="l" fontAlgn="t"/>
+                      <a:r>
+                        <a:rPr lang="nn-NO" sz="1200" dirty="0"/>
+                        <a:t>(3) I </a:t>
+                      </a:r>
+                      <a:r>
+                        <a:rPr lang="it-IT" sz="1200" dirty="0"/>
+                        <a:t>→</a:t>
+                      </a:r>
+                      <a:r>
+                        <a:rPr lang="nn-NO" sz="1200" dirty="0"/>
+                        <a:t> R : ID</a:t>
+                      </a:r>
+                      <a:r>
+                        <a:rPr lang="nn-NO" sz="1200" kern="1200" baseline="-75000" dirty="0">
+                          <a:solidFill>
+                            <a:schemeClr val="tx1"/>
+                          </a:solidFill>
+                          <a:latin typeface="+mn-lt"/>
+                          <a:ea typeface="+mn-ea"/>
+                          <a:cs typeface="+mn-cs"/>
+                        </a:rPr>
+                        <a:t>I</a:t>
+                      </a:r>
+                      <a:r>
+                        <a:rPr lang="nn-NO" sz="1200" dirty="0"/>
+                        <a:t>; AUTH</a:t>
+                      </a:r>
+                    </a:p>
+                  </a:txBody>
+                  <a:tcPr marL="47625" marR="47625" marT="47625" marB="47625">
+                    <a:lnL>
+                      <a:noFill/>
+                    </a:lnL>
+                    <a:lnR>
+                      <a:noFill/>
+                    </a:lnR>
+                    <a:lnT>
+                      <a:noFill/>
+                    </a:lnT>
+                    <a:lnB>
+                      <a:noFill/>
+                    </a:lnB>
+                    <a:solidFill>
+                      <a:srgbClr val="FFFFFF"/>
+                    </a:solidFill>
+                  </a:tcPr>
+                </a:tc>
+                <a:tc>
+                  <a:txBody>
+                    <a:bodyPr/>
+                    <a:lstStyle/>
+                    <a:p>
+                      <a:pPr fontAlgn="t"/>
+                      <a:r>
+                        <a:rPr lang="en-US" sz="1200" dirty="0"/>
+                        <a:t>Initiator identity verified by responder; SA established</a:t>
+                      </a:r>
+                    </a:p>
+                  </a:txBody>
+                  <a:tcPr marL="47625" marR="47625" marT="47625" marB="47625">
+                    <a:lnL>
+                      <a:noFill/>
+                    </a:lnL>
+                    <a:lnR>
+                      <a:noFill/>
+                    </a:lnR>
+                    <a:lnT>
+                      <a:noFill/>
+                    </a:lnT>
+                    <a:lnB>
+                      <a:noFill/>
+                    </a:lnB>
+                    <a:solidFill>
+                      <a:srgbClr val="FFFFFF"/>
+                    </a:solidFill>
+                  </a:tcPr>
+                </a:tc>
+                <a:extLst>
+                  <a:ext uri="{0D108BD9-81ED-4DB2-BD59-A6C34878D82A}">
+                    <a16:rowId xmlns:a16="http://schemas.microsoft.com/office/drawing/2014/main" val="10002"/>
+                  </a:ext>
+                </a:extLst>
+              </a:tr>
+            </a:tbl>
+          </a:graphicData>
+        </a:graphic>
+      </p:graphicFrame>
+    </p:spTree>
+  </p:cSld>
+  <p:clrMapOvr>
+    <a:masterClrMapping/>
+  </p:clrMapOvr>
+</p:sld>
+</file>
+
+<file path=ppt/slides/slide56.xml><?xml version="1.0" encoding="utf-8"?>
+<p:sld xmlns:a="http://schemas.openxmlformats.org/drawingml/2006/main" xmlns:r="http://schemas.openxmlformats.org/officeDocument/2006/relationships" xmlns:p="http://schemas.openxmlformats.org/presentationml/2006/main">
+  <p:cSld>
+    <p:spTree>
+      <p:nvGrpSpPr>
+        <p:cNvPr id="1" name=""/>
+        <p:cNvGrpSpPr/>
+        <p:nvPr/>
+      </p:nvGrpSpPr>
+      <p:grpSpPr>
+        <a:xfrm>
+          <a:off x="0" y="0"/>
+          <a:ext cx="0" cy="0"/>
+          <a:chOff x="0" y="0"/>
+          <a:chExt cx="0" cy="0"/>
+        </a:xfrm>
+      </p:grpSpPr>
+      <p:sp>
+        <p:nvSpPr>
+          <p:cNvPr id="2" name="Titolo 1"/>
+          <p:cNvSpPr>
+            <a:spLocks noGrp="1"/>
+          </p:cNvSpPr>
+          <p:nvPr>
+            <p:ph type="title"/>
+          </p:nvPr>
+        </p:nvSpPr>
+        <p:spPr>
+          <a:xfrm>
             <a:off x="236627" y="188640"/>
             <a:ext cx="8610600" cy="882650"/>
           </a:xfrm>
@@ -21756,7 +21887,7 @@
 </p:sld>
 </file>
 
-<file path=ppt/slides/slide56.xml><?xml version="1.0" encoding="utf-8"?>
+<file path=ppt/slides/slide57.xml><?xml version="1.0" encoding="utf-8"?>
 <p:sld xmlns:a="http://schemas.openxmlformats.org/drawingml/2006/main" xmlns:r="http://schemas.openxmlformats.org/officeDocument/2006/relationships" xmlns:p="http://schemas.openxmlformats.org/presentationml/2006/main">
   <p:cSld>
     <p:spTree>
@@ -22142,7 +22273,7 @@
 </p:sld>
 </file>
 
-<file path=ppt/slides/slide57.xml><?xml version="1.0" encoding="utf-8"?>
+<file path=ppt/slides/slide58.xml><?xml version="1.0" encoding="utf-8"?>
 <p:sld xmlns:a="http://schemas.openxmlformats.org/drawingml/2006/main" xmlns:r="http://schemas.openxmlformats.org/officeDocument/2006/relationships" xmlns:p="http://schemas.openxmlformats.org/presentationml/2006/main">
   <p:cSld>
     <p:spTree>
@@ -22422,166 +22553,6 @@
 </p:sld>
 </file>
 
-<file path=ppt/slides/slide58.xml><?xml version="1.0" encoding="utf-8"?>
-<p:sld xmlns:a="http://schemas.openxmlformats.org/drawingml/2006/main" xmlns:r="http://schemas.openxmlformats.org/officeDocument/2006/relationships" xmlns:p="http://schemas.openxmlformats.org/presentationml/2006/main">
-  <p:cSld>
-    <p:spTree>
-      <p:nvGrpSpPr>
-        <p:cNvPr id="1" name=""/>
-        <p:cNvGrpSpPr/>
-        <p:nvPr/>
-      </p:nvGrpSpPr>
-      <p:grpSpPr>
-        <a:xfrm>
-          <a:off x="0" y="0"/>
-          <a:ext cx="0" cy="0"/>
-          <a:chOff x="0" y="0"/>
-          <a:chExt cx="0" cy="0"/>
-        </a:xfrm>
-      </p:grpSpPr>
-      <p:sp>
-        <p:nvSpPr>
-          <p:cNvPr id="2" name="Titolo 1"/>
-          <p:cNvSpPr>
-            <a:spLocks noGrp="1"/>
-          </p:cNvSpPr>
-          <p:nvPr>
-            <p:ph type="title"/>
-          </p:nvPr>
-        </p:nvSpPr>
-        <p:spPr/>
-        <p:txBody>
-          <a:bodyPr/>
-          <a:lstStyle/>
-          <a:p>
-            <a:r>
-              <a:rPr lang="it-IT" b="1" dirty="0"/>
-              <a:t>Security </a:t>
-            </a:r>
-            <a:r>
-              <a:rPr lang="it-IT" b="1" dirty="0" err="1"/>
-              <a:t>Association</a:t>
-            </a:r>
-            <a:endParaRPr lang="it-IT" b="1" dirty="0"/>
-          </a:p>
-        </p:txBody>
-      </p:sp>
-      <p:sp>
-        <p:nvSpPr>
-          <p:cNvPr id="3" name="Segnaposto contenuto 2"/>
-          <p:cNvSpPr>
-            <a:spLocks noGrp="1"/>
-          </p:cNvSpPr>
-          <p:nvPr>
-            <p:ph idx="1"/>
-          </p:nvPr>
-        </p:nvSpPr>
-        <p:spPr/>
-        <p:txBody>
-          <a:bodyPr>
-            <a:normAutofit/>
-          </a:bodyPr>
-          <a:lstStyle/>
-          <a:p>
-            <a:pPr algn="just"/>
-            <a:r>
-              <a:rPr lang="en-US" dirty="0"/>
-              <a:t>The concept of a </a:t>
-            </a:r>
-            <a:r>
-              <a:rPr lang="en-US" i="1" dirty="0"/>
-              <a:t>security association </a:t>
-            </a:r>
-            <a:r>
-              <a:rPr lang="en-US" dirty="0"/>
-              <a:t>(SA) is fundamental to IPSec</a:t>
-            </a:r>
-            <a:r>
-              <a:rPr lang="it-IT" dirty="0"/>
-              <a:t>, </a:t>
-            </a:r>
-            <a:r>
-              <a:rPr lang="en-US" dirty="0"/>
-              <a:t>but neither AH or ESP are concerned with the SA management</a:t>
-            </a:r>
-            <a:endParaRPr lang="it-IT" dirty="0"/>
-          </a:p>
-          <a:p>
-            <a:pPr algn="just"/>
-            <a:r>
-              <a:rPr lang="en-US" dirty="0"/>
-              <a:t>The security associations can be built manually or automatically</a:t>
-            </a:r>
-            <a:r>
-              <a:rPr lang="it-IT" dirty="0"/>
-              <a:t> </a:t>
-            </a:r>
-          </a:p>
-          <a:p>
-            <a:pPr lvl="1" algn="just"/>
-            <a:r>
-              <a:rPr lang="en-US" dirty="0"/>
-              <a:t>their management manual is not always practicable</a:t>
-            </a:r>
-          </a:p>
-          <a:p>
-            <a:pPr lvl="1" algn="just"/>
-            <a:r>
-              <a:rPr lang="it-IT" b="1" dirty="0"/>
-              <a:t>IKE </a:t>
-            </a:r>
-            <a:r>
-              <a:rPr lang="it-IT" dirty="0"/>
-              <a:t>(</a:t>
-            </a:r>
-            <a:r>
-              <a:rPr lang="it-IT" b="1" dirty="0"/>
-              <a:t>Internet Key Exchange</a:t>
-            </a:r>
-            <a:r>
-              <a:rPr lang="it-IT" dirty="0"/>
-              <a:t>) </a:t>
-            </a:r>
-            <a:r>
-              <a:rPr lang="it-IT" dirty="0" err="1"/>
-              <a:t>protocol</a:t>
-            </a:r>
-            <a:r>
-              <a:rPr lang="it-IT" dirty="0"/>
-              <a:t> </a:t>
-            </a:r>
-            <a:r>
-              <a:rPr lang="it-IT" dirty="0" err="1"/>
-              <a:t>solves</a:t>
-            </a:r>
-            <a:r>
-              <a:rPr lang="it-IT" dirty="0"/>
-              <a:t> </a:t>
-            </a:r>
-            <a:r>
-              <a:rPr lang="it-IT" dirty="0" err="1"/>
-              <a:t>this</a:t>
-            </a:r>
-            <a:r>
-              <a:rPr lang="it-IT" dirty="0"/>
-              <a:t> </a:t>
-            </a:r>
-            <a:r>
-              <a:rPr lang="it-IT" dirty="0" err="1"/>
-              <a:t>problem</a:t>
-            </a:r>
-            <a:endParaRPr lang="it-IT" dirty="0"/>
-          </a:p>
-        </p:txBody>
-      </p:sp>
-    </p:spTree>
-  </p:cSld>
-  <p:clrMapOvr>
-    <a:masterClrMapping/>
-  </p:clrMapOvr>
-</p:sld>
-</file>
-
 <file path=ppt/slides/slide59.xml><?xml version="1.0" encoding="utf-8"?>
 <p:sld xmlns:a="http://schemas.openxmlformats.org/drawingml/2006/main" xmlns:r="http://schemas.openxmlformats.org/officeDocument/2006/relationships" xmlns:p="http://schemas.openxmlformats.org/presentationml/2006/main">
   <p:cSld>
@@ -22616,9 +22587,13 @@
           <a:p>
             <a:r>
               <a:rPr lang="it-IT" b="1" dirty="0"/>
-              <a:t>IKE (Internet Key Exchange)</a:t>
-            </a:r>
-            <a:endParaRPr lang="it-IT" dirty="0"/>
+              <a:t>Security </a:t>
+            </a:r>
+            <a:r>
+              <a:rPr lang="it-IT" b="1" dirty="0" err="1"/>
+              <a:t>Association</a:t>
+            </a:r>
+            <a:endParaRPr lang="it-IT" b="1" dirty="0"/>
           </a:p>
         </p:txBody>
       </p:sp>
@@ -22632,66 +22607,100 @@
             <p:ph idx="1"/>
           </p:nvPr>
         </p:nvSpPr>
-        <p:spPr>
-          <a:xfrm>
-            <a:off x="457200" y="1600200"/>
-            <a:ext cx="8229600" cy="4757758"/>
-          </a:xfrm>
-        </p:spPr>
+        <p:spPr/>
         <p:txBody>
           <a:bodyPr>
             <a:normAutofit/>
           </a:bodyPr>
           <a:lstStyle/>
           <a:p>
-            <a:pPr marL="342900" lvl="1" indent="-342900" algn="just">
-              <a:buFont typeface="Arial" pitchFamily="34" charset="0"/>
-              <a:buChar char="•"/>
-            </a:pPr>
-            <a:r>
-              <a:rPr lang="en-US" sz="3200" dirty="0"/>
-              <a:t>Protocol for automatic key management necessary for all the operations of security provided by IPSec</a:t>
-            </a:r>
-          </a:p>
-          <a:p>
-            <a:pPr marL="742950" lvl="2" indent="-342900" algn="just"/>
-            <a:r>
-              <a:rPr lang="it-IT" dirty="0" err="1"/>
-              <a:t>Hybrid</a:t>
+            <a:pPr algn="just"/>
+            <a:r>
+              <a:rPr lang="en-US" dirty="0"/>
+              <a:t>The concept of a </a:t>
+            </a:r>
+            <a:r>
+              <a:rPr lang="en-US" i="1" dirty="0"/>
+              <a:t>security association </a:t>
+            </a:r>
+            <a:r>
+              <a:rPr lang="en-US" dirty="0"/>
+              <a:t>(SA) is fundamental to IPSec</a:t>
+            </a:r>
+            <a:r>
+              <a:rPr lang="it-IT" dirty="0"/>
+              <a:t>, </a:t>
+            </a:r>
+            <a:r>
+              <a:rPr lang="en-US" dirty="0"/>
+              <a:t>but neither AH or ESP are concerned with the SA management</a:t>
+            </a:r>
+            <a:endParaRPr lang="it-IT" dirty="0"/>
+          </a:p>
+          <a:p>
+            <a:pPr algn="just"/>
+            <a:r>
+              <a:rPr lang="en-US" dirty="0"/>
+              <a:t>The security associations can be built manually or automatically</a:t>
             </a:r>
             <a:r>
               <a:rPr lang="it-IT" dirty="0"/>
               <a:t> </a:t>
             </a:r>
+          </a:p>
+          <a:p>
+            <a:pPr lvl="1" algn="just"/>
+            <a:r>
+              <a:rPr lang="en-US" dirty="0"/>
+              <a:t>their management manual is not always practicable</a:t>
+            </a:r>
+          </a:p>
+          <a:p>
+            <a:pPr lvl="1" algn="just"/>
+            <a:r>
+              <a:rPr lang="it-IT" b="1" dirty="0"/>
+              <a:t>IKE </a:t>
+            </a:r>
+            <a:r>
+              <a:rPr lang="it-IT" dirty="0"/>
+              <a:t>(</a:t>
+            </a:r>
+            <a:r>
+              <a:rPr lang="it-IT" b="1" dirty="0"/>
+              <a:t>Internet Key Exchange</a:t>
+            </a:r>
+            <a:r>
+              <a:rPr lang="it-IT" dirty="0"/>
+              <a:t>) </a:t>
+            </a:r>
             <a:r>
               <a:rPr lang="it-IT" dirty="0" err="1"/>
               <a:t>protocol</a:t>
             </a:r>
-            <a:endParaRPr lang="it-IT" dirty="0"/>
-          </a:p>
-          <a:p>
-            <a:pPr marL="742950" lvl="2" indent="-342900" algn="just"/>
-            <a:r>
-              <a:rPr lang="en-US" dirty="0"/>
-              <a:t>Works in the initial phases of a communication, allowing the creation of SA and archive management to these dedicated</a:t>
-            </a:r>
-          </a:p>
-          <a:p>
-            <a:pPr marL="742950" lvl="2" indent="-342900" algn="just"/>
-            <a:r>
-              <a:rPr lang="en-US" b="1" dirty="0"/>
-              <a:t>ISAKMP </a:t>
-            </a:r>
-            <a:r>
-              <a:rPr lang="en-US" dirty="0"/>
-              <a:t>based</a:t>
-            </a:r>
-            <a:endParaRPr lang="it-IT" b="1" dirty="0"/>
-          </a:p>
-          <a:p>
-            <a:pPr>
-              <a:buNone/>
-            </a:pPr>
+            <a:r>
+              <a:rPr lang="it-IT" dirty="0"/>
+              <a:t> </a:t>
+            </a:r>
+            <a:r>
+              <a:rPr lang="it-IT" dirty="0" err="1"/>
+              <a:t>solves</a:t>
+            </a:r>
+            <a:r>
+              <a:rPr lang="it-IT" dirty="0"/>
+              <a:t> </a:t>
+            </a:r>
+            <a:r>
+              <a:rPr lang="it-IT" dirty="0" err="1"/>
+              <a:t>this</a:t>
+            </a:r>
+            <a:r>
+              <a:rPr lang="it-IT" dirty="0"/>
+              <a:t> </a:t>
+            </a:r>
+            <a:r>
+              <a:rPr lang="it-IT" dirty="0" err="1"/>
+              <a:t>problem</a:t>
+            </a:r>
             <a:endParaRPr lang="it-IT" dirty="0"/>
           </a:p>
         </p:txBody>
@@ -22980,85 +22989,87 @@
         </p:nvSpPr>
         <p:spPr/>
         <p:txBody>
+          <a:bodyPr/>
+          <a:lstStyle/>
+          <a:p>
+            <a:r>
+              <a:rPr lang="it-IT" b="1" dirty="0"/>
+              <a:t>IKE (Internet Key Exchange)</a:t>
+            </a:r>
+            <a:endParaRPr lang="it-IT" dirty="0"/>
+          </a:p>
+        </p:txBody>
+      </p:sp>
+      <p:sp>
+        <p:nvSpPr>
+          <p:cNvPr id="3" name="Segnaposto contenuto 2"/>
+          <p:cNvSpPr>
+            <a:spLocks noGrp="1"/>
+          </p:cNvSpPr>
+          <p:nvPr>
+            <p:ph idx="1"/>
+          </p:nvPr>
+        </p:nvSpPr>
+        <p:spPr>
+          <a:xfrm>
+            <a:off x="457200" y="1600200"/>
+            <a:ext cx="8229600" cy="4757758"/>
+          </a:xfrm>
+        </p:spPr>
+        <p:txBody>
           <a:bodyPr>
             <a:normAutofit/>
           </a:bodyPr>
           <a:lstStyle/>
           <a:p>
-            <a:r>
-              <a:rPr lang="it-IT" b="1" dirty="0"/>
-              <a:t>IKE (Internet Key Exchange)</a:t>
+            <a:pPr marL="342900" lvl="1" indent="-342900" algn="just">
+              <a:buFont typeface="Arial" pitchFamily="34" charset="0"/>
+              <a:buChar char="•"/>
+            </a:pPr>
+            <a:r>
+              <a:rPr lang="en-US" sz="3200" dirty="0"/>
+              <a:t>Protocol for automatic key management necessary for all the operations of security provided by IPSec</a:t>
+            </a:r>
+          </a:p>
+          <a:p>
+            <a:pPr marL="742950" lvl="2" indent="-342900" algn="just"/>
+            <a:r>
+              <a:rPr lang="it-IT" dirty="0" err="1"/>
+              <a:t>Hybrid</a:t>
+            </a:r>
+            <a:r>
+              <a:rPr lang="it-IT" dirty="0"/>
+              <a:t> </a:t>
+            </a:r>
+            <a:r>
+              <a:rPr lang="it-IT" dirty="0" err="1"/>
+              <a:t>protocol</a:t>
             </a:r>
             <a:endParaRPr lang="it-IT" dirty="0"/>
           </a:p>
-        </p:txBody>
-      </p:sp>
-      <p:sp>
-        <p:nvSpPr>
-          <p:cNvPr id="3" name="Segnaposto contenuto 2"/>
-          <p:cNvSpPr>
-            <a:spLocks noGrp="1"/>
-          </p:cNvSpPr>
-          <p:nvPr>
-            <p:ph idx="1"/>
-          </p:nvPr>
-        </p:nvSpPr>
-        <p:spPr/>
-        <p:txBody>
-          <a:bodyPr>
-            <a:normAutofit fontScale="92500" lnSpcReduction="10000"/>
-          </a:bodyPr>
-          <a:lstStyle/>
-          <a:p>
-            <a:pPr algn="just"/>
+          <a:p>
+            <a:pPr marL="742950" lvl="2" indent="-342900" algn="just"/>
             <a:r>
               <a:rPr lang="en-US" dirty="0"/>
-              <a:t> A Security Association is a contract established between two </a:t>
-            </a:r>
-            <a:r>
-              <a:rPr lang="en-US" dirty="0" err="1"/>
-              <a:t>IPsec</a:t>
+              <a:t>Works in the initial phases of a communication, allowing the creation of SA and archive management to these dedicated</a:t>
+            </a:r>
+          </a:p>
+          <a:p>
+            <a:pPr marL="742950" lvl="2" indent="-342900" algn="just"/>
+            <a:r>
+              <a:rPr lang="en-US" b="1" dirty="0"/>
+              <a:t>ISAKMP </a:t>
             </a:r>
             <a:r>
               <a:rPr lang="en-US" dirty="0"/>
-              <a:t> endpoints (hosts or security gateways)</a:t>
-            </a:r>
-          </a:p>
-          <a:p>
-            <a:pPr lvl="1" algn="just"/>
-            <a:r>
-              <a:rPr lang="en-US" dirty="0"/>
-              <a:t>Automatic negotiation of parameters to be used for the IPSec connection.</a:t>
-            </a:r>
-          </a:p>
-          <a:p>
-            <a:pPr lvl="1" algn="just"/>
-            <a:r>
-              <a:rPr lang="en-US" dirty="0"/>
-              <a:t>Separate SA required for each subnet or single host.</a:t>
-            </a:r>
-          </a:p>
-          <a:p>
-            <a:pPr lvl="1" algn="just"/>
-            <a:r>
-              <a:rPr lang="en-US" dirty="0"/>
-              <a:t>Separate SA required for inbound and outbound connection.</a:t>
-            </a:r>
-          </a:p>
-          <a:p>
-            <a:pPr lvl="1" algn="just"/>
-            <a:r>
-              <a:rPr lang="en-US" dirty="0"/>
-              <a:t>SAs are assigned a unique </a:t>
-            </a:r>
-            <a:r>
-              <a:rPr lang="en-US" b="1" dirty="0"/>
-              <a:t>Security Parameters Index (SPI) </a:t>
-            </a:r>
-            <a:r>
-              <a:rPr lang="en-US" dirty="0"/>
-              <a:t>and are maintained in a database</a:t>
-            </a:r>
+              <a:t>based</a:t>
+            </a:r>
+            <a:endParaRPr lang="it-IT" b="1" dirty="0"/>
+          </a:p>
+          <a:p>
+            <a:pPr>
+              <a:buNone/>
+            </a:pPr>
             <a:endParaRPr lang="it-IT" dirty="0"/>
           </a:p>
         </p:txBody>
@@ -23100,18 +23111,16 @@
         </p:nvSpPr>
         <p:spPr/>
         <p:txBody>
-          <a:bodyPr/>
+          <a:bodyPr>
+            <a:normAutofit/>
+          </a:bodyPr>
           <a:lstStyle/>
           <a:p>
             <a:r>
               <a:rPr lang="it-IT" b="1" dirty="0"/>
-              <a:t>IKE </a:t>
-            </a:r>
-            <a:r>
-              <a:rPr lang="it-IT" b="1" dirty="0" err="1"/>
-              <a:t>Elements</a:t>
-            </a:r>
-            <a:endParaRPr lang="it-IT" b="1" dirty="0"/>
+              <a:t>IKE (Internet Key Exchange)</a:t>
+            </a:r>
+            <a:endParaRPr lang="it-IT" dirty="0"/>
           </a:p>
         </p:txBody>
       </p:sp>
@@ -23128,71 +23137,59 @@
         <p:spPr/>
         <p:txBody>
           <a:bodyPr>
-            <a:normAutofit lnSpcReduction="10000"/>
+            <a:normAutofit fontScale="92500" lnSpcReduction="10000"/>
           </a:bodyPr>
           <a:lstStyle/>
           <a:p>
             <a:pPr algn="just"/>
             <a:r>
-              <a:rPr lang="it-IT" b="1" dirty="0"/>
-              <a:t>Internet Security and Key Management </a:t>
-            </a:r>
-            <a:r>
-              <a:rPr lang="it-IT" b="1" dirty="0" err="1"/>
-              <a:t>Protocol</a:t>
-            </a:r>
-            <a:r>
-              <a:rPr lang="it-IT" b="1" dirty="0"/>
-              <a:t> (ISAKMP)</a:t>
+              <a:rPr lang="en-US" dirty="0"/>
+              <a:t> A Security Association is a contract established between two </a:t>
+            </a:r>
+            <a:r>
+              <a:rPr lang="en-US" dirty="0" err="1"/>
+              <a:t>IPsec</a:t>
+            </a:r>
+            <a:r>
+              <a:rPr lang="en-US" dirty="0"/>
+              <a:t> endpoints (hosts or security gateways)</a:t>
             </a:r>
           </a:p>
           <a:p>
             <a:pPr lvl="1" algn="just"/>
             <a:r>
               <a:rPr lang="en-US" dirty="0"/>
-              <a:t>The current implementation provides for the combined use of the features of two protocols</a:t>
-            </a:r>
-          </a:p>
-          <a:p>
-            <a:pPr lvl="2" algn="just"/>
+              <a:t>Automatic negotiation of parameters to be used for the IPSec connection.</a:t>
+            </a:r>
+          </a:p>
+          <a:p>
+            <a:pPr lvl="1" algn="just"/>
+            <a:r>
+              <a:rPr lang="en-US" dirty="0"/>
+              <a:t>Separate SA required for each subnet or single host.</a:t>
+            </a:r>
+          </a:p>
+          <a:p>
+            <a:pPr lvl="1" algn="just"/>
+            <a:r>
+              <a:rPr lang="en-US" dirty="0"/>
+              <a:t>Separate SA required for inbound and outbound connection.</a:t>
+            </a:r>
+          </a:p>
+          <a:p>
+            <a:pPr lvl="1" algn="just"/>
+            <a:r>
+              <a:rPr lang="en-US" dirty="0"/>
+              <a:t>SAs are assigned a unique </a:t>
+            </a:r>
             <a:r>
               <a:rPr lang="en-US" b="1" dirty="0"/>
-              <a:t>OAKLEY</a:t>
+              <a:t>Security Parameters Index (SPI) </a:t>
             </a:r>
             <a:r>
               <a:rPr lang="en-US" dirty="0"/>
-              <a:t> (a protocol by which two authenticated parties can reach an agreement about the key material to use</a:t>
-            </a:r>
-            <a:r>
-              <a:rPr lang="it-IT" dirty="0"/>
-              <a:t> and </a:t>
-            </a:r>
-            <a:r>
-              <a:rPr lang="en-US" dirty="0"/>
-              <a:t>that will take advantage of the features for the IKE key exchange);</a:t>
-            </a:r>
-            <a:endParaRPr lang="it-IT" dirty="0"/>
-          </a:p>
-          <a:p>
-            <a:pPr lvl="2" algn="just"/>
-            <a:r>
-              <a:rPr lang="it-IT" b="1" dirty="0"/>
-              <a:t>SKEME</a:t>
-            </a:r>
-            <a:r>
-              <a:rPr lang="it-IT" dirty="0"/>
-              <a:t>: </a:t>
-            </a:r>
-            <a:r>
-              <a:rPr lang="en-US" dirty="0"/>
-              <a:t>a key exchange protocol similar to OAKLEY, but, IKE will use different features such as public-key encryption method and the fast renewal of the key</a:t>
-            </a:r>
-          </a:p>
-          <a:p>
-            <a:pPr lvl="2" algn="just"/>
-            <a:endParaRPr lang="it-IT" dirty="0"/>
-          </a:p>
-          <a:p>
+              <a:t>and are maintained in a database</a:t>
+            </a:r>
             <a:endParaRPr lang="it-IT" dirty="0"/>
           </a:p>
         </p:txBody>
@@ -23239,11 +23236,11 @@
           <a:p>
             <a:r>
               <a:rPr lang="it-IT" b="1" dirty="0"/>
-              <a:t>IKE: The </a:t>
+              <a:t>IKE </a:t>
             </a:r>
             <a:r>
               <a:rPr lang="it-IT" b="1" dirty="0" err="1"/>
-              <a:t>purpose</a:t>
+              <a:t>Elements</a:t>
             </a:r>
             <a:endParaRPr lang="it-IT" b="1" dirty="0"/>
           </a:p>
@@ -23262,111 +23259,71 @@
         <p:spPr/>
         <p:txBody>
           <a:bodyPr>
-            <a:normAutofit/>
+            <a:normAutofit lnSpcReduction="10000"/>
           </a:bodyPr>
           <a:lstStyle/>
           <a:p>
             <a:pPr algn="just"/>
             <a:r>
+              <a:rPr lang="it-IT" b="1" dirty="0"/>
+              <a:t>Internet Security and Key Management </a:t>
+            </a:r>
+            <a:r>
+              <a:rPr lang="it-IT" b="1" dirty="0" err="1"/>
+              <a:t>Protocol</a:t>
+            </a:r>
+            <a:r>
+              <a:rPr lang="it-IT" b="1" dirty="0"/>
+              <a:t> (ISAKMP)</a:t>
+            </a:r>
+          </a:p>
+          <a:p>
+            <a:pPr lvl="1" algn="just"/>
+            <a:r>
               <a:rPr lang="en-US" dirty="0"/>
-              <a:t>The IKE negotiation occurs in two phases</a:t>
+              <a:t>The current implementation provides for the combined use of the features of two protocols</a:t>
+            </a:r>
+          </a:p>
+          <a:p>
+            <a:pPr lvl="2" algn="just"/>
+            <a:r>
+              <a:rPr lang="en-US" b="1" dirty="0"/>
+              <a:t>OAKLEY</a:t>
+            </a:r>
+            <a:r>
+              <a:rPr lang="en-US" dirty="0"/>
+              <a:t> (a protocol by which two authenticated parties can reach an agreement about the key material to use</a:t>
             </a:r>
             <a:r>
               <a:rPr lang="it-IT" dirty="0"/>
-              <a:t>:</a:t>
-            </a:r>
-          </a:p>
-          <a:p>
-            <a:pPr lvl="1" algn="just"/>
+              <a:t> and </a:t>
+            </a:r>
+            <a:r>
+              <a:rPr lang="en-US" dirty="0"/>
+              <a:t>that will take advantage of the features for the IKE key exchange);</a:t>
+            </a:r>
+            <a:endParaRPr lang="it-IT" dirty="0"/>
+          </a:p>
+          <a:p>
+            <a:pPr lvl="2" algn="just"/>
+            <a:r>
+              <a:rPr lang="it-IT" b="1" dirty="0"/>
+              <a:t>SKEME</a:t>
+            </a:r>
             <a:r>
               <a:rPr lang="it-IT" dirty="0"/>
-              <a:t>The first </a:t>
-            </a:r>
-            <a:r>
-              <a:rPr lang="it-IT" dirty="0" err="1"/>
-              <a:t>phase</a:t>
-            </a:r>
-            <a:r>
-              <a:rPr lang="it-IT" dirty="0"/>
-              <a:t> </a:t>
-            </a:r>
-            <a:r>
-              <a:rPr lang="it-IT" dirty="0" err="1"/>
-              <a:t>sets</a:t>
-            </a:r>
-            <a:r>
-              <a:rPr lang="it-IT" dirty="0"/>
-              <a:t> up a </a:t>
-            </a:r>
-            <a:r>
-              <a:rPr lang="it-IT" i="1" dirty="0"/>
-              <a:t>Internet Security </a:t>
-            </a:r>
-            <a:r>
-              <a:rPr lang="it-IT" i="1" dirty="0" err="1"/>
-              <a:t>Association</a:t>
-            </a:r>
-            <a:r>
-              <a:rPr lang="it-IT" i="1" dirty="0"/>
-              <a:t> Key Management Security </a:t>
-            </a:r>
-            <a:r>
-              <a:rPr lang="it-IT" i="1" dirty="0" err="1"/>
-              <a:t>Association</a:t>
-            </a:r>
-            <a:r>
-              <a:rPr lang="it-IT" dirty="0"/>
-              <a:t> (ISAKMP SA)</a:t>
-            </a:r>
-          </a:p>
-          <a:p>
-            <a:pPr lvl="1" algn="just"/>
-            <a:r>
-              <a:rPr lang="it-IT" dirty="0"/>
-              <a:t>The </a:t>
-            </a:r>
-            <a:r>
-              <a:rPr lang="it-IT" dirty="0" err="1"/>
-              <a:t>second</a:t>
-            </a:r>
-            <a:r>
-              <a:rPr lang="it-IT" dirty="0"/>
-              <a:t> </a:t>
-            </a:r>
-            <a:r>
-              <a:rPr lang="it-IT" dirty="0" err="1"/>
-              <a:t>phase</a:t>
-            </a:r>
-            <a:r>
-              <a:rPr lang="it-IT" dirty="0"/>
-              <a:t> the ISAKMP SA </a:t>
-            </a:r>
-            <a:r>
-              <a:rPr lang="it-IT" dirty="0" err="1"/>
-              <a:t>is</a:t>
-            </a:r>
-            <a:r>
-              <a:rPr lang="it-IT" dirty="0"/>
-              <a:t> </a:t>
-            </a:r>
-            <a:r>
-              <a:rPr lang="it-IT" dirty="0" err="1"/>
-              <a:t>used</a:t>
-            </a:r>
-            <a:r>
-              <a:rPr lang="it-IT" dirty="0"/>
-              <a:t> </a:t>
+              <a:t>: </a:t>
             </a:r>
             <a:r>
               <a:rPr lang="en-US" dirty="0"/>
-              <a:t>for the negotiation and setup the IPSec SAs</a:t>
-            </a:r>
+              <a:t>a key exchange protocol similar to OAKLEY, but, IKE will use different features such as public-key encryption method and the fast renewal of the key</a:t>
+            </a:r>
+          </a:p>
+          <a:p>
+            <a:pPr lvl="2" algn="just"/>
             <a:endParaRPr lang="it-IT" dirty="0"/>
           </a:p>
           <a:p>
-            <a:pPr algn="just">
-              <a:buNone/>
-            </a:pPr>
             <a:endParaRPr lang="it-IT" dirty="0"/>
           </a:p>
         </p:txBody>
@@ -23413,16 +23370,13 @@
           <a:p>
             <a:r>
               <a:rPr lang="it-IT" b="1" dirty="0"/>
-              <a:t>IKE: </a:t>
+              <a:t>IKE: The </a:t>
             </a:r>
             <a:r>
               <a:rPr lang="it-IT" b="1" dirty="0" err="1"/>
-              <a:t>Phase</a:t>
-            </a:r>
-            <a:r>
-              <a:rPr lang="it-IT" b="1" dirty="0"/>
-              <a:t> 1</a:t>
-            </a:r>
+              <a:t>purpose</a:t>
+            </a:r>
+            <a:endParaRPr lang="it-IT" b="1" dirty="0"/>
           </a:p>
         </p:txBody>
       </p:sp>
@@ -23446,29 +23400,104 @@
             <a:pPr algn="just"/>
             <a:r>
               <a:rPr lang="en-US" dirty="0"/>
-              <a:t>Establishes an ISAKMP SA to be used as a secure channel to the subsequent negotiation IPSec, in particular:</a:t>
+              <a:t>The IKE negotiation occurs in two phases</a:t>
+            </a:r>
+            <a:r>
+              <a:rPr lang="it-IT" dirty="0"/>
+              <a:t>:</a:t>
             </a:r>
           </a:p>
           <a:p>
             <a:pPr lvl="1" algn="just"/>
             <a:r>
+              <a:rPr lang="it-IT" dirty="0"/>
+              <a:t>The first </a:t>
+            </a:r>
+            <a:r>
+              <a:rPr lang="it-IT" dirty="0" err="1"/>
+              <a:t>phase</a:t>
+            </a:r>
+            <a:r>
+              <a:rPr lang="it-IT" dirty="0"/>
+              <a:t> </a:t>
+            </a:r>
+            <a:r>
+              <a:rPr lang="it-IT" dirty="0" err="1"/>
+              <a:t>sets</a:t>
+            </a:r>
+            <a:r>
+              <a:rPr lang="it-IT" dirty="0"/>
+              <a:t> up a </a:t>
+            </a:r>
+            <a:r>
+              <a:rPr lang="it-IT" i="1" dirty="0"/>
+              <a:t>Internet Security </a:t>
+            </a:r>
+            <a:r>
+              <a:rPr lang="it-IT" i="1" dirty="0" err="1"/>
+              <a:t>Association</a:t>
+            </a:r>
+            <a:r>
+              <a:rPr lang="it-IT" i="1" dirty="0"/>
+              <a:t> Key Management Security </a:t>
+            </a:r>
+            <a:r>
+              <a:rPr lang="it-IT" i="1" dirty="0" err="1"/>
+              <a:t>Association</a:t>
+            </a:r>
+            <a:r>
+              <a:rPr lang="it-IT" dirty="0"/>
+              <a:t> (ISAKMP SA)</a:t>
+            </a:r>
+          </a:p>
+          <a:p>
+            <a:pPr lvl="1" algn="just"/>
+            <a:r>
+              <a:rPr lang="it-IT" dirty="0"/>
+              <a:t>The </a:t>
+            </a:r>
+            <a:r>
+              <a:rPr lang="it-IT" dirty="0" err="1"/>
+              <a:t>second</a:t>
+            </a:r>
+            <a:r>
+              <a:rPr lang="it-IT" dirty="0"/>
+              <a:t> </a:t>
+            </a:r>
+            <a:r>
+              <a:rPr lang="it-IT" dirty="0" err="1"/>
+              <a:t>phase</a:t>
+            </a:r>
+            <a:r>
+              <a:rPr lang="it-IT" dirty="0"/>
+              <a:t> the ISAKMP SA </a:t>
+            </a:r>
+            <a:r>
+              <a:rPr lang="it-IT" dirty="0" err="1"/>
+              <a:t>is</a:t>
+            </a:r>
+            <a:r>
+              <a:rPr lang="it-IT" dirty="0"/>
+              <a:t> </a:t>
+            </a:r>
+            <a:r>
+              <a:rPr lang="it-IT" dirty="0" err="1"/>
+              <a:t>used</a:t>
+            </a:r>
+            <a:r>
+              <a:rPr lang="it-IT" dirty="0"/>
+              <a:t> </a:t>
+            </a:r>
+            <a:r>
               <a:rPr lang="en-US" dirty="0"/>
-              <a:t>Negotiates security parameters</a:t>
-            </a:r>
-          </a:p>
-          <a:p>
-            <a:pPr lvl="1" algn="just"/>
-            <a:r>
-              <a:rPr lang="en-US" dirty="0"/>
-              <a:t>Generate a shared secret</a:t>
-            </a:r>
-          </a:p>
-          <a:p>
-            <a:pPr lvl="1" algn="just"/>
-            <a:r>
-              <a:rPr lang="en-US" dirty="0"/>
-              <a:t>Authentic parts</a:t>
-            </a:r>
+              <a:t>for the negotiation and setup the IPSec SAs</a:t>
+            </a:r>
+            <a:endParaRPr lang="it-IT" dirty="0"/>
+          </a:p>
+          <a:p>
+            <a:pPr algn="just">
+              <a:buNone/>
+            </a:pPr>
             <a:endParaRPr lang="it-IT" dirty="0"/>
           </a:p>
         </p:txBody>
@@ -23525,7 +23554,6 @@
               <a:rPr lang="it-IT" b="1" dirty="0"/>
               <a:t> 1</a:t>
             </a:r>
-            <a:endParaRPr lang="it-IT" dirty="0"/>
           </a:p>
         </p:txBody>
       </p:sp>
@@ -23539,124 +23567,38 @@
             <p:ph idx="1"/>
           </p:nvPr>
         </p:nvSpPr>
-        <p:spPr>
-          <a:xfrm>
-            <a:off x="457200" y="1600200"/>
-            <a:ext cx="8229600" cy="4972072"/>
-          </a:xfrm>
-        </p:spPr>
+        <p:spPr/>
         <p:txBody>
           <a:bodyPr>
-            <a:normAutofit fontScale="77500" lnSpcReduction="20000"/>
+            <a:normAutofit/>
           </a:bodyPr>
           <a:lstStyle/>
           <a:p>
             <a:pPr algn="just"/>
             <a:r>
               <a:rPr lang="en-US" dirty="0"/>
-              <a:t>IKE phase one occurs in two modes</a:t>
-            </a:r>
-            <a:r>
-              <a:rPr lang="it-IT" dirty="0"/>
-              <a:t>:</a:t>
+              <a:t>Establishes an ISAKMP SA to be used as a secure channel to the subsequent negotiation IPSec, in particular:</a:t>
             </a:r>
           </a:p>
           <a:p>
             <a:pPr lvl="1" algn="just"/>
             <a:r>
-              <a:rPr lang="it-IT" b="1" dirty="0" err="1"/>
-              <a:t>Main</a:t>
-            </a:r>
-            <a:r>
-              <a:rPr lang="it-IT" b="1" dirty="0"/>
-              <a:t> mode</a:t>
-            </a:r>
-            <a:r>
-              <a:rPr lang="it-IT" dirty="0"/>
-              <a:t>: </a:t>
-            </a:r>
-            <a:r>
               <a:rPr lang="en-US" dirty="0"/>
-              <a:t>consists of six messages exchanged of which three are transmitted from the sender to the recipient and three response in the opposite direction</a:t>
-            </a:r>
-            <a:endParaRPr lang="it-IT" dirty="0"/>
+              <a:t>Negotiates security parameters</a:t>
+            </a:r>
           </a:p>
           <a:p>
             <a:pPr lvl="1" algn="just"/>
             <a:r>
-              <a:rPr lang="it-IT" b="1" dirty="0"/>
-              <a:t>Aggressive mode</a:t>
-            </a:r>
-            <a:r>
-              <a:rPr lang="it-IT" dirty="0"/>
-              <a:t>: </a:t>
-            </a:r>
-            <a:r>
-              <a:rPr lang="it-IT" dirty="0" err="1"/>
-              <a:t>uses</a:t>
-            </a:r>
-            <a:r>
-              <a:rPr lang="it-IT" dirty="0"/>
-              <a:t> </a:t>
-            </a:r>
-            <a:r>
-              <a:rPr lang="it-IT" dirty="0" err="1"/>
-              <a:t>only</a:t>
-            </a:r>
-            <a:r>
-              <a:rPr lang="it-IT" dirty="0"/>
-              <a:t> </a:t>
-            </a:r>
-            <a:r>
-              <a:rPr lang="it-IT" dirty="0" err="1"/>
-              <a:t>three</a:t>
-            </a:r>
-            <a:r>
-              <a:rPr lang="it-IT" dirty="0"/>
-              <a:t> </a:t>
-            </a:r>
-            <a:r>
-              <a:rPr lang="it-IT" dirty="0" err="1"/>
-              <a:t>messages</a:t>
-            </a:r>
-            <a:r>
-              <a:rPr lang="it-IT" dirty="0"/>
-              <a:t>. </a:t>
-            </a:r>
-            <a:r>
               <a:rPr lang="en-US" dirty="0"/>
-              <a:t>Two messages sent by the sender and one response.</a:t>
-            </a:r>
-            <a:endParaRPr lang="it-IT" dirty="0"/>
-          </a:p>
-          <a:p>
-            <a:pPr algn="just"/>
+              <a:t>Generate a shared secret</a:t>
+            </a:r>
+          </a:p>
+          <a:p>
+            <a:pPr lvl="1" algn="just"/>
             <a:r>
               <a:rPr lang="en-US" dirty="0"/>
-              <a:t>The main difference, in addition to the number of messages used, is that that the first mode, though slower, provides protection of identity</a:t>
-            </a:r>
-            <a:endParaRPr lang="it-IT" dirty="0"/>
-          </a:p>
-          <a:p>
-            <a:pPr lvl="1" algn="just"/>
-            <a:r>
-              <a:rPr lang="en-US" dirty="0"/>
-              <a:t>Both modes authenticate the parties and establish an ISAKMP SA</a:t>
-            </a:r>
-          </a:p>
-          <a:p>
-            <a:pPr lvl="1" algn="just"/>
-            <a:r>
-              <a:rPr lang="en-US" dirty="0"/>
-              <a:t>The aggressive mode can do so by using half of the messages</a:t>
-            </a:r>
-            <a:endParaRPr lang="it-IT" dirty="0"/>
-          </a:p>
-          <a:p>
-            <a:pPr lvl="2" algn="just"/>
-            <a:r>
-              <a:rPr lang="en-US" dirty="0"/>
-              <a:t>The price to pay, for greater speed, is the absence of support for the identification of the participants and therefore the possibility of attacks of man-in-the-middle in the case of using pre-shared keys</a:t>
+              <a:t>Authentic parts</a:t>
             </a:r>
             <a:endParaRPr lang="it-IT" dirty="0"/>
           </a:p>
@@ -23712,8 +23654,9 @@
             </a:r>
             <a:r>
               <a:rPr lang="it-IT" b="1" dirty="0"/>
-              <a:t> 2</a:t>
-            </a:r>
+              <a:t> 1</a:t>
+            </a:r>
+            <a:endParaRPr lang="it-IT" dirty="0"/>
           </a:p>
         </p:txBody>
       </p:sp>
@@ -23727,17 +23670,61 @@
             <p:ph idx="1"/>
           </p:nvPr>
         </p:nvSpPr>
-        <p:spPr/>
+        <p:spPr>
+          <a:xfrm>
+            <a:off x="457200" y="1600200"/>
+            <a:ext cx="8229600" cy="4972072"/>
+          </a:xfrm>
+        </p:spPr>
         <p:txBody>
           <a:bodyPr>
-            <a:normAutofit/>
+            <a:normAutofit fontScale="77500" lnSpcReduction="20000"/>
           </a:bodyPr>
           <a:lstStyle/>
           <a:p>
             <a:pPr algn="just"/>
             <a:r>
+              <a:rPr lang="en-US" dirty="0"/>
+              <a:t>IKE phase one occurs in two modes</a:t>
+            </a:r>
+            <a:r>
+              <a:rPr lang="it-IT" dirty="0"/>
+              <a:t>:</a:t>
+            </a:r>
+          </a:p>
+          <a:p>
+            <a:pPr lvl="1" algn="just"/>
+            <a:r>
+              <a:rPr lang="it-IT" b="1" dirty="0" err="1"/>
+              <a:t>Main</a:t>
+            </a:r>
+            <a:r>
+              <a:rPr lang="it-IT" b="1" dirty="0"/>
+              <a:t> mode</a:t>
+            </a:r>
+            <a:r>
+              <a:rPr lang="it-IT" dirty="0"/>
+              <a:t>: </a:t>
+            </a:r>
+            <a:r>
+              <a:rPr lang="en-US" dirty="0"/>
+              <a:t>consists of six messages exchanged of which three are transmitted from the sender to the recipient and three response in the opposite direction</a:t>
+            </a:r>
+            <a:endParaRPr lang="it-IT" dirty="0"/>
+          </a:p>
+          <a:p>
+            <a:pPr lvl="1" algn="just"/>
+            <a:r>
+              <a:rPr lang="it-IT" b="1" dirty="0"/>
+              <a:t>Aggressive mode</a:t>
+            </a:r>
+            <a:r>
+              <a:rPr lang="it-IT" dirty="0"/>
+              <a:t>: </a:t>
+            </a:r>
+            <a:r>
               <a:rPr lang="it-IT" dirty="0" err="1"/>
-              <a:t>Also</a:t>
+              <a:t>uses</a:t>
             </a:r>
             <a:r>
               <a:rPr lang="it-IT" dirty="0"/>
@@ -23745,34 +23732,62 @@
             </a:r>
             <a:r>
               <a:rPr lang="it-IT" dirty="0" err="1"/>
-              <a:t>called</a:t>
+              <a:t>only</a:t>
             </a:r>
             <a:r>
               <a:rPr lang="it-IT" dirty="0"/>
               <a:t> </a:t>
             </a:r>
             <a:r>
-              <a:rPr lang="it-IT" b="1" dirty="0" err="1"/>
-              <a:t>Quick</a:t>
-            </a:r>
-            <a:r>
-              <a:rPr lang="it-IT" b="1" dirty="0"/>
-              <a:t> mode</a:t>
+              <a:rPr lang="it-IT" dirty="0" err="1"/>
+              <a:t>three</a:t>
+            </a:r>
+            <a:r>
+              <a:rPr lang="it-IT" dirty="0"/>
+              <a:t> </a:t>
+            </a:r>
+            <a:r>
+              <a:rPr lang="it-IT" dirty="0" err="1"/>
+              <a:t>messages</a:t>
+            </a:r>
+            <a:r>
+              <a:rPr lang="it-IT" dirty="0"/>
+              <a:t>. </a:t>
+            </a:r>
+            <a:r>
+              <a:rPr lang="en-US" dirty="0"/>
+              <a:t>Two messages sent by the sender and one response.</a:t>
             </a:r>
             <a:endParaRPr lang="it-IT" dirty="0"/>
           </a:p>
           <a:p>
+            <a:pPr algn="just"/>
+            <a:r>
+              <a:rPr lang="en-US" dirty="0"/>
+              <a:t>The main difference, in addition to the number of messages used, is that that the first mode, though slower, provides protection of identity</a:t>
+            </a:r>
+            <a:endParaRPr lang="it-IT" dirty="0"/>
+          </a:p>
+          <a:p>
             <a:pPr lvl="1" algn="just"/>
             <a:r>
               <a:rPr lang="en-US" dirty="0"/>
-              <a:t>Is used principally to negotiate the IPSec services of a general nature and regenerate the key material</a:t>
+              <a:t>Both modes authenticate the parties and establish an ISAKMP SA</a:t>
             </a:r>
           </a:p>
           <a:p>
             <a:pPr lvl="1" algn="just"/>
             <a:r>
               <a:rPr lang="en-US" dirty="0"/>
-              <a:t>Is similar to a “Aggressive mode” negotiation but less complex because it exploits the communication already in place (see below ..)</a:t>
+              <a:t>The aggressive mode can do so by using half of the messages</a:t>
+            </a:r>
+            <a:endParaRPr lang="it-IT" dirty="0"/>
+          </a:p>
+          <a:p>
+            <a:pPr lvl="2" algn="just"/>
+            <a:r>
+              <a:rPr lang="en-US" dirty="0"/>
+              <a:t>The price to pay, for greater speed, is the absence of support for the identification of the participants and therefore the possibility of attacks of man-in-the-middle in the case of using pre-shared keys</a:t>
             </a:r>
             <a:endParaRPr lang="it-IT" dirty="0"/>
           </a:p>
@@ -23787,6 +23802,122 @@
 </file>
 
 <file path=ppt/slides/slide66.xml><?xml version="1.0" encoding="utf-8"?>
+<p:sld xmlns:a="http://schemas.openxmlformats.org/drawingml/2006/main" xmlns:r="http://schemas.openxmlformats.org/officeDocument/2006/relationships" xmlns:p="http://schemas.openxmlformats.org/presentationml/2006/main">
+  <p:cSld>
+    <p:spTree>
+      <p:nvGrpSpPr>
+        <p:cNvPr id="1" name=""/>
+        <p:cNvGrpSpPr/>
+        <p:nvPr/>
+      </p:nvGrpSpPr>
+      <p:grpSpPr>
+        <a:xfrm>
+          <a:off x="0" y="0"/>
+          <a:ext cx="0" cy="0"/>
+          <a:chOff x="0" y="0"/>
+          <a:chExt cx="0" cy="0"/>
+        </a:xfrm>
+      </p:grpSpPr>
+      <p:sp>
+        <p:nvSpPr>
+          <p:cNvPr id="2" name="Titolo 1"/>
+          <p:cNvSpPr>
+            <a:spLocks noGrp="1"/>
+          </p:cNvSpPr>
+          <p:nvPr>
+            <p:ph type="title"/>
+          </p:nvPr>
+        </p:nvSpPr>
+        <p:spPr/>
+        <p:txBody>
+          <a:bodyPr/>
+          <a:lstStyle/>
+          <a:p>
+            <a:r>
+              <a:rPr lang="it-IT" b="1" dirty="0"/>
+              <a:t>IKE: </a:t>
+            </a:r>
+            <a:r>
+              <a:rPr lang="it-IT" b="1" dirty="0" err="1"/>
+              <a:t>Phase</a:t>
+            </a:r>
+            <a:r>
+              <a:rPr lang="it-IT" b="1" dirty="0"/>
+              <a:t> 2</a:t>
+            </a:r>
+          </a:p>
+        </p:txBody>
+      </p:sp>
+      <p:sp>
+        <p:nvSpPr>
+          <p:cNvPr id="3" name="Segnaposto contenuto 2"/>
+          <p:cNvSpPr>
+            <a:spLocks noGrp="1"/>
+          </p:cNvSpPr>
+          <p:nvPr>
+            <p:ph idx="1"/>
+          </p:nvPr>
+        </p:nvSpPr>
+        <p:spPr/>
+        <p:txBody>
+          <a:bodyPr>
+            <a:normAutofit/>
+          </a:bodyPr>
+          <a:lstStyle/>
+          <a:p>
+            <a:pPr algn="just"/>
+            <a:r>
+              <a:rPr lang="it-IT" dirty="0" err="1"/>
+              <a:t>Also</a:t>
+            </a:r>
+            <a:r>
+              <a:rPr lang="it-IT" dirty="0"/>
+              <a:t> </a:t>
+            </a:r>
+            <a:r>
+              <a:rPr lang="it-IT" dirty="0" err="1"/>
+              <a:t>called</a:t>
+            </a:r>
+            <a:r>
+              <a:rPr lang="it-IT" dirty="0"/>
+              <a:t> </a:t>
+            </a:r>
+            <a:r>
+              <a:rPr lang="it-IT" b="1" dirty="0" err="1"/>
+              <a:t>Quick</a:t>
+            </a:r>
+            <a:r>
+              <a:rPr lang="it-IT" b="1" dirty="0"/>
+              <a:t> mode</a:t>
+            </a:r>
+            <a:endParaRPr lang="it-IT" dirty="0"/>
+          </a:p>
+          <a:p>
+            <a:pPr lvl="1" algn="just"/>
+            <a:r>
+              <a:rPr lang="en-US" dirty="0"/>
+              <a:t>Is used principally to negotiate the IPSec services of a general nature and regenerate the key material</a:t>
+            </a:r>
+          </a:p>
+          <a:p>
+            <a:pPr lvl="1" algn="just"/>
+            <a:r>
+              <a:rPr lang="en-US" dirty="0"/>
+              <a:t>Is similar to a “Aggressive mode” negotiation but less complex because it exploits the communication already in place (see below ..)</a:t>
+            </a:r>
+            <a:endParaRPr lang="it-IT" dirty="0"/>
+          </a:p>
+        </p:txBody>
+      </p:sp>
+    </p:spTree>
+  </p:cSld>
+  <p:clrMapOvr>
+    <a:masterClrMapping/>
+  </p:clrMapOvr>
+</p:sld>
+</file>
+
+<file path=ppt/slides/slide67.xml><?xml version="1.0" encoding="utf-8"?>
 <p:sld xmlns:a="http://schemas.openxmlformats.org/drawingml/2006/main" xmlns:r="http://schemas.openxmlformats.org/officeDocument/2006/relationships" xmlns:p="http://schemas.openxmlformats.org/presentationml/2006/main">
   <p:cSld>
     <p:spTree>
@@ -23903,294 +24034,6 @@
 </p:sld>
 </file>
 
-<file path=ppt/slides/slide67.xml><?xml version="1.0" encoding="utf-8"?>
-<p:sld xmlns:a="http://schemas.openxmlformats.org/drawingml/2006/main" xmlns:r="http://schemas.openxmlformats.org/officeDocument/2006/relationships" xmlns:p="http://schemas.openxmlformats.org/presentationml/2006/main">
-  <p:cSld>
-    <p:spTree>
-      <p:nvGrpSpPr>
-        <p:cNvPr id="1" name=""/>
-        <p:cNvGrpSpPr/>
-        <p:nvPr/>
-      </p:nvGrpSpPr>
-      <p:grpSpPr>
-        <a:xfrm>
-          <a:off x="0" y="0"/>
-          <a:ext cx="0" cy="0"/>
-          <a:chOff x="0" y="0"/>
-          <a:chExt cx="0" cy="0"/>
-        </a:xfrm>
-      </p:grpSpPr>
-      <p:sp>
-        <p:nvSpPr>
-          <p:cNvPr id="7" name="Titolo 1"/>
-          <p:cNvSpPr>
-            <a:spLocks noGrp="1"/>
-          </p:cNvSpPr>
-          <p:nvPr>
-            <p:ph type="title"/>
-          </p:nvPr>
-        </p:nvSpPr>
-        <p:spPr/>
-        <p:txBody>
-          <a:bodyPr>
-            <a:normAutofit fontScale="90000"/>
-          </a:bodyPr>
-          <a:lstStyle/>
-          <a:p>
-            <a:br>
-              <a:rPr lang="it-IT" sz="4000" b="1" dirty="0"/>
-            </a:br>
-            <a:br>
-              <a:rPr lang="it-IT" sz="4000" b="1" dirty="0"/>
-            </a:br>
-            <a:r>
-              <a:rPr lang="it-IT" sz="3100" b="1" dirty="0"/>
-              <a:t>IKE </a:t>
-            </a:r>
-            <a:r>
-              <a:rPr lang="it-IT" sz="3100" b="1" dirty="0" err="1"/>
-              <a:t>Phase</a:t>
-            </a:r>
-            <a:r>
-              <a:rPr lang="it-IT" sz="3100" b="1" dirty="0"/>
-              <a:t> 1 - </a:t>
-            </a:r>
-            <a:r>
-              <a:rPr lang="it-IT" sz="3100" b="1" dirty="0" err="1"/>
-              <a:t>Main</a:t>
-            </a:r>
-            <a:r>
-              <a:rPr lang="it-IT" sz="3100" b="1" dirty="0"/>
-              <a:t> Mode</a:t>
-            </a:r>
-            <a:br>
-              <a:rPr lang="it-IT" sz="3100" b="1" dirty="0"/>
-            </a:br>
-            <a:r>
-              <a:rPr lang="en-US" sz="3100" b="1" dirty="0"/>
-              <a:t>Establish a Secure Negotiation Channel</a:t>
-            </a:r>
-            <a:br>
-              <a:rPr lang="en-US" sz="2700" b="1" dirty="0"/>
-            </a:br>
-            <a:br>
-              <a:rPr lang="it-IT" b="1" dirty="0"/>
-            </a:br>
-            <a:endParaRPr lang="it-IT" dirty="0"/>
-          </a:p>
-        </p:txBody>
-      </p:sp>
-      <p:sp>
-        <p:nvSpPr>
-          <p:cNvPr id="8" name="Segnaposto contenuto 7"/>
-          <p:cNvSpPr>
-            <a:spLocks noGrp="1"/>
-          </p:cNvSpPr>
-          <p:nvPr>
-            <p:ph idx="1"/>
-          </p:nvPr>
-        </p:nvSpPr>
-        <p:spPr>
-          <a:xfrm>
-            <a:off x="457200" y="1357298"/>
-            <a:ext cx="8229600" cy="5357850"/>
-          </a:xfrm>
-        </p:spPr>
-        <p:txBody>
-          <a:bodyPr>
-            <a:normAutofit fontScale="70000" lnSpcReduction="20000"/>
-          </a:bodyPr>
-          <a:lstStyle/>
-          <a:p>
-            <a:pPr algn="just">
-              <a:buNone/>
-            </a:pPr>
-            <a:r>
-              <a:rPr lang="it-IT" b="1" dirty="0"/>
-              <a:t>6 </a:t>
-            </a:r>
-            <a:r>
-              <a:rPr lang="it-IT" b="1" dirty="0" err="1"/>
-              <a:t>messages</a:t>
-            </a:r>
-            <a:r>
-              <a:rPr lang="it-IT" b="1" dirty="0"/>
-              <a:t> </a:t>
-            </a:r>
-            <a:r>
-              <a:rPr lang="it-IT" dirty="0" err="1"/>
-              <a:t>exchanged</a:t>
-            </a:r>
-            <a:r>
-              <a:rPr lang="it-IT" dirty="0"/>
-              <a:t> </a:t>
-            </a:r>
-            <a:r>
-              <a:rPr lang="it-IT" dirty="0" err="1"/>
-              <a:t>between</a:t>
-            </a:r>
-            <a:r>
-              <a:rPr lang="it-IT" dirty="0"/>
-              <a:t> </a:t>
-            </a:r>
-            <a:r>
-              <a:rPr lang="it-IT" dirty="0" err="1"/>
-              <a:t>initiator</a:t>
-            </a:r>
-            <a:r>
-              <a:rPr lang="it-IT" dirty="0"/>
-              <a:t> and </a:t>
-            </a:r>
-            <a:r>
-              <a:rPr lang="it-IT" dirty="0" err="1"/>
-              <a:t>responder</a:t>
-            </a:r>
-            <a:r>
-              <a:rPr lang="it-IT" dirty="0"/>
-              <a:t> </a:t>
-            </a:r>
-            <a:r>
-              <a:rPr lang="it-IT" dirty="0" err="1"/>
-              <a:t>to</a:t>
-            </a:r>
-            <a:r>
-              <a:rPr lang="it-IT" dirty="0"/>
-              <a:t> </a:t>
-            </a:r>
-            <a:r>
-              <a:rPr lang="it-IT" dirty="0" err="1"/>
-              <a:t>estabilish</a:t>
-            </a:r>
-            <a:r>
-              <a:rPr lang="it-IT" dirty="0"/>
-              <a:t> a </a:t>
-            </a:r>
-            <a:r>
-              <a:rPr lang="it-IT" b="1" i="1" dirty="0"/>
-              <a:t>IKE Security </a:t>
-            </a:r>
-            <a:r>
-              <a:rPr lang="it-IT" b="1" i="1" dirty="0" err="1"/>
-              <a:t>Association</a:t>
-            </a:r>
-            <a:r>
-              <a:rPr lang="it-IT" b="1" dirty="0"/>
-              <a:t> </a:t>
-            </a:r>
-            <a:r>
-              <a:rPr lang="it-IT" dirty="0"/>
-              <a:t>(</a:t>
-            </a:r>
-            <a:r>
-              <a:rPr lang="it-IT" b="1" dirty="0"/>
-              <a:t>IKE SA</a:t>
-            </a:r>
-            <a:r>
-              <a:rPr lang="it-IT" dirty="0"/>
-              <a:t>)</a:t>
-            </a:r>
-          </a:p>
-          <a:p>
-            <a:pPr lvl="1" algn="just"/>
-            <a:r>
-              <a:rPr lang="it-IT" dirty="0"/>
-              <a:t>IKE </a:t>
-            </a:r>
-            <a:r>
-              <a:rPr lang="it-IT" dirty="0" err="1"/>
-              <a:t>uses</a:t>
-            </a:r>
-            <a:r>
-              <a:rPr lang="it-IT" dirty="0"/>
-              <a:t> UDP </a:t>
-            </a:r>
-            <a:r>
-              <a:rPr lang="it-IT" dirty="0" err="1"/>
-              <a:t>port</a:t>
-            </a:r>
-            <a:r>
-              <a:rPr lang="it-IT" dirty="0"/>
-              <a:t> 500</a:t>
-            </a:r>
-            <a:endParaRPr lang="it-IT" u="sng" dirty="0"/>
-          </a:p>
-          <a:p>
-            <a:pPr algn="just"/>
-            <a:r>
-              <a:rPr lang="it-IT" sz="3500" b="1" dirty="0"/>
-              <a:t>Msg #1</a:t>
-            </a:r>
-          </a:p>
-          <a:p>
-            <a:pPr lvl="1" algn="just"/>
-            <a:r>
-              <a:rPr lang="en-US" sz="3500" dirty="0"/>
-              <a:t>The initiator sends an IKE SA Proposal listing all supported authentication methods, </a:t>
-            </a:r>
-            <a:r>
-              <a:rPr lang="en-US" sz="3500" dirty="0" err="1"/>
-              <a:t>Diffie</a:t>
-            </a:r>
-            <a:r>
-              <a:rPr lang="en-US" sz="3500" dirty="0"/>
-              <a:t>-Hellman groups, a choice of encryption and hash algorithms and the desired SA lifetime</a:t>
-            </a:r>
-            <a:endParaRPr lang="it-IT" sz="3500" dirty="0"/>
-          </a:p>
-          <a:p>
-            <a:pPr algn="just"/>
-            <a:r>
-              <a:rPr lang="it-IT" sz="3500" b="1" dirty="0"/>
-              <a:t>Msg #2</a:t>
-            </a:r>
-          </a:p>
-          <a:p>
-            <a:pPr lvl="1" algn="just"/>
-            <a:r>
-              <a:rPr lang="en-US" sz="3500" dirty="0"/>
-              <a:t>The responder answers with an IKE SA Response indicating the preferred authentication method, </a:t>
-            </a:r>
-            <a:r>
-              <a:rPr lang="en-US" sz="3500" dirty="0" err="1"/>
-              <a:t>Diffie</a:t>
-            </a:r>
-            <a:r>
-              <a:rPr lang="en-US" sz="3500" dirty="0"/>
-              <a:t>-Hellman group, encryption and hash algorithm and acceptable SA lifetime</a:t>
-            </a:r>
-          </a:p>
-          <a:p>
-            <a:pPr lvl="1" algn="just"/>
-            <a:endParaRPr lang="en-US" dirty="0"/>
-          </a:p>
-          <a:p>
-            <a:pPr marL="0" indent="11113" algn="just">
-              <a:buNone/>
-            </a:pPr>
-            <a:r>
-              <a:rPr lang="en-US" sz="2600" dirty="0"/>
-              <a:t>If the two parties were able to successfully negotiate a common set of methods the protocol is continued by establishing an encrypted communication channel using the </a:t>
-            </a:r>
-            <a:r>
-              <a:rPr lang="en-US" sz="2600" dirty="0" err="1"/>
-              <a:t>Diffie</a:t>
-            </a:r>
-            <a:r>
-              <a:rPr lang="en-US" sz="2600" dirty="0"/>
-              <a:t>-Hellman Key-Exchange algorithm</a:t>
-            </a:r>
-            <a:endParaRPr lang="it-IT" sz="2600" dirty="0"/>
-          </a:p>
-        </p:txBody>
-      </p:sp>
-    </p:spTree>
-  </p:cSld>
-  <p:clrMapOvr>
-    <a:masterClrMapping/>
-  </p:clrMapOvr>
-</p:sld>
-</file>
-
 <file path=ppt/slides/slide68.xml><?xml version="1.0" encoding="utf-8"?>
 <p:sld xmlns:a="http://schemas.openxmlformats.org/drawingml/2006/main" xmlns:r="http://schemas.openxmlformats.org/officeDocument/2006/relationships" xmlns:p="http://schemas.openxmlformats.org/presentationml/2006/main">
   <p:cSld>
@@ -24259,7 +24102,7 @@
               <a:t>Establish a Secure Negotiation Channel</a:t>
             </a:r>
             <a:br>
-              <a:rPr lang="en-US" b="1" dirty="0"/>
+              <a:rPr lang="en-US" sz="2700" b="1" dirty="0"/>
             </a:br>
             <a:br>
               <a:rPr lang="it-IT" b="1" dirty="0"/>
@@ -24280,107 +24123,194 @@
         </p:nvSpPr>
         <p:spPr>
           <a:xfrm>
-            <a:off x="457200" y="1600200"/>
-            <a:ext cx="8229600" cy="4900634"/>
+            <a:off x="457200" y="1357298"/>
+            <a:ext cx="8229600" cy="5357850"/>
           </a:xfrm>
         </p:spPr>
         <p:txBody>
           <a:bodyPr>
-            <a:normAutofit lnSpcReduction="10000"/>
+            <a:normAutofit fontScale="70000" lnSpcReduction="20000"/>
           </a:bodyPr>
           <a:lstStyle/>
           <a:p>
-            <a:r>
-              <a:rPr lang="en-US" sz="2500" b="1" dirty="0" err="1"/>
-              <a:t>Msg</a:t>
-            </a:r>
-            <a:r>
-              <a:rPr lang="en-US" sz="2500" b="1" dirty="0"/>
-              <a:t> #3</a:t>
-            </a:r>
-          </a:p>
-          <a:p>
-            <a:pPr lvl="1"/>
-            <a:r>
-              <a:rPr lang="en-US" sz="2500" dirty="0"/>
-              <a:t>The initiator sends his part of the </a:t>
-            </a:r>
-            <a:r>
-              <a:rPr lang="en-US" sz="2500" dirty="0" err="1"/>
-              <a:t>Diffie</a:t>
-            </a:r>
-            <a:r>
-              <a:rPr lang="en-US" sz="2500" dirty="0"/>
-              <a:t>-Hellman secret plus a random value</a:t>
-            </a:r>
-          </a:p>
-          <a:p>
-            <a:r>
-              <a:rPr lang="en-US" sz="2500" b="1" dirty="0" err="1"/>
-              <a:t>Msg</a:t>
-            </a:r>
-            <a:r>
-              <a:rPr lang="en-US" sz="2500" b="1" dirty="0"/>
-              <a:t> #4</a:t>
-            </a:r>
-          </a:p>
-          <a:p>
-            <a:pPr lvl="1"/>
-            <a:r>
-              <a:rPr lang="en-US" sz="2500" dirty="0"/>
-              <a:t>The responder does the same by sending his part of the </a:t>
-            </a:r>
-            <a:r>
-              <a:rPr lang="en-US" sz="2500" i="1" dirty="0" err="1"/>
-              <a:t>Diffie</a:t>
-            </a:r>
-            <a:r>
-              <a:rPr lang="en-US" sz="2500" i="1" dirty="0"/>
-              <a:t>-Hellman</a:t>
-            </a:r>
-            <a:r>
-              <a:rPr lang="en-US" sz="2500" dirty="0"/>
-              <a:t> </a:t>
-            </a:r>
-            <a:r>
-              <a:rPr lang="en-US" sz="2500" i="1" dirty="0"/>
-              <a:t>secret</a:t>
-            </a:r>
-            <a:r>
-              <a:rPr lang="en-US" sz="2500" dirty="0"/>
-              <a:t> plus a random value</a:t>
-            </a:r>
-          </a:p>
-          <a:p>
-            <a:pPr marL="0" indent="11113">
+            <a:pPr algn="just">
               <a:buNone/>
             </a:pPr>
-            <a:endParaRPr lang="en-US" b="1" dirty="0"/>
-          </a:p>
-          <a:p>
-            <a:pPr marL="0" indent="11113">
+            <a:r>
+              <a:rPr lang="it-IT" b="1" dirty="0"/>
+              <a:t>6 </a:t>
+            </a:r>
+            <a:r>
+              <a:rPr lang="it-IT" b="1" dirty="0" err="1"/>
+              <a:t>messages</a:t>
+            </a:r>
+            <a:r>
+              <a:rPr lang="it-IT" b="1" dirty="0"/>
+              <a:t> </a:t>
+            </a:r>
+            <a:r>
+              <a:rPr lang="it-IT" dirty="0" err="1"/>
+              <a:t>exchanged</a:t>
+            </a:r>
+            <a:r>
+              <a:rPr lang="it-IT" dirty="0"/>
+              <a:t> </a:t>
+            </a:r>
+            <a:r>
+              <a:rPr lang="it-IT" dirty="0" err="1"/>
+              <a:t>between</a:t>
+            </a:r>
+            <a:r>
+              <a:rPr lang="it-IT" dirty="0"/>
+              <a:t> </a:t>
+            </a:r>
+            <a:r>
+              <a:rPr lang="it-IT" dirty="0" err="1"/>
+              <a:t>initiator</a:t>
+            </a:r>
+            <a:r>
+              <a:rPr lang="it-IT" dirty="0"/>
+              <a:t> and </a:t>
+            </a:r>
+            <a:r>
+              <a:rPr lang="it-IT" dirty="0" err="1"/>
+              <a:t>responder</a:t>
+            </a:r>
+            <a:r>
+              <a:rPr lang="it-IT" dirty="0"/>
+              <a:t> </a:t>
+            </a:r>
+            <a:r>
+              <a:rPr lang="it-IT" dirty="0" err="1"/>
+              <a:t>to</a:t>
+            </a:r>
+            <a:r>
+              <a:rPr lang="it-IT" dirty="0"/>
+              <a:t> </a:t>
+            </a:r>
+            <a:r>
+              <a:rPr lang="it-IT" dirty="0" err="1"/>
+              <a:t>estabilish</a:t>
+            </a:r>
+            <a:r>
+              <a:rPr lang="it-IT" dirty="0"/>
+              <a:t> a </a:t>
+            </a:r>
+            <a:r>
+              <a:rPr lang="it-IT" b="1" i="1" dirty="0"/>
+              <a:t>IKE Security </a:t>
+            </a:r>
+            <a:r>
+              <a:rPr lang="it-IT" b="1" i="1" dirty="0" err="1"/>
+              <a:t>Association</a:t>
+            </a:r>
+            <a:r>
+              <a:rPr lang="it-IT" b="1" dirty="0"/>
+              <a:t> </a:t>
+            </a:r>
+            <a:r>
+              <a:rPr lang="it-IT" dirty="0"/>
+              <a:t>(</a:t>
+            </a:r>
+            <a:r>
+              <a:rPr lang="it-IT" b="1" dirty="0"/>
+              <a:t>IKE SA</a:t>
+            </a:r>
+            <a:r>
+              <a:rPr lang="it-IT" dirty="0"/>
+              <a:t>)</a:t>
+            </a:r>
+          </a:p>
+          <a:p>
+            <a:pPr lvl="1" algn="just"/>
+            <a:r>
+              <a:rPr lang="it-IT" dirty="0"/>
+              <a:t>IKE </a:t>
+            </a:r>
+            <a:r>
+              <a:rPr lang="it-IT" dirty="0" err="1"/>
+              <a:t>uses</a:t>
+            </a:r>
+            <a:r>
+              <a:rPr lang="it-IT" dirty="0"/>
+              <a:t> UDP </a:t>
+            </a:r>
+            <a:r>
+              <a:rPr lang="it-IT" dirty="0" err="1"/>
+              <a:t>port</a:t>
+            </a:r>
+            <a:r>
+              <a:rPr lang="it-IT" dirty="0"/>
+              <a:t> 500</a:t>
+            </a:r>
+            <a:endParaRPr lang="it-IT" u="sng" dirty="0"/>
+          </a:p>
+          <a:p>
+            <a:pPr algn="just"/>
+            <a:r>
+              <a:rPr lang="it-IT" sz="3500" b="1" dirty="0"/>
+              <a:t>Msg #1</a:t>
+            </a:r>
+          </a:p>
+          <a:p>
+            <a:pPr lvl="1" algn="just"/>
+            <a:r>
+              <a:rPr lang="en-US" sz="3500" dirty="0"/>
+              <a:t>The initiator sends an IKE SA Proposal listing all supported authentication methods, </a:t>
+            </a:r>
+            <a:r>
+              <a:rPr lang="en-US" sz="3500" dirty="0" err="1"/>
+              <a:t>Diffie</a:t>
+            </a:r>
+            <a:r>
+              <a:rPr lang="en-US" sz="3500" dirty="0"/>
+              <a:t>-Hellman groups, a choice of encryption and hash algorithms and the desired SA lifetime</a:t>
+            </a:r>
+            <a:endParaRPr lang="it-IT" sz="3500" dirty="0"/>
+          </a:p>
+          <a:p>
+            <a:pPr algn="just"/>
+            <a:r>
+              <a:rPr lang="it-IT" sz="3500" b="1" dirty="0"/>
+              <a:t>Msg #2</a:t>
+            </a:r>
+          </a:p>
+          <a:p>
+            <a:pPr lvl="1" algn="just"/>
+            <a:r>
+              <a:rPr lang="en-US" sz="3500" dirty="0"/>
+              <a:t>The responder answers with an IKE SA Response indicating the preferred authentication method, </a:t>
+            </a:r>
+            <a:r>
+              <a:rPr lang="en-US" sz="3500" dirty="0" err="1"/>
+              <a:t>Diffie</a:t>
+            </a:r>
+            <a:r>
+              <a:rPr lang="en-US" sz="3500" dirty="0"/>
+              <a:t>-Hellman group, encryption and hash algorithm and acceptable SA lifetime</a:t>
+            </a:r>
+          </a:p>
+          <a:p>
+            <a:pPr lvl="1" algn="just"/>
+            <a:endParaRPr lang="en-US" dirty="0"/>
+          </a:p>
+          <a:p>
+            <a:pPr marL="0" indent="11113" algn="just">
               <a:buNone/>
             </a:pPr>
             <a:r>
-              <a:rPr lang="en-US" sz="2200" b="1" dirty="0" err="1"/>
+              <a:rPr lang="en-US" sz="2600" dirty="0"/>
+              <a:t>If the two parties were able to successfully negotiate a common set of methods the protocol is continued by establishing an encrypted communication channel using the </a:t>
+            </a:r>
+            <a:r>
+              <a:rPr lang="en-US" sz="2600" dirty="0" err="1"/>
               <a:t>Diffie</a:t>
             </a:r>
             <a:r>
-              <a:rPr lang="en-US" sz="2200" b="1" dirty="0"/>
-              <a:t>-Hellman Key-Exchange </a:t>
-            </a:r>
-            <a:r>
-              <a:rPr lang="en-US" sz="2200" dirty="0"/>
-              <a:t>can now be completed by both parties forming the common shared secret.</a:t>
-            </a:r>
-          </a:p>
-          <a:p>
-            <a:pPr lvl="1"/>
-            <a:r>
-              <a:rPr lang="en-US" sz="2200" dirty="0"/>
-              <a:t>This shared secret is used to generate a symmetric session key with which the remaining messages of the IKE protocol are going to be encrypted</a:t>
-            </a:r>
-            <a:endParaRPr lang="it-IT" sz="2200" dirty="0"/>
+              <a:rPr lang="en-US" sz="2600" dirty="0"/>
+              <a:t>-Hellman Key-Exchange algorithm</a:t>
+            </a:r>
+            <a:endParaRPr lang="it-IT" sz="2600" dirty="0"/>
           </a:p>
         </p:txBody>
       </p:sp>
@@ -24433,30 +24363,30 @@
               <a:rPr lang="it-IT" sz="4000" b="1" dirty="0"/>
             </a:br>
             <a:r>
-              <a:rPr lang="it-IT" b="1" dirty="0"/>
+              <a:rPr lang="it-IT" sz="3100" b="1" dirty="0"/>
               <a:t>IKE </a:t>
             </a:r>
             <a:r>
-              <a:rPr lang="it-IT" b="1" dirty="0" err="1"/>
+              <a:rPr lang="it-IT" sz="3100" b="1" dirty="0" err="1"/>
               <a:t>Phase</a:t>
             </a:r>
             <a:r>
-              <a:rPr lang="it-IT" b="1" dirty="0"/>
+              <a:rPr lang="it-IT" sz="3100" b="1" dirty="0"/>
               <a:t> 1 - </a:t>
             </a:r>
             <a:r>
-              <a:rPr lang="it-IT" b="1" dirty="0" err="1"/>
+              <a:rPr lang="it-IT" sz="3100" b="1" dirty="0" err="1"/>
               <a:t>Main</a:t>
             </a:r>
             <a:r>
-              <a:rPr lang="it-IT" b="1" dirty="0"/>
+              <a:rPr lang="it-IT" sz="3100" b="1" dirty="0"/>
               <a:t> Mode</a:t>
             </a:r>
             <a:br>
-              <a:rPr lang="it-IT" b="1" dirty="0"/>
+              <a:rPr lang="it-IT" sz="3100" b="1" dirty="0"/>
             </a:br>
             <a:r>
-              <a:rPr lang="en-US" b="1" dirty="0"/>
+              <a:rPr lang="en-US" sz="3100" b="1" dirty="0"/>
               <a:t>Establish a Secure Negotiation Channel</a:t>
             </a:r>
             <a:br>
@@ -24487,7 +24417,7 @@
         </p:spPr>
         <p:txBody>
           <a:bodyPr>
-            <a:normAutofit/>
+            <a:normAutofit lnSpcReduction="10000"/>
           </a:bodyPr>
           <a:lstStyle/>
           <a:p>
@@ -24497,30 +24427,22 @@
             </a:r>
             <a:r>
               <a:rPr lang="en-US" sz="2500" b="1" dirty="0"/>
-              <a:t> #5</a:t>
-            </a:r>
-            <a:endParaRPr lang="en-US" sz="2500" dirty="0"/>
+              <a:t> #3</a:t>
+            </a:r>
           </a:p>
           <a:p>
             <a:pPr lvl="1"/>
             <a:r>
               <a:rPr lang="en-US" sz="2500" dirty="0"/>
-              <a:t>The initiator sends his identity optionally followed by a certificate linking the identity to a public key.</a:t>
-            </a:r>
-          </a:p>
-          <a:p>
-            <a:pPr lvl="1"/>
+              <a:t>The initiator sends his part of the </a:t>
+            </a:r>
+            <a:r>
+              <a:rPr lang="en-US" sz="2500" dirty="0" err="1"/>
+              <a:t>Diffie</a:t>
+            </a:r>
             <a:r>
               <a:rPr lang="en-US" sz="2500" dirty="0"/>
-              <a:t>This is followed by a hash over all message fields signed by a </a:t>
-            </a:r>
-            <a:r>
-              <a:rPr lang="en-US" sz="2500" dirty="0" err="1"/>
-              <a:t>preshared</a:t>
-            </a:r>
-            <a:r>
-              <a:rPr lang="en-US" sz="2500" dirty="0"/>
-              <a:t> secret or a private RSA key.</a:t>
+              <a:t>-Hellman secret plus a random value</a:t>
             </a:r>
           </a:p>
           <a:p>
@@ -24530,40 +24452,66 @@
             </a:r>
             <a:r>
               <a:rPr lang="en-US" sz="2500" b="1" dirty="0"/>
-              <a:t> #6</a:t>
-            </a:r>
-            <a:endParaRPr lang="en-US" sz="2500" dirty="0"/>
+              <a:t> #4</a:t>
+            </a:r>
           </a:p>
           <a:p>
             <a:pPr lvl="1"/>
             <a:r>
               <a:rPr lang="en-US" sz="2500" dirty="0"/>
-              <a:t>The same as </a:t>
-            </a:r>
-            <a:r>
-              <a:rPr lang="en-US" sz="2500" dirty="0" err="1"/>
-              <a:t>Msg</a:t>
+              <a:t>The responder does the same by sending his part of the </a:t>
+            </a:r>
+            <a:r>
+              <a:rPr lang="en-US" sz="2500" i="1" dirty="0" err="1"/>
+              <a:t>Diffie</a:t>
+            </a:r>
+            <a:r>
+              <a:rPr lang="en-US" sz="2500" i="1" dirty="0"/>
+              <a:t>-Hellman</a:t>
             </a:r>
             <a:r>
               <a:rPr lang="en-US" sz="2500" dirty="0"/>
-              <a:t> #5 but formed and sent by the responder</a:t>
-            </a:r>
-          </a:p>
-          <a:p>
-            <a:pPr marL="90488" lvl="1" indent="3175">
+              <a:t> </a:t>
+            </a:r>
+            <a:r>
+              <a:rPr lang="en-US" sz="2500" i="1" dirty="0"/>
+              <a:t>secret</a:t>
+            </a:r>
+            <a:r>
+              <a:rPr lang="en-US" sz="2500" dirty="0"/>
+              <a:t> plus a random value</a:t>
+            </a:r>
+          </a:p>
+          <a:p>
+            <a:pPr marL="0" indent="11113">
               <a:buNone/>
             </a:pPr>
-            <a:endParaRPr lang="en-US" dirty="0"/>
-          </a:p>
-          <a:p>
-            <a:pPr marL="90488" lvl="1" indent="3175">
+            <a:endParaRPr lang="en-US" b="1" dirty="0"/>
+          </a:p>
+          <a:p>
+            <a:pPr marL="0" indent="11113">
               <a:buNone/>
             </a:pPr>
             <a:r>
-              <a:rPr lang="en-US" sz="1900" dirty="0"/>
-              <a:t>If the identity of both peers is successfully authenticated then an IKE SA has been established</a:t>
-            </a:r>
-            <a:endParaRPr lang="it-IT" sz="1900" dirty="0"/>
+              <a:rPr lang="en-US" sz="2200" b="1" dirty="0" err="1"/>
+              <a:t>Diffie</a:t>
+            </a:r>
+            <a:r>
+              <a:rPr lang="en-US" sz="2200" b="1" dirty="0"/>
+              <a:t>-Hellman Key-Exchange </a:t>
+            </a:r>
+            <a:r>
+              <a:rPr lang="en-US" sz="2200" dirty="0"/>
+              <a:t>can now be completed by both parties forming the common shared secret.</a:t>
+            </a:r>
+          </a:p>
+          <a:p>
+            <a:pPr lvl="1"/>
+            <a:r>
+              <a:rPr lang="en-US" sz="2200" dirty="0"/>
+              <a:t>This shared secret is used to generate a symmetric session key with which the remaining messages of the IKE protocol are going to be encrypted</a:t>
+            </a:r>
+            <a:endParaRPr lang="it-IT" sz="2200" dirty="0"/>
           </a:p>
         </p:txBody>
       </p:sp>
@@ -24884,6 +24832,189 @@
 </file>
 
 <file path=ppt/slides/slide70.xml><?xml version="1.0" encoding="utf-8"?>
+<p:sld xmlns:a="http://schemas.openxmlformats.org/drawingml/2006/main" xmlns:r="http://schemas.openxmlformats.org/officeDocument/2006/relationships" xmlns:p="http://schemas.openxmlformats.org/presentationml/2006/main">
+  <p:cSld>
+    <p:spTree>
+      <p:nvGrpSpPr>
+        <p:cNvPr id="1" name=""/>
+        <p:cNvGrpSpPr/>
+        <p:nvPr/>
+      </p:nvGrpSpPr>
+      <p:grpSpPr>
+        <a:xfrm>
+          <a:off x="0" y="0"/>
+          <a:ext cx="0" cy="0"/>
+          <a:chOff x="0" y="0"/>
+          <a:chExt cx="0" cy="0"/>
+        </a:xfrm>
+      </p:grpSpPr>
+      <p:sp>
+        <p:nvSpPr>
+          <p:cNvPr id="7" name="Titolo 1"/>
+          <p:cNvSpPr>
+            <a:spLocks noGrp="1"/>
+          </p:cNvSpPr>
+          <p:nvPr>
+            <p:ph type="title"/>
+          </p:nvPr>
+        </p:nvSpPr>
+        <p:spPr/>
+        <p:txBody>
+          <a:bodyPr>
+            <a:normAutofit fontScale="90000"/>
+          </a:bodyPr>
+          <a:lstStyle/>
+          <a:p>
+            <a:br>
+              <a:rPr lang="it-IT" sz="4000" b="1" dirty="0"/>
+            </a:br>
+            <a:br>
+              <a:rPr lang="it-IT" sz="4000" b="1" dirty="0"/>
+            </a:br>
+            <a:r>
+              <a:rPr lang="it-IT" b="1" dirty="0"/>
+              <a:t>IKE </a:t>
+            </a:r>
+            <a:r>
+              <a:rPr lang="it-IT" b="1" dirty="0" err="1"/>
+              <a:t>Phase</a:t>
+            </a:r>
+            <a:r>
+              <a:rPr lang="it-IT" b="1" dirty="0"/>
+              <a:t> 1 - </a:t>
+            </a:r>
+            <a:r>
+              <a:rPr lang="it-IT" b="1" dirty="0" err="1"/>
+              <a:t>Main</a:t>
+            </a:r>
+            <a:r>
+              <a:rPr lang="it-IT" b="1" dirty="0"/>
+              <a:t> Mode</a:t>
+            </a:r>
+            <a:br>
+              <a:rPr lang="it-IT" b="1" dirty="0"/>
+            </a:br>
+            <a:r>
+              <a:rPr lang="en-US" b="1" dirty="0"/>
+              <a:t>Establish a Secure Negotiation Channel</a:t>
+            </a:r>
+            <a:br>
+              <a:rPr lang="en-US" b="1" dirty="0"/>
+            </a:br>
+            <a:br>
+              <a:rPr lang="it-IT" b="1" dirty="0"/>
+            </a:br>
+            <a:endParaRPr lang="it-IT" dirty="0"/>
+          </a:p>
+        </p:txBody>
+      </p:sp>
+      <p:sp>
+        <p:nvSpPr>
+          <p:cNvPr id="8" name="Segnaposto contenuto 7"/>
+          <p:cNvSpPr>
+            <a:spLocks noGrp="1"/>
+          </p:cNvSpPr>
+          <p:nvPr>
+            <p:ph idx="1"/>
+          </p:nvPr>
+        </p:nvSpPr>
+        <p:spPr>
+          <a:xfrm>
+            <a:off x="457200" y="1600200"/>
+            <a:ext cx="8229600" cy="4900634"/>
+          </a:xfrm>
+        </p:spPr>
+        <p:txBody>
+          <a:bodyPr>
+            <a:normAutofit/>
+          </a:bodyPr>
+          <a:lstStyle/>
+          <a:p>
+            <a:r>
+              <a:rPr lang="en-US" sz="2500" b="1" dirty="0" err="1"/>
+              <a:t>Msg</a:t>
+            </a:r>
+            <a:r>
+              <a:rPr lang="en-US" sz="2500" b="1" dirty="0"/>
+              <a:t> #5</a:t>
+            </a:r>
+            <a:endParaRPr lang="en-US" sz="2500" dirty="0"/>
+          </a:p>
+          <a:p>
+            <a:pPr lvl="1"/>
+            <a:r>
+              <a:rPr lang="en-US" sz="2500" dirty="0"/>
+              <a:t>The initiator sends his identity optionally followed by a certificate linking the identity to a public key.</a:t>
+            </a:r>
+          </a:p>
+          <a:p>
+            <a:pPr lvl="1"/>
+            <a:r>
+              <a:rPr lang="en-US" sz="2500" dirty="0"/>
+              <a:t>This is followed by a hash over all message fields signed by a </a:t>
+            </a:r>
+            <a:r>
+              <a:rPr lang="en-US" sz="2500" dirty="0" err="1"/>
+              <a:t>preshared</a:t>
+            </a:r>
+            <a:r>
+              <a:rPr lang="en-US" sz="2500" dirty="0"/>
+              <a:t> secret or a private RSA key.</a:t>
+            </a:r>
+          </a:p>
+          <a:p>
+            <a:r>
+              <a:rPr lang="en-US" sz="2500" b="1" dirty="0" err="1"/>
+              <a:t>Msg</a:t>
+            </a:r>
+            <a:r>
+              <a:rPr lang="en-US" sz="2500" b="1" dirty="0"/>
+              <a:t> #6</a:t>
+            </a:r>
+            <a:endParaRPr lang="en-US" sz="2500" dirty="0"/>
+          </a:p>
+          <a:p>
+            <a:pPr lvl="1"/>
+            <a:r>
+              <a:rPr lang="en-US" sz="2500" dirty="0"/>
+              <a:t>The same as </a:t>
+            </a:r>
+            <a:r>
+              <a:rPr lang="en-US" sz="2500" dirty="0" err="1"/>
+              <a:t>Msg</a:t>
+            </a:r>
+            <a:r>
+              <a:rPr lang="en-US" sz="2500" dirty="0"/>
+              <a:t> #5 but formed and sent by the responder</a:t>
+            </a:r>
+          </a:p>
+          <a:p>
+            <a:pPr marL="90488" lvl="1" indent="3175">
+              <a:buNone/>
+            </a:pPr>
+            <a:endParaRPr lang="en-US" dirty="0"/>
+          </a:p>
+          <a:p>
+            <a:pPr marL="90488" lvl="1" indent="3175">
+              <a:buNone/>
+            </a:pPr>
+            <a:r>
+              <a:rPr lang="en-US" sz="1900" dirty="0"/>
+              <a:t>If the identity of both peers is successfully authenticated then an IKE SA has been established</a:t>
+            </a:r>
+            <a:endParaRPr lang="it-IT" sz="1900" dirty="0"/>
+          </a:p>
+        </p:txBody>
+      </p:sp>
+    </p:spTree>
+  </p:cSld>
+  <p:clrMapOvr>
+    <a:masterClrMapping/>
+  </p:clrMapOvr>
+</p:sld>
+</file>
+
+<file path=ppt/slides/slide71.xml><?xml version="1.0" encoding="utf-8"?>
 <p:sld xmlns:a="http://schemas.openxmlformats.org/drawingml/2006/main" xmlns:r="http://schemas.openxmlformats.org/officeDocument/2006/relationships" xmlns:p="http://schemas.openxmlformats.org/presentationml/2006/main">
   <p:cSld>
     <p:spTree>
@@ -25043,108 +25174,6 @@
 </p:sld>
 </file>
 
-<file path=ppt/slides/slide71.xml><?xml version="1.0" encoding="utf-8"?>
-<p:sld xmlns:a="http://schemas.openxmlformats.org/drawingml/2006/main" xmlns:r="http://schemas.openxmlformats.org/officeDocument/2006/relationships" xmlns:p="http://schemas.openxmlformats.org/presentationml/2006/main">
-  <p:cSld>
-    <p:spTree>
-      <p:nvGrpSpPr>
-        <p:cNvPr id="1" name=""/>
-        <p:cNvGrpSpPr/>
-        <p:nvPr/>
-      </p:nvGrpSpPr>
-      <p:grpSpPr>
-        <a:xfrm>
-          <a:off x="0" y="0"/>
-          <a:ext cx="0" cy="0"/>
-          <a:chOff x="0" y="0"/>
-          <a:chExt cx="0" cy="0"/>
-        </a:xfrm>
-      </p:grpSpPr>
-      <p:sp>
-        <p:nvSpPr>
-          <p:cNvPr id="2" name="Titolo 1"/>
-          <p:cNvSpPr>
-            <a:spLocks noGrp="1"/>
-          </p:cNvSpPr>
-          <p:nvPr>
-            <p:ph type="title"/>
-          </p:nvPr>
-        </p:nvSpPr>
-        <p:spPr/>
-        <p:txBody>
-          <a:bodyPr/>
-          <a:lstStyle/>
-          <a:p>
-            <a:r>
-              <a:rPr lang="it-IT" b="1" dirty="0"/>
-              <a:t>IKE Aggressive Mode</a:t>
-            </a:r>
-          </a:p>
-        </p:txBody>
-      </p:sp>
-      <p:sp>
-        <p:nvSpPr>
-          <p:cNvPr id="6" name="Rettangolo 5"/>
-          <p:cNvSpPr/>
-          <p:nvPr/>
-        </p:nvSpPr>
-        <p:spPr>
-          <a:xfrm>
-            <a:off x="642910" y="1643050"/>
-            <a:ext cx="7786742" cy="3785652"/>
-          </a:xfrm>
-          <a:prstGeom prst="rect">
-            <a:avLst/>
-          </a:prstGeom>
-        </p:spPr>
-        <p:txBody>
-          <a:bodyPr wrap="square">
-            <a:spAutoFit/>
-          </a:bodyPr>
-          <a:lstStyle/>
-          <a:p>
-            <a:pPr algn="just">
-              <a:buFont typeface="Arial" pitchFamily="34" charset="0"/>
-              <a:buChar char="•"/>
-            </a:pPr>
-            <a:r>
-              <a:rPr lang="en-US" sz="2800" dirty="0"/>
-              <a:t> The aggressive mode obtains the same result as the main mode, but with a smaller number of messages (three instead of six) at a price, however, not to authenticate the identities of the two parties</a:t>
-            </a:r>
-          </a:p>
-          <a:p>
-            <a:pPr lvl="1" algn="just">
-              <a:buFont typeface="Calibri" pitchFamily="34" charset="0"/>
-              <a:buChar char="–"/>
-            </a:pPr>
-            <a:r>
-              <a:rPr lang="en-US" sz="2800" dirty="0"/>
-              <a:t> </a:t>
-            </a:r>
-            <a:r>
-              <a:rPr lang="en-US" sz="2400" dirty="0"/>
-              <a:t>given that payloads are exchanged before it is completed the </a:t>
-            </a:r>
-            <a:r>
-              <a:rPr lang="en-US" sz="2400" dirty="0" err="1"/>
-              <a:t>Diffie</a:t>
-            </a:r>
-            <a:r>
-              <a:rPr lang="en-US" sz="2400" dirty="0"/>
-              <a:t>-Hellman exchange, they are transmitted in clear and not encrypted as in the case of the main mode</a:t>
-            </a:r>
-            <a:endParaRPr lang="it-IT" sz="2800" dirty="0"/>
-          </a:p>
-        </p:txBody>
-      </p:sp>
-    </p:spTree>
-  </p:cSld>
-  <p:clrMapOvr>
-    <a:masterClrMapping/>
-  </p:clrMapOvr>
-</p:sld>
-</file>
-
 <file path=ppt/slides/slide72.xml><?xml version="1.0" encoding="utf-8"?>
 <p:sld xmlns:a="http://schemas.openxmlformats.org/drawingml/2006/main" xmlns:r="http://schemas.openxmlformats.org/officeDocument/2006/relationships" xmlns:p="http://schemas.openxmlformats.org/presentationml/2006/main">
   <p:cSld>
@@ -25179,56 +25208,63 @@
           <a:p>
             <a:r>
               <a:rPr lang="it-IT" b="1" dirty="0"/>
-              <a:t>IKE: </a:t>
-            </a:r>
-            <a:r>
-              <a:rPr lang="it-IT" b="1" dirty="0" err="1"/>
-              <a:t>Phase</a:t>
-            </a:r>
-            <a:r>
-              <a:rPr lang="it-IT" b="1" dirty="0"/>
-              <a:t> 2</a:t>
-            </a:r>
-          </a:p>
-        </p:txBody>
-      </p:sp>
-      <p:sp>
-        <p:nvSpPr>
-          <p:cNvPr id="3" name="Segnaposto contenuto 2"/>
-          <p:cNvSpPr>
-            <a:spLocks noGrp="1"/>
-          </p:cNvSpPr>
-          <p:nvPr>
-            <p:ph idx="1"/>
-          </p:nvPr>
-        </p:nvSpPr>
-        <p:spPr/>
-        <p:txBody>
-          <a:bodyPr>
-            <a:normAutofit/>
+              <a:t>IKE Aggressive Mode</a:t>
+            </a:r>
+          </a:p>
+        </p:txBody>
+      </p:sp>
+      <p:sp>
+        <p:nvSpPr>
+          <p:cNvPr id="6" name="Rettangolo 5"/>
+          <p:cNvSpPr/>
+          <p:nvPr/>
+        </p:nvSpPr>
+        <p:spPr>
+          <a:xfrm>
+            <a:off x="642910" y="1643050"/>
+            <a:ext cx="7786742" cy="3785652"/>
+          </a:xfrm>
+          <a:prstGeom prst="rect">
+            <a:avLst/>
+          </a:prstGeom>
+        </p:spPr>
+        <p:txBody>
+          <a:bodyPr wrap="square">
+            <a:spAutoFit/>
           </a:bodyPr>
           <a:lstStyle/>
           <a:p>
-            <a:pPr algn="just"/>
-            <a:r>
-              <a:rPr lang="en-US" dirty="0"/>
-              <a:t>After completing phase 1, with the main mode, with the aggressive mode, the two parties have created a SA, and then can proceed to phase 2</a:t>
-            </a:r>
-          </a:p>
-          <a:p>
-            <a:pPr lvl="1" algn="just"/>
-            <a:r>
-              <a:rPr lang="en-US" dirty="0"/>
-              <a:t>This negotiation takes place with the Quick Mode</a:t>
-            </a:r>
-          </a:p>
-          <a:p>
-            <a:pPr lvl="1" algn="just"/>
-            <a:r>
-              <a:rPr lang="en-US" dirty="0"/>
-              <a:t>Contrary to what happens in the phase 1, here all the messages are encrypted because  protected from the SA</a:t>
-            </a:r>
-            <a:endParaRPr lang="it-IT" dirty="0"/>
+            <a:pPr algn="just">
+              <a:buFont typeface="Arial" pitchFamily="34" charset="0"/>
+              <a:buChar char="•"/>
+            </a:pPr>
+            <a:r>
+              <a:rPr lang="en-US" sz="2800" dirty="0"/>
+              <a:t> The aggressive mode obtains the same result as the main mode, but with a smaller number of messages (three instead of six) at a price, however, not to authenticate the identities of the two parties</a:t>
+            </a:r>
+          </a:p>
+          <a:p>
+            <a:pPr lvl="1" algn="just">
+              <a:buFont typeface="Calibri" pitchFamily="34" charset="0"/>
+              <a:buChar char="–"/>
+            </a:pPr>
+            <a:r>
+              <a:rPr lang="en-US" sz="2800" dirty="0"/>
+              <a:t> </a:t>
+            </a:r>
+            <a:r>
+              <a:rPr lang="en-US" sz="2400" dirty="0"/>
+              <a:t>given that payloads are exchanged before it is completed the </a:t>
+            </a:r>
+            <a:r>
+              <a:rPr lang="en-US" sz="2400" dirty="0" err="1"/>
+              <a:t>Diffie</a:t>
+            </a:r>
+            <a:r>
+              <a:rPr lang="en-US" sz="2400" dirty="0"/>
+              <a:t>-Hellman exchange, they are transmitted in clear and not encrypted as in the case of the main mode</a:t>
+            </a:r>
+            <a:endParaRPr lang="it-IT" sz="2800" dirty="0"/>
           </a:p>
         </p:txBody>
       </p:sp>
@@ -25241,6 +25277,101 @@
 </file>
 
 <file path=ppt/slides/slide73.xml><?xml version="1.0" encoding="utf-8"?>
+<p:sld xmlns:a="http://schemas.openxmlformats.org/drawingml/2006/main" xmlns:r="http://schemas.openxmlformats.org/officeDocument/2006/relationships" xmlns:p="http://schemas.openxmlformats.org/presentationml/2006/main">
+  <p:cSld>
+    <p:spTree>
+      <p:nvGrpSpPr>
+        <p:cNvPr id="1" name=""/>
+        <p:cNvGrpSpPr/>
+        <p:nvPr/>
+      </p:nvGrpSpPr>
+      <p:grpSpPr>
+        <a:xfrm>
+          <a:off x="0" y="0"/>
+          <a:ext cx="0" cy="0"/>
+          <a:chOff x="0" y="0"/>
+          <a:chExt cx="0" cy="0"/>
+        </a:xfrm>
+      </p:grpSpPr>
+      <p:sp>
+        <p:nvSpPr>
+          <p:cNvPr id="2" name="Titolo 1"/>
+          <p:cNvSpPr>
+            <a:spLocks noGrp="1"/>
+          </p:cNvSpPr>
+          <p:nvPr>
+            <p:ph type="title"/>
+          </p:nvPr>
+        </p:nvSpPr>
+        <p:spPr/>
+        <p:txBody>
+          <a:bodyPr/>
+          <a:lstStyle/>
+          <a:p>
+            <a:r>
+              <a:rPr lang="it-IT" b="1" dirty="0"/>
+              <a:t>IKE: </a:t>
+            </a:r>
+            <a:r>
+              <a:rPr lang="it-IT" b="1" dirty="0" err="1"/>
+              <a:t>Phase</a:t>
+            </a:r>
+            <a:r>
+              <a:rPr lang="it-IT" b="1" dirty="0"/>
+              <a:t> 2</a:t>
+            </a:r>
+          </a:p>
+        </p:txBody>
+      </p:sp>
+      <p:sp>
+        <p:nvSpPr>
+          <p:cNvPr id="3" name="Segnaposto contenuto 2"/>
+          <p:cNvSpPr>
+            <a:spLocks noGrp="1"/>
+          </p:cNvSpPr>
+          <p:nvPr>
+            <p:ph idx="1"/>
+          </p:nvPr>
+        </p:nvSpPr>
+        <p:spPr/>
+        <p:txBody>
+          <a:bodyPr>
+            <a:normAutofit/>
+          </a:bodyPr>
+          <a:lstStyle/>
+          <a:p>
+            <a:pPr algn="just"/>
+            <a:r>
+              <a:rPr lang="en-US" dirty="0"/>
+              <a:t>After completing phase 1, with the main mode, with the aggressive mode, the two parties have created a SA, and then can proceed to phase 2</a:t>
+            </a:r>
+          </a:p>
+          <a:p>
+            <a:pPr lvl="1" algn="just"/>
+            <a:r>
+              <a:rPr lang="en-US" dirty="0"/>
+              <a:t>This negotiation takes place with the Quick Mode</a:t>
+            </a:r>
+          </a:p>
+          <a:p>
+            <a:pPr lvl="1" algn="just"/>
+            <a:r>
+              <a:rPr lang="en-US" dirty="0"/>
+              <a:t>Contrary to what happens in the phase 1, here all the messages are encrypted because  protected from the SA</a:t>
+            </a:r>
+            <a:endParaRPr lang="it-IT" dirty="0"/>
+          </a:p>
+        </p:txBody>
+      </p:sp>
+    </p:spTree>
+  </p:cSld>
+  <p:clrMapOvr>
+    <a:masterClrMapping/>
+  </p:clrMapOvr>
+</p:sld>
+</file>
+
+<file path=ppt/slides/slide74.xml><?xml version="1.0" encoding="utf-8"?>
 <p:sld xmlns:a="http://schemas.openxmlformats.org/drawingml/2006/main" xmlns:r="http://schemas.openxmlformats.org/officeDocument/2006/relationships" xmlns:p="http://schemas.openxmlformats.org/presentationml/2006/main">
   <p:cSld>
     <p:spTree>
